--- a/Documents/UiPath Brief.pptx
+++ b/Documents/UiPath Brief.pptx
@@ -2,13 +2,17 @@
 <file path=ppt/presentation.xml><?xml version="1.0" encoding="utf-8"?>
 <p:presentation xmlns:a="http://schemas.openxmlformats.org/drawingml/2006/main" xmlns:r="http://schemas.openxmlformats.org/officeDocument/2006/relationships" xmlns:p="http://schemas.openxmlformats.org/presentationml/2006/main" saveSubsetFonts="1">
   <p:sldMasterIdLst>
-    <p:sldMasterId id="2147483660" r:id="rId1"/>
+    <p:sldMasterId id="2147483684" r:id="rId1"/>
   </p:sldMasterIdLst>
   <p:sldIdLst>
     <p:sldId id="257" r:id="rId2"/>
     <p:sldId id="258" r:id="rId3"/>
-    <p:sldId id="259" r:id="rId4"/>
+    <p:sldId id="264" r:id="rId4"/>
     <p:sldId id="260" r:id="rId5"/>
+    <p:sldId id="261" r:id="rId6"/>
+    <p:sldId id="262" r:id="rId7"/>
+    <p:sldId id="263" r:id="rId8"/>
+    <p:sldId id="265" r:id="rId9"/>
   </p:sldIdLst>
   <p:sldSz cx="9144000" cy="6858000" type="screen4x3"/>
   <p:notesSz cx="6858000" cy="9144000"/>
@@ -16,7 +20,7 @@
     <a:defPPr>
       <a:defRPr lang="en-US"/>
     </a:defPPr>
-    <a:lvl1pPr marL="0" algn="l" defTabSz="914400" rtl="0" eaLnBrk="1" latinLnBrk="0" hangingPunct="1">
+    <a:lvl1pPr marL="0" algn="l" defTabSz="457200" rtl="0" eaLnBrk="1" latinLnBrk="0" hangingPunct="1">
       <a:defRPr sz="1800" kern="1200">
         <a:solidFill>
           <a:schemeClr val="tx1"/>
@@ -26,7 +30,7 @@
         <a:cs typeface="+mn-cs"/>
       </a:defRPr>
     </a:lvl1pPr>
-    <a:lvl2pPr marL="457200" algn="l" defTabSz="914400" rtl="0" eaLnBrk="1" latinLnBrk="0" hangingPunct="1">
+    <a:lvl2pPr marL="457200" algn="l" defTabSz="457200" rtl="0" eaLnBrk="1" latinLnBrk="0" hangingPunct="1">
       <a:defRPr sz="1800" kern="1200">
         <a:solidFill>
           <a:schemeClr val="tx1"/>
@@ -36,7 +40,7 @@
         <a:cs typeface="+mn-cs"/>
       </a:defRPr>
     </a:lvl2pPr>
-    <a:lvl3pPr marL="914400" algn="l" defTabSz="914400" rtl="0" eaLnBrk="1" latinLnBrk="0" hangingPunct="1">
+    <a:lvl3pPr marL="914400" algn="l" defTabSz="457200" rtl="0" eaLnBrk="1" latinLnBrk="0" hangingPunct="1">
       <a:defRPr sz="1800" kern="1200">
         <a:solidFill>
           <a:schemeClr val="tx1"/>
@@ -46,7 +50,7 @@
         <a:cs typeface="+mn-cs"/>
       </a:defRPr>
     </a:lvl3pPr>
-    <a:lvl4pPr marL="1371600" algn="l" defTabSz="914400" rtl="0" eaLnBrk="1" latinLnBrk="0" hangingPunct="1">
+    <a:lvl4pPr marL="1371600" algn="l" defTabSz="457200" rtl="0" eaLnBrk="1" latinLnBrk="0" hangingPunct="1">
       <a:defRPr sz="1800" kern="1200">
         <a:solidFill>
           <a:schemeClr val="tx1"/>
@@ -56,7 +60,7 @@
         <a:cs typeface="+mn-cs"/>
       </a:defRPr>
     </a:lvl4pPr>
-    <a:lvl5pPr marL="1828800" algn="l" defTabSz="914400" rtl="0" eaLnBrk="1" latinLnBrk="0" hangingPunct="1">
+    <a:lvl5pPr marL="1828800" algn="l" defTabSz="457200" rtl="0" eaLnBrk="1" latinLnBrk="0" hangingPunct="1">
       <a:defRPr sz="1800" kern="1200">
         <a:solidFill>
           <a:schemeClr val="tx1"/>
@@ -66,7 +70,7 @@
         <a:cs typeface="+mn-cs"/>
       </a:defRPr>
     </a:lvl5pPr>
-    <a:lvl6pPr marL="2286000" algn="l" defTabSz="914400" rtl="0" eaLnBrk="1" latinLnBrk="0" hangingPunct="1">
+    <a:lvl6pPr marL="2286000" algn="l" defTabSz="457200" rtl="0" eaLnBrk="1" latinLnBrk="0" hangingPunct="1">
       <a:defRPr sz="1800" kern="1200">
         <a:solidFill>
           <a:schemeClr val="tx1"/>
@@ -76,7 +80,7 @@
         <a:cs typeface="+mn-cs"/>
       </a:defRPr>
     </a:lvl6pPr>
-    <a:lvl7pPr marL="2743200" algn="l" defTabSz="914400" rtl="0" eaLnBrk="1" latinLnBrk="0" hangingPunct="1">
+    <a:lvl7pPr marL="2743200" algn="l" defTabSz="457200" rtl="0" eaLnBrk="1" latinLnBrk="0" hangingPunct="1">
       <a:defRPr sz="1800" kern="1200">
         <a:solidFill>
           <a:schemeClr val="tx1"/>
@@ -86,7 +90,7 @@
         <a:cs typeface="+mn-cs"/>
       </a:defRPr>
     </a:lvl7pPr>
-    <a:lvl8pPr marL="3200400" algn="l" defTabSz="914400" rtl="0" eaLnBrk="1" latinLnBrk="0" hangingPunct="1">
+    <a:lvl8pPr marL="3200400" algn="l" defTabSz="457200" rtl="0" eaLnBrk="1" latinLnBrk="0" hangingPunct="1">
       <a:defRPr sz="1800" kern="1200">
         <a:solidFill>
           <a:schemeClr val="tx1"/>
@@ -96,7 +100,7 @@
         <a:cs typeface="+mn-cs"/>
       </a:defRPr>
     </a:lvl8pPr>
-    <a:lvl9pPr marL="3657600" algn="l" defTabSz="914400" rtl="0" eaLnBrk="1" latinLnBrk="0" hangingPunct="1">
+    <a:lvl9pPr marL="3657600" algn="l" defTabSz="457200" rtl="0" eaLnBrk="1" latinLnBrk="0" hangingPunct="1">
       <a:defRPr sz="1800" kern="1200">
         <a:solidFill>
           <a:schemeClr val="tx1"/>
@@ -107,11 +111,43 @@
       </a:defRPr>
     </a:lvl9pPr>
   </p:defaultTextStyle>
+  <p:extLst>
+    <p:ext uri="{521415D9-36F7-43E2-AB2F-B90AF26B5E84}">
+      <p14:sectionLst xmlns:p14="http://schemas.microsoft.com/office/powerpoint/2010/main">
+        <p14:section name="Default Section" id="{ED72F4FA-EE2B-4E97-B8AF-727172AED1ED}">
+          <p14:sldIdLst>
+            <p14:sldId id="257"/>
+            <p14:sldId id="258"/>
+            <p14:sldId id="264"/>
+            <p14:sldId id="260"/>
+            <p14:sldId id="261"/>
+            <p14:sldId id="262"/>
+            <p14:sldId id="263"/>
+            <p14:sldId id="265"/>
+          </p14:sldIdLst>
+        </p14:section>
+      </p14:sectionLst>
+    </p:ext>
+    <p:ext uri="{EFAFB233-063F-42B5-8137-9DF3F51BA10A}">
+      <p15:sldGuideLst xmlns:p15="http://schemas.microsoft.com/office/powerpoint/2012/main">
+        <p15:guide id="1" orient="horz" pos="2160">
+          <p15:clr>
+            <a:srgbClr val="A4A3A4"/>
+          </p15:clr>
+        </p15:guide>
+        <p15:guide id="2" pos="2880">
+          <p15:clr>
+            <a:srgbClr val="A4A3A4"/>
+          </p15:clr>
+        </p15:guide>
+      </p15:sldGuideLst>
+    </p:ext>
+  </p:extLst>
 </p:presentation>
 </file>
 
 <file path=ppt/slideLayouts/slideLayout1.xml><?xml version="1.0" encoding="utf-8"?>
-<p:sldLayout xmlns:a="http://schemas.openxmlformats.org/drawingml/2006/main" xmlns:r="http://schemas.openxmlformats.org/officeDocument/2006/relationships" xmlns:p="http://schemas.openxmlformats.org/presentationml/2006/main" type="title" preserve="1">
+<p:sldLayout xmlns:a="http://schemas.openxmlformats.org/drawingml/2006/main" xmlns:r="http://schemas.openxmlformats.org/officeDocument/2006/relationships" xmlns:p="http://schemas.openxmlformats.org/presentationml/2006/main" showMasterSp="0" type="title" preserve="1">
   <p:cSld name="Title Slide">
     <p:spTree>
       <p:nvGrpSpPr>
@@ -127,6 +163,196 @@
           <a:chExt cx="0" cy="0"/>
         </a:xfrm>
       </p:grpSpPr>
+      <p:grpSp>
+        <p:nvGrpSpPr>
+          <p:cNvPr id="16" name="Group 15"/>
+          <p:cNvGrpSpPr/>
+          <p:nvPr/>
+        </p:nvGrpSpPr>
+        <p:grpSpPr>
+          <a:xfrm>
+            <a:off x="4334933" y="1169931"/>
+            <a:ext cx="4814835" cy="4993802"/>
+            <a:chOff x="4334933" y="1169931"/>
+            <a:chExt cx="4814835" cy="4993802"/>
+          </a:xfrm>
+        </p:grpSpPr>
+        <p:cxnSp>
+          <p:nvCxnSpPr>
+            <p:cNvPr id="17" name="Straight Connector 16"/>
+            <p:cNvCxnSpPr/>
+            <p:nvPr/>
+          </p:nvCxnSpPr>
+          <p:spPr>
+            <a:xfrm flipH="1">
+              <a:off x="6009259" y="1169931"/>
+              <a:ext cx="3134741" cy="3134741"/>
+            </a:xfrm>
+            <a:prstGeom prst="line">
+              <a:avLst/>
+            </a:prstGeom>
+            <a:ln w="12700">
+              <a:solidFill>
+                <a:schemeClr val="tx1"/>
+              </a:solidFill>
+            </a:ln>
+          </p:spPr>
+          <p:style>
+            <a:lnRef idx="2">
+              <a:schemeClr val="accent1"/>
+            </a:lnRef>
+            <a:fillRef idx="0">
+              <a:schemeClr val="accent1"/>
+            </a:fillRef>
+            <a:effectRef idx="1">
+              <a:schemeClr val="accent1"/>
+            </a:effectRef>
+            <a:fontRef idx="minor">
+              <a:schemeClr val="tx1"/>
+            </a:fontRef>
+          </p:style>
+        </p:cxnSp>
+        <p:cxnSp>
+          <p:nvCxnSpPr>
+            <p:cNvPr id="19" name="Straight Connector 18"/>
+            <p:cNvCxnSpPr/>
+            <p:nvPr/>
+          </p:nvCxnSpPr>
+          <p:spPr>
+            <a:xfrm flipH="1">
+              <a:off x="4334933" y="1348898"/>
+              <a:ext cx="4814835" cy="4814835"/>
+            </a:xfrm>
+            <a:prstGeom prst="line">
+              <a:avLst/>
+            </a:prstGeom>
+            <a:ln w="12700">
+              <a:solidFill>
+                <a:schemeClr val="tx1"/>
+              </a:solidFill>
+            </a:ln>
+          </p:spPr>
+          <p:style>
+            <a:lnRef idx="2">
+              <a:schemeClr val="accent1"/>
+            </a:lnRef>
+            <a:fillRef idx="0">
+              <a:schemeClr val="accent1"/>
+            </a:fillRef>
+            <a:effectRef idx="1">
+              <a:schemeClr val="accent1"/>
+            </a:effectRef>
+            <a:fontRef idx="minor">
+              <a:schemeClr val="tx1"/>
+            </a:fontRef>
+          </p:style>
+        </p:cxnSp>
+        <p:cxnSp>
+          <p:nvCxnSpPr>
+            <p:cNvPr id="21" name="Straight Connector 20"/>
+            <p:cNvCxnSpPr/>
+            <p:nvPr/>
+          </p:nvCxnSpPr>
+          <p:spPr>
+            <a:xfrm flipH="1">
+              <a:off x="5225595" y="1469269"/>
+              <a:ext cx="3912054" cy="3912054"/>
+            </a:xfrm>
+            <a:prstGeom prst="line">
+              <a:avLst/>
+            </a:prstGeom>
+            <a:ln w="12700">
+              <a:solidFill>
+                <a:schemeClr val="tx1"/>
+              </a:solidFill>
+            </a:ln>
+          </p:spPr>
+          <p:style>
+            <a:lnRef idx="2">
+              <a:schemeClr val="accent1"/>
+            </a:lnRef>
+            <a:fillRef idx="0">
+              <a:schemeClr val="accent1"/>
+            </a:fillRef>
+            <a:effectRef idx="1">
+              <a:schemeClr val="accent1"/>
+            </a:effectRef>
+            <a:fontRef idx="minor">
+              <a:schemeClr val="tx1"/>
+            </a:fontRef>
+          </p:style>
+        </p:cxnSp>
+        <p:cxnSp>
+          <p:nvCxnSpPr>
+            <p:cNvPr id="22" name="Straight Connector 21"/>
+            <p:cNvCxnSpPr/>
+            <p:nvPr/>
+          </p:nvCxnSpPr>
+          <p:spPr>
+            <a:xfrm flipH="1">
+              <a:off x="5304588" y="1307856"/>
+              <a:ext cx="3839412" cy="3839412"/>
+            </a:xfrm>
+            <a:prstGeom prst="line">
+              <a:avLst/>
+            </a:prstGeom>
+            <a:ln w="31750">
+              <a:solidFill>
+                <a:schemeClr val="tx1"/>
+              </a:solidFill>
+            </a:ln>
+          </p:spPr>
+          <p:style>
+            <a:lnRef idx="2">
+              <a:schemeClr val="accent1"/>
+            </a:lnRef>
+            <a:fillRef idx="0">
+              <a:schemeClr val="accent1"/>
+            </a:fillRef>
+            <a:effectRef idx="1">
+              <a:schemeClr val="accent1"/>
+            </a:effectRef>
+            <a:fontRef idx="minor">
+              <a:schemeClr val="tx1"/>
+            </a:fontRef>
+          </p:style>
+        </p:cxnSp>
+        <p:cxnSp>
+          <p:nvCxnSpPr>
+            <p:cNvPr id="23" name="Straight Connector 22"/>
+            <p:cNvCxnSpPr/>
+            <p:nvPr/>
+          </p:nvCxnSpPr>
+          <p:spPr>
+            <a:xfrm flipH="1">
+              <a:off x="5707078" y="1770196"/>
+              <a:ext cx="3430571" cy="3430570"/>
+            </a:xfrm>
+            <a:prstGeom prst="line">
+              <a:avLst/>
+            </a:prstGeom>
+            <a:ln w="31750">
+              <a:solidFill>
+                <a:schemeClr val="tx1"/>
+              </a:solidFill>
+            </a:ln>
+          </p:spPr>
+          <p:style>
+            <a:lnRef idx="2">
+              <a:schemeClr val="accent1"/>
+            </a:lnRef>
+            <a:fillRef idx="0">
+              <a:schemeClr val="accent1"/>
+            </a:fillRef>
+            <a:effectRef idx="1">
+              <a:schemeClr val="accent1"/>
+            </a:effectRef>
+            <a:fontRef idx="minor">
+              <a:schemeClr val="tx1"/>
+            </a:fontRef>
+          </p:style>
+        </p:cxnSp>
+      </p:grpSp>
       <p:sp>
         <p:nvSpPr>
           <p:cNvPr id="2" name="Title 1"/>
@@ -139,63 +365,72 @@
         </p:nvSpPr>
         <p:spPr>
           <a:xfrm>
-            <a:off x="685800" y="609601"/>
-            <a:ext cx="7772400" cy="4267200"/>
+            <a:off x="533400" y="533400"/>
+            <a:ext cx="6154713" cy="3124201"/>
           </a:xfrm>
         </p:spPr>
         <p:txBody>
           <a:bodyPr anchor="b">
-            <a:noAutofit/>
-          </a:bodyPr>
-          <a:lstStyle>
-            <a:lvl1pPr>
-              <a:lnSpc>
-                <a:spcPct val="100000"/>
-              </a:lnSpc>
-              <a:defRPr sz="8000"/>
-            </a:lvl1pPr>
-          </a:lstStyle>
-          <a:p>
-            <a:r>
-              <a:rPr lang="en-US" smtClean="0"/>
-              <a:t>Click to edit Master title style</a:t>
-            </a:r>
-            <a:endParaRPr lang="en-US" dirty="0"/>
-          </a:p>
-        </p:txBody>
-      </p:sp>
-      <p:sp>
-        <p:nvSpPr>
-          <p:cNvPr id="3" name="Subtitle 2"/>
-          <p:cNvSpPr>
-            <a:spLocks noGrp="1"/>
-          </p:cNvSpPr>
-          <p:nvPr>
-            <p:ph type="subTitle" idx="1"/>
-          </p:nvPr>
-        </p:nvSpPr>
-        <p:spPr>
-          <a:xfrm>
-            <a:off x="1371600" y="4953000"/>
-            <a:ext cx="6400800" cy="1219200"/>
-          </a:xfrm>
-        </p:spPr>
-        <p:txBody>
-          <a:bodyPr>
             <a:normAutofit/>
           </a:bodyPr>
           <a:lstStyle>
-            <a:lvl1pPr marL="0" indent="0" algn="ctr">
-              <a:buNone/>
-              <a:defRPr sz="2400">
+            <a:lvl1pPr algn="l">
+              <a:defRPr sz="4400">
+                <a:effectLst/>
+              </a:defRPr>
+            </a:lvl1pPr>
+          </a:lstStyle>
+          <a:p>
+            <a:r>
+              <a:rPr lang="en-US"/>
+              <a:t>Click to edit Master title style</a:t>
+            </a:r>
+            <a:endParaRPr lang="en-US" dirty="0"/>
+          </a:p>
+        </p:txBody>
+      </p:sp>
+      <p:sp>
+        <p:nvSpPr>
+          <p:cNvPr id="3" name="Subtitle 2"/>
+          <p:cNvSpPr>
+            <a:spLocks noGrp="1"/>
+          </p:cNvSpPr>
+          <p:nvPr>
+            <p:ph type="subTitle" idx="1"/>
+          </p:nvPr>
+        </p:nvSpPr>
+        <p:spPr>
+          <a:xfrm>
+            <a:off x="533400" y="3843868"/>
+            <a:ext cx="4954250" cy="1913466"/>
+          </a:xfrm>
+        </p:spPr>
+        <p:txBody>
+          <a:bodyPr anchor="t">
+            <a:normAutofit/>
+          </a:bodyPr>
+          <a:lstStyle>
+            <a:lvl1pPr marL="0" indent="0" algn="l">
+              <a:buNone/>
+              <a:defRPr sz="2000">
+                <a:solidFill>
+                  <a:schemeClr val="bg2">
+                    <a:lumMod val="75000"/>
+                  </a:schemeClr>
+                </a:solidFill>
+              </a:defRPr>
+            </a:lvl1pPr>
+            <a:lvl2pPr marL="457200" indent="0" algn="ctr">
+              <a:buNone/>
+              <a:defRPr>
                 <a:solidFill>
                   <a:schemeClr val="tx1">
                     <a:tint val="75000"/>
                   </a:schemeClr>
                 </a:solidFill>
               </a:defRPr>
-            </a:lvl1pPr>
-            <a:lvl2pPr marL="457200" indent="0" algn="ctr">
+            </a:lvl2pPr>
+            <a:lvl3pPr marL="914400" indent="0" algn="ctr">
               <a:buNone/>
               <a:defRPr>
                 <a:solidFill>
@@ -204,8 +439,8 @@
                   </a:schemeClr>
                 </a:solidFill>
               </a:defRPr>
-            </a:lvl2pPr>
-            <a:lvl3pPr marL="914400" indent="0" algn="ctr">
+            </a:lvl3pPr>
+            <a:lvl4pPr marL="1371600" indent="0" algn="ctr">
               <a:buNone/>
               <a:defRPr>
                 <a:solidFill>
@@ -214,8 +449,8 @@
                   </a:schemeClr>
                 </a:solidFill>
               </a:defRPr>
-            </a:lvl3pPr>
-            <a:lvl4pPr marL="1371600" indent="0" algn="ctr">
+            </a:lvl4pPr>
+            <a:lvl5pPr marL="1828800" indent="0" algn="ctr">
               <a:buNone/>
               <a:defRPr>
                 <a:solidFill>
@@ -224,8 +459,8 @@
                   </a:schemeClr>
                 </a:solidFill>
               </a:defRPr>
-            </a:lvl4pPr>
-            <a:lvl5pPr marL="1828800" indent="0" algn="ctr">
+            </a:lvl5pPr>
+            <a:lvl6pPr marL="2286000" indent="0" algn="ctr">
               <a:buNone/>
               <a:defRPr>
                 <a:solidFill>
@@ -234,8 +469,8 @@
                   </a:schemeClr>
                 </a:solidFill>
               </a:defRPr>
-            </a:lvl5pPr>
-            <a:lvl6pPr marL="2286000" indent="0" algn="ctr">
+            </a:lvl6pPr>
+            <a:lvl7pPr marL="2743200" indent="0" algn="ctr">
               <a:buNone/>
               <a:defRPr>
                 <a:solidFill>
@@ -244,8 +479,8 @@
                   </a:schemeClr>
                 </a:solidFill>
               </a:defRPr>
-            </a:lvl6pPr>
-            <a:lvl7pPr marL="2743200" indent="0" algn="ctr">
+            </a:lvl7pPr>
+            <a:lvl8pPr marL="3200400" indent="0" algn="ctr">
               <a:buNone/>
               <a:defRPr>
                 <a:solidFill>
@@ -254,8 +489,8 @@
                   </a:schemeClr>
                 </a:solidFill>
               </a:defRPr>
-            </a:lvl7pPr>
-            <a:lvl8pPr marL="3200400" indent="0" algn="ctr">
+            </a:lvl8pPr>
+            <a:lvl9pPr marL="3657600" indent="0" algn="ctr">
               <a:buNone/>
               <a:defRPr>
                 <a:solidFill>
@@ -264,21 +499,11 @@
                   </a:schemeClr>
                 </a:solidFill>
               </a:defRPr>
-            </a:lvl8pPr>
-            <a:lvl9pPr marL="3657600" indent="0" algn="ctr">
-              <a:buNone/>
-              <a:defRPr>
-                <a:solidFill>
-                  <a:schemeClr val="tx1">
-                    <a:tint val="75000"/>
-                  </a:schemeClr>
-                </a:solidFill>
-              </a:defRPr>
             </a:lvl9pPr>
           </a:lstStyle>
           <a:p>
             <a:r>
-              <a:rPr lang="en-US" smtClean="0"/>
+              <a:rPr lang="en-US"/>
               <a:t>Click to edit Master subtitle style</a:t>
             </a:r>
             <a:endParaRPr lang="en-US" dirty="0"/>
@@ -287,7 +512,7 @@
       </p:sp>
       <p:sp>
         <p:nvSpPr>
-          <p:cNvPr id="7" name="Date Placeholder 6"/>
+          <p:cNvPr id="4" name="Date Placeholder 3"/>
           <p:cNvSpPr>
             <a:spLocks noGrp="1"/>
           </p:cNvSpPr>
@@ -310,12 +535,31 @@
       </p:sp>
       <p:sp>
         <p:nvSpPr>
-          <p:cNvPr id="8" name="Slide Number Placeholder 7"/>
-          <p:cNvSpPr>
-            <a:spLocks noGrp="1"/>
-          </p:cNvSpPr>
-          <p:nvPr>
-            <p:ph type="sldNum" sz="quarter" idx="11"/>
+          <p:cNvPr id="5" name="Footer Placeholder 4"/>
+          <p:cNvSpPr>
+            <a:spLocks noGrp="1"/>
+          </p:cNvSpPr>
+          <p:nvPr>
+            <p:ph type="ftr" sz="quarter" idx="11"/>
+          </p:nvPr>
+        </p:nvSpPr>
+        <p:spPr/>
+        <p:txBody>
+          <a:bodyPr/>
+          <a:lstStyle/>
+          <a:p>
+            <a:endParaRPr lang="en-US"/>
+          </a:p>
+        </p:txBody>
+      </p:sp>
+      <p:sp>
+        <p:nvSpPr>
+          <p:cNvPr id="6" name="Slide Number Placeholder 5"/>
+          <p:cNvSpPr>
+            <a:spLocks noGrp="1"/>
+          </p:cNvSpPr>
+          <p:nvPr>
+            <p:ph type="sldNum" sz="quarter" idx="12"/>
           </p:nvPr>
         </p:nvSpPr>
         <p:spPr/>
@@ -331,26 +575,12 @@
           </a:p>
         </p:txBody>
       </p:sp>
-      <p:sp>
-        <p:nvSpPr>
-          <p:cNvPr id="9" name="Footer Placeholder 8"/>
-          <p:cNvSpPr>
-            <a:spLocks noGrp="1"/>
-          </p:cNvSpPr>
-          <p:nvPr>
-            <p:ph type="ftr" sz="quarter" idx="12"/>
-          </p:nvPr>
-        </p:nvSpPr>
-        <p:spPr/>
-        <p:txBody>
-          <a:bodyPr/>
-          <a:lstStyle/>
-          <a:p>
-            <a:endParaRPr lang="en-US"/>
-          </a:p>
-        </p:txBody>
-      </p:sp>
     </p:spTree>
+    <p:extLst>
+      <p:ext uri="{BB962C8B-B14F-4D97-AF65-F5344CB8AC3E}">
+        <p14:creationId xmlns:p14="http://schemas.microsoft.com/office/powerpoint/2010/main" val="2926226919"/>
+      </p:ext>
+    </p:extLst>
   </p:cSld>
   <p:clrMapOvr>
     <a:masterClrMapping/>
@@ -359,6 +589,1817 @@
 </file>
 
 <file path=ppt/slideLayouts/slideLayout10.xml><?xml version="1.0" encoding="utf-8"?>
+<p:sldLayout xmlns:a="http://schemas.openxmlformats.org/drawingml/2006/main" xmlns:r="http://schemas.openxmlformats.org/officeDocument/2006/relationships" xmlns:p="http://schemas.openxmlformats.org/presentationml/2006/main" preserve="1">
+  <p:cSld name="Panoramic Picture with Caption">
+    <p:spTree>
+      <p:nvGrpSpPr>
+        <p:cNvPr id="1" name=""/>
+        <p:cNvGrpSpPr/>
+        <p:nvPr/>
+      </p:nvGrpSpPr>
+      <p:grpSpPr>
+        <a:xfrm>
+          <a:off x="0" y="0"/>
+          <a:ext cx="0" cy="0"/>
+          <a:chOff x="0" y="0"/>
+          <a:chExt cx="0" cy="0"/>
+        </a:xfrm>
+      </p:grpSpPr>
+      <p:sp>
+        <p:nvSpPr>
+          <p:cNvPr id="2" name="Title 1"/>
+          <p:cNvSpPr>
+            <a:spLocks noGrp="1"/>
+          </p:cNvSpPr>
+          <p:nvPr>
+            <p:ph type="title"/>
+          </p:nvPr>
+        </p:nvSpPr>
+        <p:spPr>
+          <a:xfrm>
+            <a:off x="533400" y="4495800"/>
+            <a:ext cx="6554867" cy="1524000"/>
+          </a:xfrm>
+        </p:spPr>
+        <p:txBody>
+          <a:bodyPr/>
+          <a:lstStyle/>
+          <a:p>
+            <a:r>
+              <a:rPr lang="en-US"/>
+              <a:t>Click to edit Master title style</a:t>
+            </a:r>
+            <a:endParaRPr lang="en-US" dirty="0"/>
+          </a:p>
+        </p:txBody>
+      </p:sp>
+      <p:sp>
+        <p:nvSpPr>
+          <p:cNvPr id="6" name="Picture Placeholder 2"/>
+          <p:cNvSpPr>
+            <a:spLocks noGrp="1" noChangeAspect="1"/>
+          </p:cNvSpPr>
+          <p:nvPr>
+            <p:ph type="pic" idx="13"/>
+          </p:nvPr>
+        </p:nvSpPr>
+        <p:spPr>
+          <a:xfrm>
+            <a:off x="533400" y="533400"/>
+            <a:ext cx="8077200" cy="3124200"/>
+          </a:xfrm>
+          <a:prstGeom prst="snip2DiagRect">
+            <a:avLst>
+              <a:gd name="adj1" fmla="val 10815"/>
+              <a:gd name="adj2" fmla="val 0"/>
+            </a:avLst>
+          </a:prstGeom>
+          <a:ln w="15875">
+            <a:solidFill>
+              <a:schemeClr val="tx1">
+                <a:alpha val="40000"/>
+              </a:schemeClr>
+            </a:solidFill>
+          </a:ln>
+          <a:effectLst>
+            <a:innerShdw blurRad="57150" dist="38100" dir="14460000">
+              <a:srgbClr val="000000">
+                <a:alpha val="70000"/>
+              </a:srgbClr>
+            </a:innerShdw>
+          </a:effectLst>
+        </p:spPr>
+        <p:txBody>
+          <a:bodyPr anchor="t">
+            <a:normAutofit/>
+          </a:bodyPr>
+          <a:lstStyle>
+            <a:lvl1pPr marL="0" indent="0" algn="ctr">
+              <a:buNone/>
+              <a:defRPr sz="1600"/>
+            </a:lvl1pPr>
+            <a:lvl2pPr marL="457200" indent="0">
+              <a:buNone/>
+              <a:defRPr sz="1600"/>
+            </a:lvl2pPr>
+            <a:lvl3pPr marL="914400" indent="0">
+              <a:buNone/>
+              <a:defRPr sz="1600"/>
+            </a:lvl3pPr>
+            <a:lvl4pPr marL="1371600" indent="0">
+              <a:buNone/>
+              <a:defRPr sz="1600"/>
+            </a:lvl4pPr>
+            <a:lvl5pPr marL="1828800" indent="0">
+              <a:buNone/>
+              <a:defRPr sz="1600"/>
+            </a:lvl5pPr>
+            <a:lvl6pPr marL="2286000" indent="0">
+              <a:buNone/>
+              <a:defRPr sz="1600"/>
+            </a:lvl6pPr>
+            <a:lvl7pPr marL="2743200" indent="0">
+              <a:buNone/>
+              <a:defRPr sz="1600"/>
+            </a:lvl7pPr>
+            <a:lvl8pPr marL="3200400" indent="0">
+              <a:buNone/>
+              <a:defRPr sz="1600"/>
+            </a:lvl8pPr>
+            <a:lvl9pPr marL="3657600" indent="0">
+              <a:buNone/>
+              <a:defRPr sz="1600"/>
+            </a:lvl9pPr>
+          </a:lstStyle>
+          <a:p>
+            <a:r>
+              <a:rPr lang="en-US"/>
+              <a:t>Click icon to add picture</a:t>
+            </a:r>
+            <a:endParaRPr lang="en-US" dirty="0"/>
+          </a:p>
+        </p:txBody>
+      </p:sp>
+      <p:sp>
+        <p:nvSpPr>
+          <p:cNvPr id="9" name="Text Placeholder 9"/>
+          <p:cNvSpPr>
+            <a:spLocks noGrp="1"/>
+          </p:cNvSpPr>
+          <p:nvPr>
+            <p:ph type="body" sz="quarter" idx="14"/>
+          </p:nvPr>
+        </p:nvSpPr>
+        <p:spPr>
+          <a:xfrm>
+            <a:off x="762002" y="3843867"/>
+            <a:ext cx="7281332" cy="457200"/>
+          </a:xfrm>
+        </p:spPr>
+        <p:txBody>
+          <a:bodyPr anchor="t">
+            <a:normAutofit/>
+          </a:bodyPr>
+          <a:lstStyle>
+            <a:lvl1pPr marL="0" indent="0">
+              <a:buFontTx/>
+              <a:buNone/>
+              <a:defRPr sz="1600"/>
+            </a:lvl1pPr>
+            <a:lvl2pPr marL="457200" indent="0">
+              <a:buFontTx/>
+              <a:buNone/>
+              <a:defRPr/>
+            </a:lvl2pPr>
+            <a:lvl3pPr marL="914400" indent="0">
+              <a:buFontTx/>
+              <a:buNone/>
+              <a:defRPr/>
+            </a:lvl3pPr>
+            <a:lvl4pPr marL="1371600" indent="0">
+              <a:buFontTx/>
+              <a:buNone/>
+              <a:defRPr/>
+            </a:lvl4pPr>
+            <a:lvl5pPr marL="1828800" indent="0">
+              <a:buFontTx/>
+              <a:buNone/>
+              <a:defRPr/>
+            </a:lvl5pPr>
+          </a:lstStyle>
+          <a:p>
+            <a:pPr lvl="0"/>
+            <a:r>
+              <a:rPr lang="en-US"/>
+              <a:t>Edit Master text styles</a:t>
+            </a:r>
+          </a:p>
+        </p:txBody>
+      </p:sp>
+      <p:sp>
+        <p:nvSpPr>
+          <p:cNvPr id="3" name="Date Placeholder 2"/>
+          <p:cNvSpPr>
+            <a:spLocks noGrp="1"/>
+          </p:cNvSpPr>
+          <p:nvPr>
+            <p:ph type="dt" sz="half" idx="10"/>
+          </p:nvPr>
+        </p:nvSpPr>
+        <p:spPr/>
+        <p:txBody>
+          <a:bodyPr/>
+          <a:lstStyle/>
+          <a:p>
+            <a:fld id="{84D3A309-20A9-447D-B5F1-8EF0C9B7E70B}" type="datetimeFigureOut">
+              <a:rPr lang="en-US" smtClean="0"/>
+              <a:t>11/25/2018</a:t>
+            </a:fld>
+            <a:endParaRPr lang="en-US"/>
+          </a:p>
+        </p:txBody>
+      </p:sp>
+      <p:sp>
+        <p:nvSpPr>
+          <p:cNvPr id="4" name="Footer Placeholder 3"/>
+          <p:cNvSpPr>
+            <a:spLocks noGrp="1"/>
+          </p:cNvSpPr>
+          <p:nvPr>
+            <p:ph type="ftr" sz="quarter" idx="11"/>
+          </p:nvPr>
+        </p:nvSpPr>
+        <p:spPr/>
+        <p:txBody>
+          <a:bodyPr/>
+          <a:lstStyle/>
+          <a:p>
+            <a:endParaRPr lang="en-US"/>
+          </a:p>
+        </p:txBody>
+      </p:sp>
+      <p:sp>
+        <p:nvSpPr>
+          <p:cNvPr id="5" name="Slide Number Placeholder 4"/>
+          <p:cNvSpPr>
+            <a:spLocks noGrp="1"/>
+          </p:cNvSpPr>
+          <p:nvPr>
+            <p:ph type="sldNum" sz="quarter" idx="12"/>
+          </p:nvPr>
+        </p:nvSpPr>
+        <p:spPr/>
+        <p:txBody>
+          <a:bodyPr/>
+          <a:lstStyle/>
+          <a:p>
+            <a:fld id="{7EFB3AB1-B196-4956-ADDF-A8636EAEA1FC}" type="slidenum">
+              <a:rPr lang="en-US" smtClean="0"/>
+              <a:t>‹#›</a:t>
+            </a:fld>
+            <a:endParaRPr lang="en-US"/>
+          </a:p>
+        </p:txBody>
+      </p:sp>
+    </p:spTree>
+    <p:extLst>
+      <p:ext uri="{BB962C8B-B14F-4D97-AF65-F5344CB8AC3E}">
+        <p14:creationId xmlns:p14="http://schemas.microsoft.com/office/powerpoint/2010/main" val="43409247"/>
+      </p:ext>
+    </p:extLst>
+  </p:cSld>
+  <p:clrMapOvr>
+    <a:masterClrMapping/>
+  </p:clrMapOvr>
+</p:sldLayout>
+</file>
+
+<file path=ppt/slideLayouts/slideLayout11.xml><?xml version="1.0" encoding="utf-8"?>
+<p:sldLayout xmlns:a="http://schemas.openxmlformats.org/drawingml/2006/main" xmlns:r="http://schemas.openxmlformats.org/officeDocument/2006/relationships" xmlns:p="http://schemas.openxmlformats.org/presentationml/2006/main" preserve="1">
+  <p:cSld name="Title and Caption">
+    <p:spTree>
+      <p:nvGrpSpPr>
+        <p:cNvPr id="1" name=""/>
+        <p:cNvGrpSpPr/>
+        <p:nvPr/>
+      </p:nvGrpSpPr>
+      <p:grpSpPr>
+        <a:xfrm>
+          <a:off x="0" y="0"/>
+          <a:ext cx="0" cy="0"/>
+          <a:chOff x="0" y="0"/>
+          <a:chExt cx="0" cy="0"/>
+        </a:xfrm>
+      </p:grpSpPr>
+      <p:sp>
+        <p:nvSpPr>
+          <p:cNvPr id="2" name="Title 1"/>
+          <p:cNvSpPr>
+            <a:spLocks noGrp="1"/>
+          </p:cNvSpPr>
+          <p:nvPr>
+            <p:ph type="title"/>
+          </p:nvPr>
+        </p:nvSpPr>
+        <p:spPr>
+          <a:xfrm>
+            <a:off x="533400" y="533400"/>
+            <a:ext cx="8077200" cy="2895600"/>
+          </a:xfrm>
+        </p:spPr>
+        <p:txBody>
+          <a:bodyPr anchor="ctr">
+            <a:normAutofit/>
+          </a:bodyPr>
+          <a:lstStyle>
+            <a:lvl1pPr algn="l">
+              <a:defRPr sz="2800" b="0" cap="all"/>
+            </a:lvl1pPr>
+          </a:lstStyle>
+          <a:p>
+            <a:r>
+              <a:rPr lang="en-US"/>
+              <a:t>Click to edit Master title style</a:t>
+            </a:r>
+            <a:endParaRPr lang="en-US" dirty="0"/>
+          </a:p>
+        </p:txBody>
+      </p:sp>
+      <p:sp>
+        <p:nvSpPr>
+          <p:cNvPr id="3" name="Text Placeholder 2"/>
+          <p:cNvSpPr>
+            <a:spLocks noGrp="1"/>
+          </p:cNvSpPr>
+          <p:nvPr>
+            <p:ph type="body" idx="1"/>
+          </p:nvPr>
+        </p:nvSpPr>
+        <p:spPr>
+          <a:xfrm>
+            <a:off x="533400" y="4114800"/>
+            <a:ext cx="6383552" cy="1905000"/>
+          </a:xfrm>
+        </p:spPr>
+        <p:txBody>
+          <a:bodyPr anchor="ctr">
+            <a:normAutofit/>
+          </a:bodyPr>
+          <a:lstStyle>
+            <a:lvl1pPr marL="0" indent="0" algn="l">
+              <a:buNone/>
+              <a:defRPr sz="1800">
+                <a:solidFill>
+                  <a:schemeClr val="bg2">
+                    <a:lumMod val="75000"/>
+                  </a:schemeClr>
+                </a:solidFill>
+              </a:defRPr>
+            </a:lvl1pPr>
+            <a:lvl2pPr marL="457200" indent="0">
+              <a:buNone/>
+              <a:defRPr sz="1800">
+                <a:solidFill>
+                  <a:schemeClr val="tx1">
+                    <a:tint val="75000"/>
+                  </a:schemeClr>
+                </a:solidFill>
+              </a:defRPr>
+            </a:lvl2pPr>
+            <a:lvl3pPr marL="914400" indent="0">
+              <a:buNone/>
+              <a:defRPr sz="1600">
+                <a:solidFill>
+                  <a:schemeClr val="tx1">
+                    <a:tint val="75000"/>
+                  </a:schemeClr>
+                </a:solidFill>
+              </a:defRPr>
+            </a:lvl3pPr>
+            <a:lvl4pPr marL="1371600" indent="0">
+              <a:buNone/>
+              <a:defRPr sz="1400">
+                <a:solidFill>
+                  <a:schemeClr val="tx1">
+                    <a:tint val="75000"/>
+                  </a:schemeClr>
+                </a:solidFill>
+              </a:defRPr>
+            </a:lvl4pPr>
+            <a:lvl5pPr marL="1828800" indent="0">
+              <a:buNone/>
+              <a:defRPr sz="1400">
+                <a:solidFill>
+                  <a:schemeClr val="tx1">
+                    <a:tint val="75000"/>
+                  </a:schemeClr>
+                </a:solidFill>
+              </a:defRPr>
+            </a:lvl5pPr>
+            <a:lvl6pPr marL="2286000" indent="0">
+              <a:buNone/>
+              <a:defRPr sz="1400">
+                <a:solidFill>
+                  <a:schemeClr val="tx1">
+                    <a:tint val="75000"/>
+                  </a:schemeClr>
+                </a:solidFill>
+              </a:defRPr>
+            </a:lvl6pPr>
+            <a:lvl7pPr marL="2743200" indent="0">
+              <a:buNone/>
+              <a:defRPr sz="1400">
+                <a:solidFill>
+                  <a:schemeClr val="tx1">
+                    <a:tint val="75000"/>
+                  </a:schemeClr>
+                </a:solidFill>
+              </a:defRPr>
+            </a:lvl7pPr>
+            <a:lvl8pPr marL="3200400" indent="0">
+              <a:buNone/>
+              <a:defRPr sz="1400">
+                <a:solidFill>
+                  <a:schemeClr val="tx1">
+                    <a:tint val="75000"/>
+                  </a:schemeClr>
+                </a:solidFill>
+              </a:defRPr>
+            </a:lvl8pPr>
+            <a:lvl9pPr marL="3657600" indent="0">
+              <a:buNone/>
+              <a:defRPr sz="1400">
+                <a:solidFill>
+                  <a:schemeClr val="tx1">
+                    <a:tint val="75000"/>
+                  </a:schemeClr>
+                </a:solidFill>
+              </a:defRPr>
+            </a:lvl9pPr>
+          </a:lstStyle>
+          <a:p>
+            <a:pPr lvl="0"/>
+            <a:r>
+              <a:rPr lang="en-US"/>
+              <a:t>Edit Master text styles</a:t>
+            </a:r>
+          </a:p>
+        </p:txBody>
+      </p:sp>
+      <p:sp>
+        <p:nvSpPr>
+          <p:cNvPr id="4" name="Date Placeholder 3"/>
+          <p:cNvSpPr>
+            <a:spLocks noGrp="1"/>
+          </p:cNvSpPr>
+          <p:nvPr>
+            <p:ph type="dt" sz="half" idx="10"/>
+          </p:nvPr>
+        </p:nvSpPr>
+        <p:spPr/>
+        <p:txBody>
+          <a:bodyPr/>
+          <a:lstStyle/>
+          <a:p>
+            <a:fld id="{84D3A309-20A9-447D-B5F1-8EF0C9B7E70B}" type="datetimeFigureOut">
+              <a:rPr lang="en-US" smtClean="0"/>
+              <a:t>11/25/2018</a:t>
+            </a:fld>
+            <a:endParaRPr lang="en-US"/>
+          </a:p>
+        </p:txBody>
+      </p:sp>
+      <p:sp>
+        <p:nvSpPr>
+          <p:cNvPr id="5" name="Footer Placeholder 4"/>
+          <p:cNvSpPr>
+            <a:spLocks noGrp="1"/>
+          </p:cNvSpPr>
+          <p:nvPr>
+            <p:ph type="ftr" sz="quarter" idx="11"/>
+          </p:nvPr>
+        </p:nvSpPr>
+        <p:spPr/>
+        <p:txBody>
+          <a:bodyPr/>
+          <a:lstStyle/>
+          <a:p>
+            <a:endParaRPr lang="en-US"/>
+          </a:p>
+        </p:txBody>
+      </p:sp>
+      <p:sp>
+        <p:nvSpPr>
+          <p:cNvPr id="6" name="Slide Number Placeholder 5"/>
+          <p:cNvSpPr>
+            <a:spLocks noGrp="1"/>
+          </p:cNvSpPr>
+          <p:nvPr>
+            <p:ph type="sldNum" sz="quarter" idx="12"/>
+          </p:nvPr>
+        </p:nvSpPr>
+        <p:spPr/>
+        <p:txBody>
+          <a:bodyPr/>
+          <a:lstStyle/>
+          <a:p>
+            <a:fld id="{7EFB3AB1-B196-4956-ADDF-A8636EAEA1FC}" type="slidenum">
+              <a:rPr lang="en-US" smtClean="0"/>
+              <a:t>‹#›</a:t>
+            </a:fld>
+            <a:endParaRPr lang="en-US"/>
+          </a:p>
+        </p:txBody>
+      </p:sp>
+    </p:spTree>
+    <p:extLst>
+      <p:ext uri="{BB962C8B-B14F-4D97-AF65-F5344CB8AC3E}">
+        <p14:creationId xmlns:p14="http://schemas.microsoft.com/office/powerpoint/2010/main" val="4183772720"/>
+      </p:ext>
+    </p:extLst>
+  </p:cSld>
+  <p:clrMapOvr>
+    <a:masterClrMapping/>
+  </p:clrMapOvr>
+</p:sldLayout>
+</file>
+
+<file path=ppt/slideLayouts/slideLayout12.xml><?xml version="1.0" encoding="utf-8"?>
+<p:sldLayout xmlns:a="http://schemas.openxmlformats.org/drawingml/2006/main" xmlns:r="http://schemas.openxmlformats.org/officeDocument/2006/relationships" xmlns:p="http://schemas.openxmlformats.org/presentationml/2006/main" preserve="1">
+  <p:cSld name="Quote with Caption">
+    <p:spTree>
+      <p:nvGrpSpPr>
+        <p:cNvPr id="1" name=""/>
+        <p:cNvGrpSpPr/>
+        <p:nvPr/>
+      </p:nvGrpSpPr>
+      <p:grpSpPr>
+        <a:xfrm>
+          <a:off x="0" y="0"/>
+          <a:ext cx="0" cy="0"/>
+          <a:chOff x="0" y="0"/>
+          <a:chExt cx="0" cy="0"/>
+        </a:xfrm>
+      </p:grpSpPr>
+      <p:sp>
+        <p:nvSpPr>
+          <p:cNvPr id="2" name="Title 1"/>
+          <p:cNvSpPr>
+            <a:spLocks noGrp="1"/>
+          </p:cNvSpPr>
+          <p:nvPr>
+            <p:ph type="title"/>
+          </p:nvPr>
+        </p:nvSpPr>
+        <p:spPr>
+          <a:xfrm>
+            <a:off x="856283" y="533400"/>
+            <a:ext cx="6859787" cy="2895600"/>
+          </a:xfrm>
+        </p:spPr>
+        <p:txBody>
+          <a:bodyPr anchor="ctr">
+            <a:normAutofit/>
+          </a:bodyPr>
+          <a:lstStyle>
+            <a:lvl1pPr algn="l">
+              <a:defRPr sz="2800" b="0" cap="all">
+                <a:solidFill>
+                  <a:schemeClr val="tx1"/>
+                </a:solidFill>
+              </a:defRPr>
+            </a:lvl1pPr>
+          </a:lstStyle>
+          <a:p>
+            <a:r>
+              <a:rPr lang="en-US"/>
+              <a:t>Click to edit Master title style</a:t>
+            </a:r>
+            <a:endParaRPr lang="en-US" dirty="0"/>
+          </a:p>
+        </p:txBody>
+      </p:sp>
+      <p:sp>
+        <p:nvSpPr>
+          <p:cNvPr id="10" name="Text Placeholder 9"/>
+          <p:cNvSpPr>
+            <a:spLocks noGrp="1"/>
+          </p:cNvSpPr>
+          <p:nvPr>
+            <p:ph type="body" sz="quarter" idx="13"/>
+          </p:nvPr>
+        </p:nvSpPr>
+        <p:spPr>
+          <a:xfrm>
+            <a:off x="1066800" y="3429000"/>
+            <a:ext cx="6402467" cy="482600"/>
+          </a:xfrm>
+        </p:spPr>
+        <p:txBody>
+          <a:bodyPr anchor="ctr"/>
+          <a:lstStyle>
+            <a:lvl1pPr marL="0" indent="0">
+              <a:buFontTx/>
+              <a:buNone/>
+              <a:defRPr/>
+            </a:lvl1pPr>
+            <a:lvl2pPr marL="457200" indent="0">
+              <a:buFontTx/>
+              <a:buNone/>
+              <a:defRPr/>
+            </a:lvl2pPr>
+            <a:lvl3pPr marL="914400" indent="0">
+              <a:buFontTx/>
+              <a:buNone/>
+              <a:defRPr/>
+            </a:lvl3pPr>
+            <a:lvl4pPr marL="1371600" indent="0">
+              <a:buFontTx/>
+              <a:buNone/>
+              <a:defRPr/>
+            </a:lvl4pPr>
+            <a:lvl5pPr marL="1828800" indent="0">
+              <a:buFontTx/>
+              <a:buNone/>
+              <a:defRPr/>
+            </a:lvl5pPr>
+          </a:lstStyle>
+          <a:p>
+            <a:pPr lvl="0"/>
+            <a:r>
+              <a:rPr lang="en-US"/>
+              <a:t>Edit Master text styles</a:t>
+            </a:r>
+          </a:p>
+        </p:txBody>
+      </p:sp>
+      <p:sp>
+        <p:nvSpPr>
+          <p:cNvPr id="3" name="Text Placeholder 2"/>
+          <p:cNvSpPr>
+            <a:spLocks noGrp="1"/>
+          </p:cNvSpPr>
+          <p:nvPr>
+            <p:ph type="body" idx="1"/>
+          </p:nvPr>
+        </p:nvSpPr>
+        <p:spPr>
+          <a:xfrm>
+            <a:off x="533400" y="4301070"/>
+            <a:ext cx="6382361" cy="1718730"/>
+          </a:xfrm>
+        </p:spPr>
+        <p:txBody>
+          <a:bodyPr anchor="ctr">
+            <a:normAutofit/>
+          </a:bodyPr>
+          <a:lstStyle>
+            <a:lvl1pPr marL="0" indent="0" algn="l">
+              <a:buNone/>
+              <a:defRPr sz="2000">
+                <a:solidFill>
+                  <a:schemeClr val="bg2">
+                    <a:lumMod val="75000"/>
+                  </a:schemeClr>
+                </a:solidFill>
+              </a:defRPr>
+            </a:lvl1pPr>
+            <a:lvl2pPr marL="457200" indent="0">
+              <a:buNone/>
+              <a:defRPr sz="1800">
+                <a:solidFill>
+                  <a:schemeClr val="tx1">
+                    <a:tint val="75000"/>
+                  </a:schemeClr>
+                </a:solidFill>
+              </a:defRPr>
+            </a:lvl2pPr>
+            <a:lvl3pPr marL="914400" indent="0">
+              <a:buNone/>
+              <a:defRPr sz="1600">
+                <a:solidFill>
+                  <a:schemeClr val="tx1">
+                    <a:tint val="75000"/>
+                  </a:schemeClr>
+                </a:solidFill>
+              </a:defRPr>
+            </a:lvl3pPr>
+            <a:lvl4pPr marL="1371600" indent="0">
+              <a:buNone/>
+              <a:defRPr sz="1400">
+                <a:solidFill>
+                  <a:schemeClr val="tx1">
+                    <a:tint val="75000"/>
+                  </a:schemeClr>
+                </a:solidFill>
+              </a:defRPr>
+            </a:lvl4pPr>
+            <a:lvl5pPr marL="1828800" indent="0">
+              <a:buNone/>
+              <a:defRPr sz="1400">
+                <a:solidFill>
+                  <a:schemeClr val="tx1">
+                    <a:tint val="75000"/>
+                  </a:schemeClr>
+                </a:solidFill>
+              </a:defRPr>
+            </a:lvl5pPr>
+            <a:lvl6pPr marL="2286000" indent="0">
+              <a:buNone/>
+              <a:defRPr sz="1400">
+                <a:solidFill>
+                  <a:schemeClr val="tx1">
+                    <a:tint val="75000"/>
+                  </a:schemeClr>
+                </a:solidFill>
+              </a:defRPr>
+            </a:lvl6pPr>
+            <a:lvl7pPr marL="2743200" indent="0">
+              <a:buNone/>
+              <a:defRPr sz="1400">
+                <a:solidFill>
+                  <a:schemeClr val="tx1">
+                    <a:tint val="75000"/>
+                  </a:schemeClr>
+                </a:solidFill>
+              </a:defRPr>
+            </a:lvl7pPr>
+            <a:lvl8pPr marL="3200400" indent="0">
+              <a:buNone/>
+              <a:defRPr sz="1400">
+                <a:solidFill>
+                  <a:schemeClr val="tx1">
+                    <a:tint val="75000"/>
+                  </a:schemeClr>
+                </a:solidFill>
+              </a:defRPr>
+            </a:lvl8pPr>
+            <a:lvl9pPr marL="3657600" indent="0">
+              <a:buNone/>
+              <a:defRPr sz="1400">
+                <a:solidFill>
+                  <a:schemeClr val="tx1">
+                    <a:tint val="75000"/>
+                  </a:schemeClr>
+                </a:solidFill>
+              </a:defRPr>
+            </a:lvl9pPr>
+          </a:lstStyle>
+          <a:p>
+            <a:pPr lvl="0"/>
+            <a:r>
+              <a:rPr lang="en-US"/>
+              <a:t>Edit Master text styles</a:t>
+            </a:r>
+          </a:p>
+        </p:txBody>
+      </p:sp>
+      <p:sp>
+        <p:nvSpPr>
+          <p:cNvPr id="4" name="Date Placeholder 3"/>
+          <p:cNvSpPr>
+            <a:spLocks noGrp="1"/>
+          </p:cNvSpPr>
+          <p:nvPr>
+            <p:ph type="dt" sz="half" idx="10"/>
+          </p:nvPr>
+        </p:nvSpPr>
+        <p:spPr/>
+        <p:txBody>
+          <a:bodyPr/>
+          <a:lstStyle/>
+          <a:p>
+            <a:fld id="{84D3A309-20A9-447D-B5F1-8EF0C9B7E70B}" type="datetimeFigureOut">
+              <a:rPr lang="en-US" smtClean="0"/>
+              <a:t>11/25/2018</a:t>
+            </a:fld>
+            <a:endParaRPr lang="en-US"/>
+          </a:p>
+        </p:txBody>
+      </p:sp>
+      <p:sp>
+        <p:nvSpPr>
+          <p:cNvPr id="5" name="Footer Placeholder 4"/>
+          <p:cNvSpPr>
+            <a:spLocks noGrp="1"/>
+          </p:cNvSpPr>
+          <p:nvPr>
+            <p:ph type="ftr" sz="quarter" idx="11"/>
+          </p:nvPr>
+        </p:nvSpPr>
+        <p:spPr/>
+        <p:txBody>
+          <a:bodyPr/>
+          <a:lstStyle/>
+          <a:p>
+            <a:endParaRPr lang="en-US"/>
+          </a:p>
+        </p:txBody>
+      </p:sp>
+      <p:sp>
+        <p:nvSpPr>
+          <p:cNvPr id="6" name="Slide Number Placeholder 5"/>
+          <p:cNvSpPr>
+            <a:spLocks noGrp="1"/>
+          </p:cNvSpPr>
+          <p:nvPr>
+            <p:ph type="sldNum" sz="quarter" idx="12"/>
+          </p:nvPr>
+        </p:nvSpPr>
+        <p:spPr/>
+        <p:txBody>
+          <a:bodyPr/>
+          <a:lstStyle/>
+          <a:p>
+            <a:fld id="{7EFB3AB1-B196-4956-ADDF-A8636EAEA1FC}" type="slidenum">
+              <a:rPr lang="en-US" smtClean="0"/>
+              <a:t>‹#›</a:t>
+            </a:fld>
+            <a:endParaRPr lang="en-US"/>
+          </a:p>
+        </p:txBody>
+      </p:sp>
+      <p:sp>
+        <p:nvSpPr>
+          <p:cNvPr id="14" name="TextBox 13"/>
+          <p:cNvSpPr txBox="1"/>
+          <p:nvPr/>
+        </p:nvSpPr>
+        <p:spPr>
+          <a:xfrm>
+            <a:off x="228600" y="710624"/>
+            <a:ext cx="457319" cy="584776"/>
+          </a:xfrm>
+          <a:prstGeom prst="rect">
+            <a:avLst/>
+          </a:prstGeom>
+        </p:spPr>
+        <p:txBody>
+          <a:bodyPr vert="horz" lIns="91440" tIns="45720" rIns="91440" bIns="45720" rtlCol="0" anchor="ctr">
+            <a:noAutofit/>
+          </a:bodyPr>
+          <a:lstStyle/>
+          <a:p>
+            <a:pPr lvl="0"/>
+            <a:r>
+              <a:rPr lang="en-US" sz="8000" dirty="0">
+                <a:solidFill>
+                  <a:schemeClr val="tx1"/>
+                </a:solidFill>
+                <a:effectLst/>
+              </a:rPr>
+              <a:t>“</a:t>
+            </a:r>
+          </a:p>
+        </p:txBody>
+      </p:sp>
+      <p:sp>
+        <p:nvSpPr>
+          <p:cNvPr id="15" name="TextBox 14"/>
+          <p:cNvSpPr txBox="1"/>
+          <p:nvPr/>
+        </p:nvSpPr>
+        <p:spPr>
+          <a:xfrm>
+            <a:off x="7696200" y="2768601"/>
+            <a:ext cx="457319" cy="584776"/>
+          </a:xfrm>
+          <a:prstGeom prst="rect">
+            <a:avLst/>
+          </a:prstGeom>
+        </p:spPr>
+        <p:txBody>
+          <a:bodyPr vert="horz" lIns="91440" tIns="45720" rIns="91440" bIns="45720" rtlCol="0" anchor="ctr">
+            <a:noAutofit/>
+          </a:bodyPr>
+          <a:lstStyle/>
+          <a:p>
+            <a:pPr lvl="0" algn="r"/>
+            <a:r>
+              <a:rPr lang="en-US" sz="8000" dirty="0">
+                <a:solidFill>
+                  <a:schemeClr val="tx1"/>
+                </a:solidFill>
+                <a:effectLst/>
+              </a:rPr>
+              <a:t>”</a:t>
+            </a:r>
+          </a:p>
+        </p:txBody>
+      </p:sp>
+    </p:spTree>
+    <p:extLst>
+      <p:ext uri="{BB962C8B-B14F-4D97-AF65-F5344CB8AC3E}">
+        <p14:creationId xmlns:p14="http://schemas.microsoft.com/office/powerpoint/2010/main" val="2898577172"/>
+      </p:ext>
+    </p:extLst>
+  </p:cSld>
+  <p:clrMapOvr>
+    <a:masterClrMapping/>
+  </p:clrMapOvr>
+</p:sldLayout>
+</file>
+
+<file path=ppt/slideLayouts/slideLayout13.xml><?xml version="1.0" encoding="utf-8"?>
+<p:sldLayout xmlns:a="http://schemas.openxmlformats.org/drawingml/2006/main" xmlns:r="http://schemas.openxmlformats.org/officeDocument/2006/relationships" xmlns:p="http://schemas.openxmlformats.org/presentationml/2006/main" preserve="1">
+  <p:cSld name="Name Card">
+    <p:spTree>
+      <p:nvGrpSpPr>
+        <p:cNvPr id="1" name=""/>
+        <p:cNvGrpSpPr/>
+        <p:nvPr/>
+      </p:nvGrpSpPr>
+      <p:grpSpPr>
+        <a:xfrm>
+          <a:off x="0" y="0"/>
+          <a:ext cx="0" cy="0"/>
+          <a:chOff x="0" y="0"/>
+          <a:chExt cx="0" cy="0"/>
+        </a:xfrm>
+      </p:grpSpPr>
+      <p:sp>
+        <p:nvSpPr>
+          <p:cNvPr id="2" name="Title 1"/>
+          <p:cNvSpPr>
+            <a:spLocks noGrp="1"/>
+          </p:cNvSpPr>
+          <p:nvPr>
+            <p:ph type="title"/>
+          </p:nvPr>
+        </p:nvSpPr>
+        <p:spPr>
+          <a:xfrm>
+            <a:off x="533400" y="3429000"/>
+            <a:ext cx="6382361" cy="1697400"/>
+          </a:xfrm>
+        </p:spPr>
+        <p:txBody>
+          <a:bodyPr anchor="b">
+            <a:normAutofit/>
+          </a:bodyPr>
+          <a:lstStyle>
+            <a:lvl1pPr algn="l">
+              <a:defRPr sz="2800" b="0" cap="all"/>
+            </a:lvl1pPr>
+          </a:lstStyle>
+          <a:p>
+            <a:r>
+              <a:rPr lang="en-US"/>
+              <a:t>Click to edit Master title style</a:t>
+            </a:r>
+            <a:endParaRPr lang="en-US" dirty="0"/>
+          </a:p>
+        </p:txBody>
+      </p:sp>
+      <p:sp>
+        <p:nvSpPr>
+          <p:cNvPr id="3" name="Text Placeholder 2"/>
+          <p:cNvSpPr>
+            <a:spLocks noGrp="1"/>
+          </p:cNvSpPr>
+          <p:nvPr>
+            <p:ph type="body" idx="1"/>
+          </p:nvPr>
+        </p:nvSpPr>
+        <p:spPr>
+          <a:xfrm>
+            <a:off x="533400" y="5132980"/>
+            <a:ext cx="6383552" cy="886819"/>
+          </a:xfrm>
+        </p:spPr>
+        <p:txBody>
+          <a:bodyPr anchor="t">
+            <a:normAutofit/>
+          </a:bodyPr>
+          <a:lstStyle>
+            <a:lvl1pPr marL="0" indent="0" algn="l">
+              <a:buNone/>
+              <a:defRPr sz="1800">
+                <a:solidFill>
+                  <a:schemeClr val="bg2">
+                    <a:lumMod val="75000"/>
+                  </a:schemeClr>
+                </a:solidFill>
+              </a:defRPr>
+            </a:lvl1pPr>
+            <a:lvl2pPr marL="457200" indent="0">
+              <a:buNone/>
+              <a:defRPr sz="1800">
+                <a:solidFill>
+                  <a:schemeClr val="tx1">
+                    <a:tint val="75000"/>
+                  </a:schemeClr>
+                </a:solidFill>
+              </a:defRPr>
+            </a:lvl2pPr>
+            <a:lvl3pPr marL="914400" indent="0">
+              <a:buNone/>
+              <a:defRPr sz="1600">
+                <a:solidFill>
+                  <a:schemeClr val="tx1">
+                    <a:tint val="75000"/>
+                  </a:schemeClr>
+                </a:solidFill>
+              </a:defRPr>
+            </a:lvl3pPr>
+            <a:lvl4pPr marL="1371600" indent="0">
+              <a:buNone/>
+              <a:defRPr sz="1400">
+                <a:solidFill>
+                  <a:schemeClr val="tx1">
+                    <a:tint val="75000"/>
+                  </a:schemeClr>
+                </a:solidFill>
+              </a:defRPr>
+            </a:lvl4pPr>
+            <a:lvl5pPr marL="1828800" indent="0">
+              <a:buNone/>
+              <a:defRPr sz="1400">
+                <a:solidFill>
+                  <a:schemeClr val="tx1">
+                    <a:tint val="75000"/>
+                  </a:schemeClr>
+                </a:solidFill>
+              </a:defRPr>
+            </a:lvl5pPr>
+            <a:lvl6pPr marL="2286000" indent="0">
+              <a:buNone/>
+              <a:defRPr sz="1400">
+                <a:solidFill>
+                  <a:schemeClr val="tx1">
+                    <a:tint val="75000"/>
+                  </a:schemeClr>
+                </a:solidFill>
+              </a:defRPr>
+            </a:lvl6pPr>
+            <a:lvl7pPr marL="2743200" indent="0">
+              <a:buNone/>
+              <a:defRPr sz="1400">
+                <a:solidFill>
+                  <a:schemeClr val="tx1">
+                    <a:tint val="75000"/>
+                  </a:schemeClr>
+                </a:solidFill>
+              </a:defRPr>
+            </a:lvl7pPr>
+            <a:lvl8pPr marL="3200400" indent="0">
+              <a:buNone/>
+              <a:defRPr sz="1400">
+                <a:solidFill>
+                  <a:schemeClr val="tx1">
+                    <a:tint val="75000"/>
+                  </a:schemeClr>
+                </a:solidFill>
+              </a:defRPr>
+            </a:lvl8pPr>
+            <a:lvl9pPr marL="3657600" indent="0">
+              <a:buNone/>
+              <a:defRPr sz="1400">
+                <a:solidFill>
+                  <a:schemeClr val="tx1">
+                    <a:tint val="75000"/>
+                  </a:schemeClr>
+                </a:solidFill>
+              </a:defRPr>
+            </a:lvl9pPr>
+          </a:lstStyle>
+          <a:p>
+            <a:pPr lvl="0"/>
+            <a:r>
+              <a:rPr lang="en-US"/>
+              <a:t>Edit Master text styles</a:t>
+            </a:r>
+          </a:p>
+        </p:txBody>
+      </p:sp>
+      <p:sp>
+        <p:nvSpPr>
+          <p:cNvPr id="4" name="Date Placeholder 3"/>
+          <p:cNvSpPr>
+            <a:spLocks noGrp="1"/>
+          </p:cNvSpPr>
+          <p:nvPr>
+            <p:ph type="dt" sz="half" idx="10"/>
+          </p:nvPr>
+        </p:nvSpPr>
+        <p:spPr/>
+        <p:txBody>
+          <a:bodyPr/>
+          <a:lstStyle/>
+          <a:p>
+            <a:fld id="{84D3A309-20A9-447D-B5F1-8EF0C9B7E70B}" type="datetimeFigureOut">
+              <a:rPr lang="en-US" smtClean="0"/>
+              <a:t>11/25/2018</a:t>
+            </a:fld>
+            <a:endParaRPr lang="en-US"/>
+          </a:p>
+        </p:txBody>
+      </p:sp>
+      <p:sp>
+        <p:nvSpPr>
+          <p:cNvPr id="5" name="Footer Placeholder 4"/>
+          <p:cNvSpPr>
+            <a:spLocks noGrp="1"/>
+          </p:cNvSpPr>
+          <p:nvPr>
+            <p:ph type="ftr" sz="quarter" idx="11"/>
+          </p:nvPr>
+        </p:nvSpPr>
+        <p:spPr/>
+        <p:txBody>
+          <a:bodyPr/>
+          <a:lstStyle/>
+          <a:p>
+            <a:endParaRPr lang="en-US"/>
+          </a:p>
+        </p:txBody>
+      </p:sp>
+      <p:sp>
+        <p:nvSpPr>
+          <p:cNvPr id="6" name="Slide Number Placeholder 5"/>
+          <p:cNvSpPr>
+            <a:spLocks noGrp="1"/>
+          </p:cNvSpPr>
+          <p:nvPr>
+            <p:ph type="sldNum" sz="quarter" idx="12"/>
+          </p:nvPr>
+        </p:nvSpPr>
+        <p:spPr/>
+        <p:txBody>
+          <a:bodyPr/>
+          <a:lstStyle/>
+          <a:p>
+            <a:fld id="{7EFB3AB1-B196-4956-ADDF-A8636EAEA1FC}" type="slidenum">
+              <a:rPr lang="en-US" smtClean="0"/>
+              <a:t>‹#›</a:t>
+            </a:fld>
+            <a:endParaRPr lang="en-US"/>
+          </a:p>
+        </p:txBody>
+      </p:sp>
+    </p:spTree>
+    <p:extLst>
+      <p:ext uri="{BB962C8B-B14F-4D97-AF65-F5344CB8AC3E}">
+        <p14:creationId xmlns:p14="http://schemas.microsoft.com/office/powerpoint/2010/main" val="1396282320"/>
+      </p:ext>
+    </p:extLst>
+  </p:cSld>
+  <p:clrMapOvr>
+    <a:masterClrMapping/>
+  </p:clrMapOvr>
+</p:sldLayout>
+</file>
+
+<file path=ppt/slideLayouts/slideLayout14.xml><?xml version="1.0" encoding="utf-8"?>
+<p:sldLayout xmlns:a="http://schemas.openxmlformats.org/drawingml/2006/main" xmlns:r="http://schemas.openxmlformats.org/officeDocument/2006/relationships" xmlns:p="http://schemas.openxmlformats.org/presentationml/2006/main" preserve="1">
+  <p:cSld name="Quote Name Card">
+    <p:spTree>
+      <p:nvGrpSpPr>
+        <p:cNvPr id="1" name=""/>
+        <p:cNvGrpSpPr/>
+        <p:nvPr/>
+      </p:nvGrpSpPr>
+      <p:grpSpPr>
+        <a:xfrm>
+          <a:off x="0" y="0"/>
+          <a:ext cx="0" cy="0"/>
+          <a:chOff x="0" y="0"/>
+          <a:chExt cx="0" cy="0"/>
+        </a:xfrm>
+      </p:grpSpPr>
+      <p:sp>
+        <p:nvSpPr>
+          <p:cNvPr id="2" name="Title 1"/>
+          <p:cNvSpPr>
+            <a:spLocks noGrp="1"/>
+          </p:cNvSpPr>
+          <p:nvPr>
+            <p:ph type="title"/>
+          </p:nvPr>
+        </p:nvSpPr>
+        <p:spPr>
+          <a:xfrm>
+            <a:off x="856284" y="533400"/>
+            <a:ext cx="6859786" cy="2895600"/>
+          </a:xfrm>
+        </p:spPr>
+        <p:txBody>
+          <a:bodyPr anchor="ctr">
+            <a:normAutofit/>
+          </a:bodyPr>
+          <a:lstStyle>
+            <a:lvl1pPr algn="l">
+              <a:defRPr sz="2800" b="0" cap="all">
+                <a:solidFill>
+                  <a:schemeClr val="tx1"/>
+                </a:solidFill>
+              </a:defRPr>
+            </a:lvl1pPr>
+          </a:lstStyle>
+          <a:p>
+            <a:r>
+              <a:rPr lang="en-US"/>
+              <a:t>Click to edit Master title style</a:t>
+            </a:r>
+            <a:endParaRPr lang="en-US" dirty="0"/>
+          </a:p>
+        </p:txBody>
+      </p:sp>
+      <p:sp>
+        <p:nvSpPr>
+          <p:cNvPr id="10" name="Text Placeholder 9"/>
+          <p:cNvSpPr>
+            <a:spLocks noGrp="1"/>
+          </p:cNvSpPr>
+          <p:nvPr>
+            <p:ph type="body" sz="quarter" idx="13"/>
+          </p:nvPr>
+        </p:nvSpPr>
+        <p:spPr>
+          <a:xfrm>
+            <a:off x="533400" y="3886200"/>
+            <a:ext cx="6382361" cy="1049866"/>
+          </a:xfrm>
+        </p:spPr>
+        <p:txBody>
+          <a:bodyPr vert="horz" lIns="91440" tIns="45720" rIns="91440" bIns="45720" rtlCol="0" anchor="b">
+            <a:normAutofit/>
+          </a:bodyPr>
+          <a:lstStyle>
+            <a:lvl1pPr>
+              <a:buNone/>
+              <a:defRPr lang="en-US" sz="2000" b="0" cap="all" dirty="0">
+                <a:ln w="3175" cmpd="sng">
+                  <a:noFill/>
+                </a:ln>
+                <a:solidFill>
+                  <a:schemeClr val="tx1"/>
+                </a:solidFill>
+                <a:effectLst/>
+              </a:defRPr>
+            </a:lvl1pPr>
+          </a:lstStyle>
+          <a:p>
+            <a:pPr marL="0" lvl="0">
+              <a:spcBef>
+                <a:spcPct val="0"/>
+              </a:spcBef>
+              <a:buNone/>
+            </a:pPr>
+            <a:r>
+              <a:rPr lang="en-US"/>
+              <a:t>Edit Master text styles</a:t>
+            </a:r>
+          </a:p>
+        </p:txBody>
+      </p:sp>
+      <p:sp>
+        <p:nvSpPr>
+          <p:cNvPr id="3" name="Text Placeholder 2"/>
+          <p:cNvSpPr>
+            <a:spLocks noGrp="1"/>
+          </p:cNvSpPr>
+          <p:nvPr>
+            <p:ph type="body" idx="1"/>
+          </p:nvPr>
+        </p:nvSpPr>
+        <p:spPr>
+          <a:xfrm>
+            <a:off x="533400" y="4953000"/>
+            <a:ext cx="6382360" cy="1066800"/>
+          </a:xfrm>
+        </p:spPr>
+        <p:txBody>
+          <a:bodyPr anchor="t">
+            <a:normAutofit/>
+          </a:bodyPr>
+          <a:lstStyle>
+            <a:lvl1pPr marL="0" indent="0" algn="l">
+              <a:buNone/>
+              <a:defRPr sz="1800">
+                <a:solidFill>
+                  <a:schemeClr val="bg2">
+                    <a:lumMod val="75000"/>
+                  </a:schemeClr>
+                </a:solidFill>
+              </a:defRPr>
+            </a:lvl1pPr>
+            <a:lvl2pPr marL="457200" indent="0">
+              <a:buNone/>
+              <a:defRPr sz="1800">
+                <a:solidFill>
+                  <a:schemeClr val="tx1">
+                    <a:tint val="75000"/>
+                  </a:schemeClr>
+                </a:solidFill>
+              </a:defRPr>
+            </a:lvl2pPr>
+            <a:lvl3pPr marL="914400" indent="0">
+              <a:buNone/>
+              <a:defRPr sz="1600">
+                <a:solidFill>
+                  <a:schemeClr val="tx1">
+                    <a:tint val="75000"/>
+                  </a:schemeClr>
+                </a:solidFill>
+              </a:defRPr>
+            </a:lvl3pPr>
+            <a:lvl4pPr marL="1371600" indent="0">
+              <a:buNone/>
+              <a:defRPr sz="1400">
+                <a:solidFill>
+                  <a:schemeClr val="tx1">
+                    <a:tint val="75000"/>
+                  </a:schemeClr>
+                </a:solidFill>
+              </a:defRPr>
+            </a:lvl4pPr>
+            <a:lvl5pPr marL="1828800" indent="0">
+              <a:buNone/>
+              <a:defRPr sz="1400">
+                <a:solidFill>
+                  <a:schemeClr val="tx1">
+                    <a:tint val="75000"/>
+                  </a:schemeClr>
+                </a:solidFill>
+              </a:defRPr>
+            </a:lvl5pPr>
+            <a:lvl6pPr marL="2286000" indent="0">
+              <a:buNone/>
+              <a:defRPr sz="1400">
+                <a:solidFill>
+                  <a:schemeClr val="tx1">
+                    <a:tint val="75000"/>
+                  </a:schemeClr>
+                </a:solidFill>
+              </a:defRPr>
+            </a:lvl6pPr>
+            <a:lvl7pPr marL="2743200" indent="0">
+              <a:buNone/>
+              <a:defRPr sz="1400">
+                <a:solidFill>
+                  <a:schemeClr val="tx1">
+                    <a:tint val="75000"/>
+                  </a:schemeClr>
+                </a:solidFill>
+              </a:defRPr>
+            </a:lvl7pPr>
+            <a:lvl8pPr marL="3200400" indent="0">
+              <a:buNone/>
+              <a:defRPr sz="1400">
+                <a:solidFill>
+                  <a:schemeClr val="tx1">
+                    <a:tint val="75000"/>
+                  </a:schemeClr>
+                </a:solidFill>
+              </a:defRPr>
+            </a:lvl8pPr>
+            <a:lvl9pPr marL="3657600" indent="0">
+              <a:buNone/>
+              <a:defRPr sz="1400">
+                <a:solidFill>
+                  <a:schemeClr val="tx1">
+                    <a:tint val="75000"/>
+                  </a:schemeClr>
+                </a:solidFill>
+              </a:defRPr>
+            </a:lvl9pPr>
+          </a:lstStyle>
+          <a:p>
+            <a:pPr lvl="0"/>
+            <a:r>
+              <a:rPr lang="en-US"/>
+              <a:t>Edit Master text styles</a:t>
+            </a:r>
+          </a:p>
+        </p:txBody>
+      </p:sp>
+      <p:sp>
+        <p:nvSpPr>
+          <p:cNvPr id="4" name="Date Placeholder 3"/>
+          <p:cNvSpPr>
+            <a:spLocks noGrp="1"/>
+          </p:cNvSpPr>
+          <p:nvPr>
+            <p:ph type="dt" sz="half" idx="10"/>
+          </p:nvPr>
+        </p:nvSpPr>
+        <p:spPr/>
+        <p:txBody>
+          <a:bodyPr/>
+          <a:lstStyle/>
+          <a:p>
+            <a:fld id="{84D3A309-20A9-447D-B5F1-8EF0C9B7E70B}" type="datetimeFigureOut">
+              <a:rPr lang="en-US" smtClean="0"/>
+              <a:t>11/25/2018</a:t>
+            </a:fld>
+            <a:endParaRPr lang="en-US"/>
+          </a:p>
+        </p:txBody>
+      </p:sp>
+      <p:sp>
+        <p:nvSpPr>
+          <p:cNvPr id="5" name="Footer Placeholder 4"/>
+          <p:cNvSpPr>
+            <a:spLocks noGrp="1"/>
+          </p:cNvSpPr>
+          <p:nvPr>
+            <p:ph type="ftr" sz="quarter" idx="11"/>
+          </p:nvPr>
+        </p:nvSpPr>
+        <p:spPr/>
+        <p:txBody>
+          <a:bodyPr/>
+          <a:lstStyle/>
+          <a:p>
+            <a:endParaRPr lang="en-US"/>
+          </a:p>
+        </p:txBody>
+      </p:sp>
+      <p:sp>
+        <p:nvSpPr>
+          <p:cNvPr id="6" name="Slide Number Placeholder 5"/>
+          <p:cNvSpPr>
+            <a:spLocks noGrp="1"/>
+          </p:cNvSpPr>
+          <p:nvPr>
+            <p:ph type="sldNum" sz="quarter" idx="12"/>
+          </p:nvPr>
+        </p:nvSpPr>
+        <p:spPr/>
+        <p:txBody>
+          <a:bodyPr/>
+          <a:lstStyle/>
+          <a:p>
+            <a:fld id="{7EFB3AB1-B196-4956-ADDF-A8636EAEA1FC}" type="slidenum">
+              <a:rPr lang="en-US" smtClean="0"/>
+              <a:t>‹#›</a:t>
+            </a:fld>
+            <a:endParaRPr lang="en-US"/>
+          </a:p>
+        </p:txBody>
+      </p:sp>
+      <p:sp>
+        <p:nvSpPr>
+          <p:cNvPr id="14" name="TextBox 13"/>
+          <p:cNvSpPr txBox="1"/>
+          <p:nvPr/>
+        </p:nvSpPr>
+        <p:spPr>
+          <a:xfrm>
+            <a:off x="228600" y="710624"/>
+            <a:ext cx="457319" cy="584776"/>
+          </a:xfrm>
+          <a:prstGeom prst="rect">
+            <a:avLst/>
+          </a:prstGeom>
+        </p:spPr>
+        <p:txBody>
+          <a:bodyPr vert="horz" lIns="91440" tIns="45720" rIns="91440" bIns="45720" rtlCol="0" anchor="ctr">
+            <a:noAutofit/>
+          </a:bodyPr>
+          <a:lstStyle/>
+          <a:p>
+            <a:pPr lvl="0"/>
+            <a:r>
+              <a:rPr lang="en-US" sz="8000" dirty="0">
+                <a:solidFill>
+                  <a:schemeClr val="tx1"/>
+                </a:solidFill>
+                <a:effectLst/>
+              </a:rPr>
+              <a:t>“</a:t>
+            </a:r>
+          </a:p>
+        </p:txBody>
+      </p:sp>
+      <p:sp>
+        <p:nvSpPr>
+          <p:cNvPr id="15" name="TextBox 14"/>
+          <p:cNvSpPr txBox="1"/>
+          <p:nvPr/>
+        </p:nvSpPr>
+        <p:spPr>
+          <a:xfrm>
+            <a:off x="7696200" y="2768601"/>
+            <a:ext cx="457319" cy="584776"/>
+          </a:xfrm>
+          <a:prstGeom prst="rect">
+            <a:avLst/>
+          </a:prstGeom>
+        </p:spPr>
+        <p:txBody>
+          <a:bodyPr vert="horz" lIns="91440" tIns="45720" rIns="91440" bIns="45720" rtlCol="0" anchor="ctr">
+            <a:noAutofit/>
+          </a:bodyPr>
+          <a:lstStyle/>
+          <a:p>
+            <a:pPr lvl="0" algn="r"/>
+            <a:r>
+              <a:rPr lang="en-US" sz="8000" dirty="0">
+                <a:solidFill>
+                  <a:schemeClr val="tx1"/>
+                </a:solidFill>
+                <a:effectLst/>
+              </a:rPr>
+              <a:t>”</a:t>
+            </a:r>
+          </a:p>
+        </p:txBody>
+      </p:sp>
+    </p:spTree>
+    <p:extLst>
+      <p:ext uri="{BB962C8B-B14F-4D97-AF65-F5344CB8AC3E}">
+        <p14:creationId xmlns:p14="http://schemas.microsoft.com/office/powerpoint/2010/main" val="499296265"/>
+      </p:ext>
+    </p:extLst>
+  </p:cSld>
+  <p:clrMapOvr>
+    <a:masterClrMapping/>
+  </p:clrMapOvr>
+</p:sldLayout>
+</file>
+
+<file path=ppt/slideLayouts/slideLayout15.xml><?xml version="1.0" encoding="utf-8"?>
+<p:sldLayout xmlns:a="http://schemas.openxmlformats.org/drawingml/2006/main" xmlns:r="http://schemas.openxmlformats.org/officeDocument/2006/relationships" xmlns:p="http://schemas.openxmlformats.org/presentationml/2006/main" preserve="1">
+  <p:cSld name="True or False">
+    <p:spTree>
+      <p:nvGrpSpPr>
+        <p:cNvPr id="1" name=""/>
+        <p:cNvGrpSpPr/>
+        <p:nvPr/>
+      </p:nvGrpSpPr>
+      <p:grpSpPr>
+        <a:xfrm>
+          <a:off x="0" y="0"/>
+          <a:ext cx="0" cy="0"/>
+          <a:chOff x="0" y="0"/>
+          <a:chExt cx="0" cy="0"/>
+        </a:xfrm>
+      </p:grpSpPr>
+      <p:sp>
+        <p:nvSpPr>
+          <p:cNvPr id="2" name="Title 1"/>
+          <p:cNvSpPr>
+            <a:spLocks noGrp="1"/>
+          </p:cNvSpPr>
+          <p:nvPr>
+            <p:ph type="title"/>
+          </p:nvPr>
+        </p:nvSpPr>
+        <p:spPr>
+          <a:xfrm>
+            <a:off x="533400" y="533400"/>
+            <a:ext cx="7525658" cy="2895600"/>
+          </a:xfrm>
+        </p:spPr>
+        <p:txBody>
+          <a:bodyPr vert="horz" lIns="91440" tIns="45720" rIns="91440" bIns="45720" rtlCol="0" anchor="ctr">
+            <a:normAutofit/>
+          </a:bodyPr>
+          <a:lstStyle>
+            <a:lvl1pPr>
+              <a:defRPr lang="en-US" sz="2800" b="0" dirty="0"/>
+            </a:lvl1pPr>
+          </a:lstStyle>
+          <a:p>
+            <a:pPr marL="0" lvl="0"/>
+            <a:r>
+              <a:rPr lang="en-US"/>
+              <a:t>Click to edit Master title style</a:t>
+            </a:r>
+            <a:endParaRPr lang="en-US" dirty="0"/>
+          </a:p>
+        </p:txBody>
+      </p:sp>
+      <p:sp>
+        <p:nvSpPr>
+          <p:cNvPr id="10" name="Text Placeholder 9"/>
+          <p:cNvSpPr>
+            <a:spLocks noGrp="1"/>
+          </p:cNvSpPr>
+          <p:nvPr>
+            <p:ph type="body" sz="quarter" idx="13"/>
+          </p:nvPr>
+        </p:nvSpPr>
+        <p:spPr>
+          <a:xfrm>
+            <a:off x="533400" y="3928534"/>
+            <a:ext cx="6382361" cy="838200"/>
+          </a:xfrm>
+        </p:spPr>
+        <p:txBody>
+          <a:bodyPr vert="horz" lIns="91440" tIns="45720" rIns="91440" bIns="45720" rtlCol="0" anchor="b">
+            <a:normAutofit/>
+          </a:bodyPr>
+          <a:lstStyle>
+            <a:lvl1pPr>
+              <a:buNone/>
+              <a:defRPr lang="en-US" sz="2000" b="0" cap="all" dirty="0">
+                <a:ln w="3175" cmpd="sng">
+                  <a:noFill/>
+                </a:ln>
+                <a:solidFill>
+                  <a:schemeClr val="tx1"/>
+                </a:solidFill>
+                <a:effectLst/>
+              </a:defRPr>
+            </a:lvl1pPr>
+          </a:lstStyle>
+          <a:p>
+            <a:pPr marL="0" lvl="0">
+              <a:spcBef>
+                <a:spcPct val="0"/>
+              </a:spcBef>
+              <a:buNone/>
+            </a:pPr>
+            <a:r>
+              <a:rPr lang="en-US"/>
+              <a:t>Edit Master text styles</a:t>
+            </a:r>
+          </a:p>
+        </p:txBody>
+      </p:sp>
+      <p:sp>
+        <p:nvSpPr>
+          <p:cNvPr id="3" name="Text Placeholder 2"/>
+          <p:cNvSpPr>
+            <a:spLocks noGrp="1"/>
+          </p:cNvSpPr>
+          <p:nvPr>
+            <p:ph type="body" idx="1"/>
+          </p:nvPr>
+        </p:nvSpPr>
+        <p:spPr>
+          <a:xfrm>
+            <a:off x="533400" y="4766735"/>
+            <a:ext cx="6382360" cy="1253065"/>
+          </a:xfrm>
+        </p:spPr>
+        <p:txBody>
+          <a:bodyPr anchor="t">
+            <a:normAutofit/>
+          </a:bodyPr>
+          <a:lstStyle>
+            <a:lvl1pPr marL="0" indent="0" algn="l">
+              <a:buNone/>
+              <a:defRPr sz="1800">
+                <a:solidFill>
+                  <a:schemeClr val="bg2">
+                    <a:lumMod val="75000"/>
+                  </a:schemeClr>
+                </a:solidFill>
+              </a:defRPr>
+            </a:lvl1pPr>
+            <a:lvl2pPr marL="457200" indent="0">
+              <a:buNone/>
+              <a:defRPr sz="1800">
+                <a:solidFill>
+                  <a:schemeClr val="tx1">
+                    <a:tint val="75000"/>
+                  </a:schemeClr>
+                </a:solidFill>
+              </a:defRPr>
+            </a:lvl2pPr>
+            <a:lvl3pPr marL="914400" indent="0">
+              <a:buNone/>
+              <a:defRPr sz="1600">
+                <a:solidFill>
+                  <a:schemeClr val="tx1">
+                    <a:tint val="75000"/>
+                  </a:schemeClr>
+                </a:solidFill>
+              </a:defRPr>
+            </a:lvl3pPr>
+            <a:lvl4pPr marL="1371600" indent="0">
+              <a:buNone/>
+              <a:defRPr sz="1400">
+                <a:solidFill>
+                  <a:schemeClr val="tx1">
+                    <a:tint val="75000"/>
+                  </a:schemeClr>
+                </a:solidFill>
+              </a:defRPr>
+            </a:lvl4pPr>
+            <a:lvl5pPr marL="1828800" indent="0">
+              <a:buNone/>
+              <a:defRPr sz="1400">
+                <a:solidFill>
+                  <a:schemeClr val="tx1">
+                    <a:tint val="75000"/>
+                  </a:schemeClr>
+                </a:solidFill>
+              </a:defRPr>
+            </a:lvl5pPr>
+            <a:lvl6pPr marL="2286000" indent="0">
+              <a:buNone/>
+              <a:defRPr sz="1400">
+                <a:solidFill>
+                  <a:schemeClr val="tx1">
+                    <a:tint val="75000"/>
+                  </a:schemeClr>
+                </a:solidFill>
+              </a:defRPr>
+            </a:lvl6pPr>
+            <a:lvl7pPr marL="2743200" indent="0">
+              <a:buNone/>
+              <a:defRPr sz="1400">
+                <a:solidFill>
+                  <a:schemeClr val="tx1">
+                    <a:tint val="75000"/>
+                  </a:schemeClr>
+                </a:solidFill>
+              </a:defRPr>
+            </a:lvl7pPr>
+            <a:lvl8pPr marL="3200400" indent="0">
+              <a:buNone/>
+              <a:defRPr sz="1400">
+                <a:solidFill>
+                  <a:schemeClr val="tx1">
+                    <a:tint val="75000"/>
+                  </a:schemeClr>
+                </a:solidFill>
+              </a:defRPr>
+            </a:lvl8pPr>
+            <a:lvl9pPr marL="3657600" indent="0">
+              <a:buNone/>
+              <a:defRPr sz="1400">
+                <a:solidFill>
+                  <a:schemeClr val="tx1">
+                    <a:tint val="75000"/>
+                  </a:schemeClr>
+                </a:solidFill>
+              </a:defRPr>
+            </a:lvl9pPr>
+          </a:lstStyle>
+          <a:p>
+            <a:pPr lvl="0"/>
+            <a:r>
+              <a:rPr lang="en-US"/>
+              <a:t>Edit Master text styles</a:t>
+            </a:r>
+          </a:p>
+        </p:txBody>
+      </p:sp>
+      <p:sp>
+        <p:nvSpPr>
+          <p:cNvPr id="4" name="Date Placeholder 3"/>
+          <p:cNvSpPr>
+            <a:spLocks noGrp="1"/>
+          </p:cNvSpPr>
+          <p:nvPr>
+            <p:ph type="dt" sz="half" idx="10"/>
+          </p:nvPr>
+        </p:nvSpPr>
+        <p:spPr/>
+        <p:txBody>
+          <a:bodyPr/>
+          <a:lstStyle/>
+          <a:p>
+            <a:fld id="{84D3A309-20A9-447D-B5F1-8EF0C9B7E70B}" type="datetimeFigureOut">
+              <a:rPr lang="en-US" smtClean="0"/>
+              <a:t>11/25/2018</a:t>
+            </a:fld>
+            <a:endParaRPr lang="en-US"/>
+          </a:p>
+        </p:txBody>
+      </p:sp>
+      <p:sp>
+        <p:nvSpPr>
+          <p:cNvPr id="5" name="Footer Placeholder 4"/>
+          <p:cNvSpPr>
+            <a:spLocks noGrp="1"/>
+          </p:cNvSpPr>
+          <p:nvPr>
+            <p:ph type="ftr" sz="quarter" idx="11"/>
+          </p:nvPr>
+        </p:nvSpPr>
+        <p:spPr/>
+        <p:txBody>
+          <a:bodyPr/>
+          <a:lstStyle/>
+          <a:p>
+            <a:endParaRPr lang="en-US"/>
+          </a:p>
+        </p:txBody>
+      </p:sp>
+      <p:sp>
+        <p:nvSpPr>
+          <p:cNvPr id="6" name="Slide Number Placeholder 5"/>
+          <p:cNvSpPr>
+            <a:spLocks noGrp="1"/>
+          </p:cNvSpPr>
+          <p:nvPr>
+            <p:ph type="sldNum" sz="quarter" idx="12"/>
+          </p:nvPr>
+        </p:nvSpPr>
+        <p:spPr/>
+        <p:txBody>
+          <a:bodyPr/>
+          <a:lstStyle/>
+          <a:p>
+            <a:fld id="{7EFB3AB1-B196-4956-ADDF-A8636EAEA1FC}" type="slidenum">
+              <a:rPr lang="en-US" smtClean="0"/>
+              <a:t>‹#›</a:t>
+            </a:fld>
+            <a:endParaRPr lang="en-US"/>
+          </a:p>
+        </p:txBody>
+      </p:sp>
+    </p:spTree>
+    <p:extLst>
+      <p:ext uri="{BB962C8B-B14F-4D97-AF65-F5344CB8AC3E}">
+        <p14:creationId xmlns:p14="http://schemas.microsoft.com/office/powerpoint/2010/main" val="512025673"/>
+      </p:ext>
+    </p:extLst>
+  </p:cSld>
+  <p:clrMapOvr>
+    <a:masterClrMapping/>
+  </p:clrMapOvr>
+</p:sldLayout>
+</file>
+
+<file path=ppt/slideLayouts/slideLayout16.xml><?xml version="1.0" encoding="utf-8"?>
 <p:sldLayout xmlns:a="http://schemas.openxmlformats.org/drawingml/2006/main" xmlns:r="http://schemas.openxmlformats.org/officeDocument/2006/relationships" xmlns:p="http://schemas.openxmlformats.org/presentationml/2006/main" type="vertTx" preserve="1">
   <p:cSld name="Title and Vertical Text">
     <p:spTree>
@@ -385,13 +2426,24 @@
             <p:ph type="title"/>
           </p:nvPr>
         </p:nvSpPr>
-        <p:spPr/>
-        <p:txBody>
-          <a:bodyPr/>
-          <a:lstStyle/>
-          <a:p>
-            <a:r>
-              <a:rPr lang="en-US" smtClean="0"/>
+        <p:spPr>
+          <a:xfrm>
+            <a:off x="533400" y="4495800"/>
+            <a:ext cx="6554867" cy="1524000"/>
+          </a:xfrm>
+        </p:spPr>
+        <p:txBody>
+          <a:bodyPr>
+            <a:normAutofit/>
+          </a:bodyPr>
+          <a:lstStyle>
+            <a:lvl1pPr algn="l">
+              <a:defRPr sz="2800"/>
+            </a:lvl1pPr>
+          </a:lstStyle>
+          <a:p>
+            <a:r>
+              <a:rPr lang="en-US"/>
               <a:t>Click to edit Master title style</a:t>
             </a:r>
             <a:endParaRPr lang="en-US" dirty="0"/>
@@ -408,45 +2460,50 @@
             <p:ph type="body" orient="vert" idx="1"/>
           </p:nvPr>
         </p:nvSpPr>
-        <p:spPr/>
-        <p:txBody>
-          <a:bodyPr vert="eaVert"/>
+        <p:spPr>
+          <a:xfrm>
+            <a:off x="533400" y="533401"/>
+            <a:ext cx="6554867" cy="3767670"/>
+          </a:xfrm>
+        </p:spPr>
+        <p:txBody>
+          <a:bodyPr vert="eaVert" anchor="t"/>
           <a:lstStyle/>
           <a:p>
             <a:pPr lvl="0"/>
             <a:r>
-              <a:rPr lang="en-US" smtClean="0"/>
-              <a:t>Click to edit Master text styles</a:t>
+              <a:rPr lang="en-US"/>
+              <a:t>Edit Master text styles</a:t>
             </a:r>
           </a:p>
           <a:p>
             <a:pPr lvl="1"/>
             <a:r>
-              <a:rPr lang="en-US" smtClean="0"/>
+              <a:rPr lang="en-US"/>
               <a:t>Second level</a:t>
             </a:r>
           </a:p>
           <a:p>
             <a:pPr lvl="2"/>
             <a:r>
-              <a:rPr lang="en-US" smtClean="0"/>
+              <a:rPr lang="en-US"/>
               <a:t>Third level</a:t>
             </a:r>
           </a:p>
           <a:p>
             <a:pPr lvl="3"/>
             <a:r>
-              <a:rPr lang="en-US" smtClean="0"/>
+              <a:rPr lang="en-US"/>
               <a:t>Fourth level</a:t>
             </a:r>
           </a:p>
           <a:p>
             <a:pPr lvl="4"/>
             <a:r>
-              <a:rPr lang="en-US" smtClean="0"/>
+              <a:rPr lang="en-US"/>
               <a:t>Fifth level</a:t>
             </a:r>
-            <a:endParaRPr lang="en-US"/>
+            <a:endParaRPr lang="en-US" dirty="0"/>
           </a:p>
         </p:txBody>
       </p:sp>
@@ -516,6 +2573,11 @@
         </p:txBody>
       </p:sp>
     </p:spTree>
+    <p:extLst>
+      <p:ext uri="{BB962C8B-B14F-4D97-AF65-F5344CB8AC3E}">
+        <p14:creationId xmlns:p14="http://schemas.microsoft.com/office/powerpoint/2010/main" val="3661654998"/>
+      </p:ext>
+    </p:extLst>
   </p:cSld>
   <p:clrMapOvr>
     <a:masterClrMapping/>
@@ -523,7 +2585,7 @@
 </p:sldLayout>
 </file>
 
-<file path=ppt/slideLayouts/slideLayout11.xml><?xml version="1.0" encoding="utf-8"?>
+<file path=ppt/slideLayouts/slideLayout17.xml><?xml version="1.0" encoding="utf-8"?>
 <p:sldLayout xmlns:a="http://schemas.openxmlformats.org/drawingml/2006/main" xmlns:r="http://schemas.openxmlformats.org/officeDocument/2006/relationships" xmlns:p="http://schemas.openxmlformats.org/presentationml/2006/main" type="vertTitleAndTx" preserve="1">
   <p:cSld name="Vertical Title and Text">
     <p:spTree>
@@ -552,16 +2614,22 @@
         </p:nvSpPr>
         <p:spPr>
           <a:xfrm>
-            <a:off x="6629400" y="274638"/>
-            <a:ext cx="2057400" cy="5851525"/>
+            <a:off x="6566406" y="533400"/>
+            <a:ext cx="2044194" cy="4419600"/>
           </a:xfrm>
         </p:spPr>
         <p:txBody>
-          <a:bodyPr vert="eaVert"/>
-          <a:lstStyle/>
-          <a:p>
-            <a:r>
-              <a:rPr lang="en-US" smtClean="0"/>
+          <a:bodyPr vert="eaVert">
+            <a:normAutofit/>
+          </a:bodyPr>
+          <a:lstStyle>
+            <a:lvl1pPr>
+              <a:defRPr sz="2800"/>
+            </a:lvl1pPr>
+          </a:lstStyle>
+          <a:p>
+            <a:r>
+              <a:rPr lang="en-US"/>
               <a:t>Click to edit Master title style</a:t>
             </a:r>
             <a:endParaRPr lang="en-US" dirty="0"/>
@@ -580,48 +2648,48 @@
         </p:nvSpPr>
         <p:spPr>
           <a:xfrm>
-            <a:off x="457200" y="274638"/>
-            <a:ext cx="6019800" cy="5851525"/>
+            <a:off x="533400" y="533400"/>
+            <a:ext cx="5850012" cy="5486400"/>
           </a:xfrm>
         </p:spPr>
         <p:txBody>
-          <a:bodyPr vert="eaVert"/>
+          <a:bodyPr vert="eaVert" anchor="t"/>
           <a:lstStyle/>
           <a:p>
             <a:pPr lvl="0"/>
             <a:r>
-              <a:rPr lang="en-US" smtClean="0"/>
-              <a:t>Click to edit Master text styles</a:t>
+              <a:rPr lang="en-US"/>
+              <a:t>Edit Master text styles</a:t>
             </a:r>
           </a:p>
           <a:p>
             <a:pPr lvl="1"/>
             <a:r>
-              <a:rPr lang="en-US" smtClean="0"/>
+              <a:rPr lang="en-US"/>
               <a:t>Second level</a:t>
             </a:r>
           </a:p>
           <a:p>
             <a:pPr lvl="2"/>
             <a:r>
-              <a:rPr lang="en-US" smtClean="0"/>
+              <a:rPr lang="en-US"/>
               <a:t>Third level</a:t>
             </a:r>
           </a:p>
           <a:p>
             <a:pPr lvl="3"/>
             <a:r>
-              <a:rPr lang="en-US" smtClean="0"/>
+              <a:rPr lang="en-US"/>
               <a:t>Fourth level</a:t>
             </a:r>
           </a:p>
           <a:p>
             <a:pPr lvl="4"/>
             <a:r>
-              <a:rPr lang="en-US" smtClean="0"/>
+              <a:rPr lang="en-US"/>
               <a:t>Fifth level</a:t>
             </a:r>
-            <a:endParaRPr lang="en-US"/>
+            <a:endParaRPr lang="en-US" dirty="0"/>
           </a:p>
         </p:txBody>
       </p:sp>
@@ -691,6 +2759,11 @@
         </p:txBody>
       </p:sp>
     </p:spTree>
+    <p:extLst>
+      <p:ext uri="{BB962C8B-B14F-4D97-AF65-F5344CB8AC3E}">
+        <p14:creationId xmlns:p14="http://schemas.microsoft.com/office/powerpoint/2010/main" val="3572087678"/>
+      </p:ext>
+    </p:extLst>
   </p:cSld>
   <p:clrMapOvr>
     <a:masterClrMapping/>
@@ -725,13 +2798,18 @@
             <p:ph type="title"/>
           </p:nvPr>
         </p:nvSpPr>
-        <p:spPr/>
+        <p:spPr>
+          <a:xfrm>
+            <a:off x="533400" y="4495800"/>
+            <a:ext cx="6554867" cy="1524000"/>
+          </a:xfrm>
+        </p:spPr>
         <p:txBody>
           <a:bodyPr/>
           <a:lstStyle/>
           <a:p>
             <a:r>
-              <a:rPr lang="en-US" smtClean="0"/>
+              <a:rPr lang="en-US"/>
               <a:t>Click to edit Master title style</a:t>
             </a:r>
             <a:endParaRPr lang="en-US" dirty="0"/>
@@ -748,63 +2826,50 @@
             <p:ph idx="1"/>
           </p:nvPr>
         </p:nvSpPr>
-        <p:spPr/>
-        <p:txBody>
-          <a:bodyPr/>
-          <a:lstStyle>
-            <a:lvl5pPr>
-              <a:defRPr/>
-            </a:lvl5pPr>
-            <a:lvl6pPr>
-              <a:defRPr/>
-            </a:lvl6pPr>
-            <a:lvl7pPr>
-              <a:defRPr/>
-            </a:lvl7pPr>
-            <a:lvl8pPr>
-              <a:defRPr/>
-            </a:lvl8pPr>
-            <a:lvl9pPr>
-              <a:buFont typeface="Arial" pitchFamily="34" charset="0"/>
-              <a:buChar char="•"/>
-              <a:defRPr/>
-            </a:lvl9pPr>
-          </a:lstStyle>
+        <p:spPr>
+          <a:xfrm>
+            <a:off x="533400" y="533400"/>
+            <a:ext cx="6554867" cy="3767670"/>
+          </a:xfrm>
+        </p:spPr>
+        <p:txBody>
+          <a:bodyPr anchor="ctr"/>
+          <a:lstStyle/>
           <a:p>
             <a:pPr lvl="0"/>
             <a:r>
-              <a:rPr lang="en-US" smtClean="0"/>
-              <a:t>Click to edit Master text styles</a:t>
+              <a:rPr lang="en-US"/>
+              <a:t>Edit Master text styles</a:t>
             </a:r>
           </a:p>
           <a:p>
             <a:pPr lvl="1"/>
             <a:r>
-              <a:rPr lang="en-US" smtClean="0"/>
+              <a:rPr lang="en-US"/>
               <a:t>Second level</a:t>
             </a:r>
           </a:p>
           <a:p>
             <a:pPr lvl="2"/>
             <a:r>
-              <a:rPr lang="en-US" smtClean="0"/>
+              <a:rPr lang="en-US"/>
               <a:t>Third level</a:t>
             </a:r>
           </a:p>
           <a:p>
             <a:pPr lvl="3"/>
             <a:r>
-              <a:rPr lang="en-US" smtClean="0"/>
+              <a:rPr lang="en-US"/>
               <a:t>Fourth level</a:t>
             </a:r>
           </a:p>
           <a:p>
             <a:pPr lvl="4"/>
             <a:r>
-              <a:rPr lang="en-US" smtClean="0"/>
+              <a:rPr lang="en-US"/>
               <a:t>Fifth level</a:t>
             </a:r>
-            <a:endParaRPr lang="en-US" dirty="0" smtClean="0"/>
+            <a:endParaRPr lang="en-US" dirty="0"/>
           </a:p>
         </p:txBody>
       </p:sp>
@@ -874,6 +2939,11 @@
         </p:txBody>
       </p:sp>
     </p:spTree>
+    <p:extLst>
+      <p:ext uri="{BB962C8B-B14F-4D97-AF65-F5344CB8AC3E}">
+        <p14:creationId xmlns:p14="http://schemas.microsoft.com/office/powerpoint/2010/main" val="3924658272"/>
+      </p:ext>
+    </p:extLst>
   </p:cSld>
   <p:clrMapOvr>
     <a:masterClrMapping/>
@@ -910,41 +2980,22 @@
         </p:nvSpPr>
         <p:spPr>
           <a:xfrm>
-            <a:off x="722313" y="1371600"/>
-            <a:ext cx="7772400" cy="2505075"/>
+            <a:off x="533400" y="1981199"/>
+            <a:ext cx="6402468" cy="2319867"/>
           </a:xfrm>
         </p:spPr>
         <p:txBody>
-          <a:bodyPr anchor="b"/>
+          <a:bodyPr anchor="b">
+            <a:normAutofit/>
+          </a:bodyPr>
           <a:lstStyle>
-            <a:lvl1pPr algn="ctr" defTabSz="914400" rtl="0" eaLnBrk="1" latinLnBrk="0" hangingPunct="1">
-              <a:lnSpc>
-                <a:spcPct val="100000"/>
-              </a:lnSpc>
-              <a:spcBef>
-                <a:spcPct val="0"/>
-              </a:spcBef>
-              <a:buNone/>
-              <a:defRPr lang="en-US" sz="4800" kern="1200" dirty="0" smtClean="0">
-                <a:solidFill>
-                  <a:schemeClr val="tx2"/>
-                </a:solidFill>
-                <a:effectLst>
-                  <a:outerShdw blurRad="63500" dist="38100" dir="5400000" algn="t" rotWithShape="0">
-                    <a:prstClr val="black">
-                      <a:alpha val="25000"/>
-                    </a:prstClr>
-                  </a:outerShdw>
-                </a:effectLst>
-                <a:latin typeface="+mn-lt"/>
-                <a:ea typeface="+mj-ea"/>
-                <a:cs typeface="+mj-cs"/>
-              </a:defRPr>
+            <a:lvl1pPr algn="l">
+              <a:defRPr sz="3200" b="0" cap="all"/>
             </a:lvl1pPr>
           </a:lstStyle>
           <a:p>
             <a:r>
-              <a:rPr lang="en-US" smtClean="0"/>
+              <a:rPr lang="en-US"/>
               <a:t>Click to edit Master title style</a:t>
             </a:r>
             <a:endParaRPr lang="en-US" dirty="0"/>
@@ -963,44 +3014,56 @@
         </p:nvSpPr>
         <p:spPr>
           <a:xfrm>
-            <a:off x="722313" y="4068763"/>
-            <a:ext cx="7772400" cy="1131887"/>
+            <a:off x="533400" y="4487333"/>
+            <a:ext cx="6402467" cy="1532467"/>
           </a:xfrm>
         </p:spPr>
         <p:txBody>
-          <a:bodyPr anchor="t"/>
+          <a:bodyPr anchor="t">
+            <a:normAutofit/>
+          </a:bodyPr>
           <a:lstStyle>
-            <a:lvl1pPr marL="0" indent="0" algn="ctr">
-              <a:buNone/>
-              <a:defRPr sz="2000">
+            <a:lvl1pPr marL="0" indent="0" algn="l">
+              <a:buNone/>
+              <a:defRPr sz="1800">
+                <a:solidFill>
+                  <a:schemeClr val="bg2">
+                    <a:lumMod val="75000"/>
+                  </a:schemeClr>
+                </a:solidFill>
+              </a:defRPr>
+            </a:lvl1pPr>
+            <a:lvl2pPr marL="457200" indent="0">
+              <a:buNone/>
+              <a:defRPr sz="1800">
                 <a:solidFill>
                   <a:schemeClr val="tx1">
                     <a:tint val="75000"/>
                   </a:schemeClr>
                 </a:solidFill>
               </a:defRPr>
-            </a:lvl1pPr>
-            <a:lvl2pPr marL="457200" indent="0">
-              <a:buNone/>
-              <a:defRPr sz="1800">
+            </a:lvl2pPr>
+            <a:lvl3pPr marL="914400" indent="0">
+              <a:buNone/>
+              <a:defRPr sz="1600">
                 <a:solidFill>
                   <a:schemeClr val="tx1">
                     <a:tint val="75000"/>
                   </a:schemeClr>
                 </a:solidFill>
               </a:defRPr>
-            </a:lvl2pPr>
-            <a:lvl3pPr marL="914400" indent="0">
-              <a:buNone/>
-              <a:defRPr sz="1600">
+            </a:lvl3pPr>
+            <a:lvl4pPr marL="1371600" indent="0">
+              <a:buNone/>
+              <a:defRPr sz="1400">
                 <a:solidFill>
                   <a:schemeClr val="tx1">
                     <a:tint val="75000"/>
                   </a:schemeClr>
                 </a:solidFill>
               </a:defRPr>
-            </a:lvl3pPr>
-            <a:lvl4pPr marL="1371600" indent="0">
+            </a:lvl4pPr>
+            <a:lvl5pPr marL="1828800" indent="0">
               <a:buNone/>
               <a:defRPr sz="1400">
                 <a:solidFill>
@@ -1009,8 +3072,8 @@
                   </a:schemeClr>
                 </a:solidFill>
               </a:defRPr>
-            </a:lvl4pPr>
-            <a:lvl5pPr marL="1828800" indent="0">
+            </a:lvl5pPr>
+            <a:lvl6pPr marL="2286000" indent="0">
               <a:buNone/>
               <a:defRPr sz="1400">
                 <a:solidFill>
@@ -1019,8 +3082,8 @@
                   </a:schemeClr>
                 </a:solidFill>
               </a:defRPr>
-            </a:lvl5pPr>
-            <a:lvl6pPr marL="2286000" indent="0">
+            </a:lvl6pPr>
+            <a:lvl7pPr marL="2743200" indent="0">
               <a:buNone/>
               <a:defRPr sz="1400">
                 <a:solidFill>
@@ -1029,8 +3092,8 @@
                   </a:schemeClr>
                 </a:solidFill>
               </a:defRPr>
-            </a:lvl6pPr>
-            <a:lvl7pPr marL="2743200" indent="0">
+            </a:lvl7pPr>
+            <a:lvl8pPr marL="3200400" indent="0">
               <a:buNone/>
               <a:defRPr sz="1400">
                 <a:solidFill>
@@ -1039,8 +3102,8 @@
                   </a:schemeClr>
                 </a:solidFill>
               </a:defRPr>
-            </a:lvl7pPr>
-            <a:lvl8pPr marL="3200400" indent="0">
+            </a:lvl8pPr>
+            <a:lvl9pPr marL="3657600" indent="0">
               <a:buNone/>
               <a:defRPr sz="1400">
                 <a:solidFill>
@@ -1049,23 +3112,13 @@
                   </a:schemeClr>
                 </a:solidFill>
               </a:defRPr>
-            </a:lvl8pPr>
-            <a:lvl9pPr marL="3657600" indent="0">
-              <a:buNone/>
-              <a:defRPr sz="1400">
-                <a:solidFill>
-                  <a:schemeClr val="tx1">
-                    <a:tint val="75000"/>
-                  </a:schemeClr>
-                </a:solidFill>
-              </a:defRPr>
             </a:lvl9pPr>
           </a:lstStyle>
           <a:p>
             <a:pPr lvl="0"/>
             <a:r>
-              <a:rPr lang="en-US" smtClean="0"/>
-              <a:t>Click to edit Master text styles</a:t>
+              <a:rPr lang="en-US"/>
+              <a:t>Edit Master text styles</a:t>
             </a:r>
           </a:p>
         </p:txBody>
@@ -1135,157 +3188,12 @@
           </a:p>
         </p:txBody>
       </p:sp>
-      <p:sp>
-        <p:nvSpPr>
-          <p:cNvPr id="7" name="Oval 6"/>
-          <p:cNvSpPr/>
-          <p:nvPr/>
-        </p:nvSpPr>
-        <p:spPr>
-          <a:xfrm>
-            <a:off x="4495800" y="3924300"/>
-            <a:ext cx="84772" cy="84772"/>
-          </a:xfrm>
-          <a:prstGeom prst="ellipse">
-            <a:avLst/>
-          </a:prstGeom>
-          <a:solidFill>
-            <a:schemeClr val="tx1">
-              <a:lumMod val="50000"/>
-              <a:lumOff val="50000"/>
-            </a:schemeClr>
-          </a:solidFill>
-          <a:ln w="12700">
-            <a:noFill/>
-          </a:ln>
-          <a:effectLst/>
-        </p:spPr>
-        <p:style>
-          <a:lnRef idx="2">
-            <a:schemeClr val="accent1">
-              <a:shade val="50000"/>
-            </a:schemeClr>
-          </a:lnRef>
-          <a:fillRef idx="1">
-            <a:schemeClr val="accent1"/>
-          </a:fillRef>
-          <a:effectRef idx="0">
-            <a:schemeClr val="accent1"/>
-          </a:effectRef>
-          <a:fontRef idx="minor">
-            <a:schemeClr val="lt1"/>
-          </a:fontRef>
-        </p:style>
-        <p:txBody>
-          <a:bodyPr rtlCol="0" anchor="ctr"/>
-          <a:lstStyle/>
-          <a:p>
-            <a:pPr algn="ctr"/>
-            <a:endParaRPr lang="en-US"/>
-          </a:p>
-        </p:txBody>
-      </p:sp>
-      <p:sp>
-        <p:nvSpPr>
-          <p:cNvPr id="8" name="Oval 7"/>
-          <p:cNvSpPr/>
-          <p:nvPr/>
-        </p:nvSpPr>
-        <p:spPr>
-          <a:xfrm>
-            <a:off x="4695825" y="3924300"/>
-            <a:ext cx="84772" cy="84772"/>
-          </a:xfrm>
-          <a:prstGeom prst="ellipse">
-            <a:avLst/>
-          </a:prstGeom>
-          <a:solidFill>
-            <a:schemeClr val="tx1">
-              <a:lumMod val="50000"/>
-              <a:lumOff val="50000"/>
-            </a:schemeClr>
-          </a:solidFill>
-          <a:ln w="12700">
-            <a:noFill/>
-          </a:ln>
-          <a:effectLst/>
-        </p:spPr>
-        <p:style>
-          <a:lnRef idx="2">
-            <a:schemeClr val="accent1">
-              <a:shade val="50000"/>
-            </a:schemeClr>
-          </a:lnRef>
-          <a:fillRef idx="1">
-            <a:schemeClr val="accent1"/>
-          </a:fillRef>
-          <a:effectRef idx="0">
-            <a:schemeClr val="accent1"/>
-          </a:effectRef>
-          <a:fontRef idx="minor">
-            <a:schemeClr val="lt1"/>
-          </a:fontRef>
-        </p:style>
-        <p:txBody>
-          <a:bodyPr rtlCol="0" anchor="ctr"/>
-          <a:lstStyle/>
-          <a:p>
-            <a:pPr algn="ctr"/>
-            <a:endParaRPr lang="en-US"/>
-          </a:p>
-        </p:txBody>
-      </p:sp>
-      <p:sp>
-        <p:nvSpPr>
-          <p:cNvPr id="9" name="Oval 8"/>
-          <p:cNvSpPr/>
-          <p:nvPr/>
-        </p:nvSpPr>
-        <p:spPr>
-          <a:xfrm>
-            <a:off x="4296728" y="3924300"/>
-            <a:ext cx="84772" cy="84772"/>
-          </a:xfrm>
-          <a:prstGeom prst="ellipse">
-            <a:avLst/>
-          </a:prstGeom>
-          <a:solidFill>
-            <a:schemeClr val="tx1">
-              <a:lumMod val="50000"/>
-              <a:lumOff val="50000"/>
-            </a:schemeClr>
-          </a:solidFill>
-          <a:ln w="12700">
-            <a:noFill/>
-          </a:ln>
-          <a:effectLst/>
-        </p:spPr>
-        <p:style>
-          <a:lnRef idx="2">
-            <a:schemeClr val="accent1">
-              <a:shade val="50000"/>
-            </a:schemeClr>
-          </a:lnRef>
-          <a:fillRef idx="1">
-            <a:schemeClr val="accent1"/>
-          </a:fillRef>
-          <a:effectRef idx="0">
-            <a:schemeClr val="accent1"/>
-          </a:effectRef>
-          <a:fontRef idx="minor">
-            <a:schemeClr val="lt1"/>
-          </a:fontRef>
-        </p:style>
-        <p:txBody>
-          <a:bodyPr rtlCol="0" anchor="ctr"/>
-          <a:lstStyle/>
-          <a:p>
-            <a:pPr algn="ctr"/>
-            <a:endParaRPr lang="en-US"/>
-          </a:p>
-        </p:txBody>
-      </p:sp>
     </p:spTree>
+    <p:extLst>
+      <p:ext uri="{BB962C8B-B14F-4D97-AF65-F5344CB8AC3E}">
+        <p14:creationId xmlns:p14="http://schemas.microsoft.com/office/powerpoint/2010/main" val="2738040134"/>
+      </p:ext>
+    </p:extLst>
   </p:cSld>
   <p:clrMapOvr>
     <a:masterClrMapping/>
@@ -1320,101 +3228,145 @@
             <p:ph type="title"/>
           </p:nvPr>
         </p:nvSpPr>
-        <p:spPr/>
-        <p:txBody>
-          <a:bodyPr/>
-          <a:lstStyle/>
-          <a:p>
-            <a:r>
-              <a:rPr lang="en-US" smtClean="0"/>
-              <a:t>Click to edit Master title style</a:t>
-            </a:r>
-            <a:endParaRPr lang="en-US"/>
-          </a:p>
-        </p:txBody>
-      </p:sp>
-      <p:sp>
-        <p:nvSpPr>
-          <p:cNvPr id="4" name="Content Placeholder 3"/>
-          <p:cNvSpPr>
-            <a:spLocks noGrp="1"/>
-          </p:cNvSpPr>
-          <p:nvPr>
-            <p:ph sz="half" idx="2"/>
-          </p:nvPr>
-        </p:nvSpPr>
         <p:spPr>
           <a:xfrm>
-            <a:off x="4648200" y="1600200"/>
-            <a:ext cx="4038600" cy="4525963"/>
+            <a:off x="533400" y="4495800"/>
+            <a:ext cx="6554867" cy="1524000"/>
           </a:xfrm>
         </p:spPr>
         <p:txBody>
-          <a:bodyPr/>
+          <a:bodyPr>
+            <a:normAutofit/>
+          </a:bodyPr>
           <a:lstStyle>
             <a:lvl1pPr>
-              <a:defRPr sz="2400"/>
+              <a:defRPr sz="3200"/>
             </a:lvl1pPr>
-            <a:lvl2pPr>
-              <a:defRPr sz="1600"/>
-            </a:lvl2pPr>
-            <a:lvl3pPr>
-              <a:defRPr sz="1600"/>
-            </a:lvl3pPr>
-            <a:lvl4pPr>
-              <a:defRPr sz="1600"/>
-            </a:lvl4pPr>
-            <a:lvl5pPr>
-              <a:defRPr sz="1600"/>
-            </a:lvl5pPr>
-            <a:lvl6pPr>
-              <a:defRPr sz="1600"/>
-            </a:lvl6pPr>
-            <a:lvl7pPr>
-              <a:defRPr sz="1600"/>
-            </a:lvl7pPr>
-            <a:lvl8pPr>
-              <a:defRPr sz="1600"/>
-            </a:lvl8pPr>
-            <a:lvl9pPr>
-              <a:defRPr sz="1600"/>
-            </a:lvl9pPr>
           </a:lstStyle>
           <a:p>
+            <a:r>
+              <a:rPr lang="en-US"/>
+              <a:t>Click to edit Master title style</a:t>
+            </a:r>
+            <a:endParaRPr lang="en-US" dirty="0"/>
+          </a:p>
+        </p:txBody>
+      </p:sp>
+      <p:sp>
+        <p:nvSpPr>
+          <p:cNvPr id="11" name="Content Placeholder 3"/>
+          <p:cNvSpPr>
+            <a:spLocks noGrp="1"/>
+          </p:cNvSpPr>
+          <p:nvPr>
+            <p:ph sz="half" idx="13"/>
+          </p:nvPr>
+        </p:nvSpPr>
+        <p:spPr>
+          <a:xfrm>
+            <a:off x="533400" y="533400"/>
+            <a:ext cx="3949967" cy="3767667"/>
+          </a:xfrm>
+        </p:spPr>
+        <p:txBody>
+          <a:bodyPr anchor="ctr">
+            <a:normAutofit/>
+          </a:bodyPr>
+          <a:lstStyle/>
+          <a:p>
             <a:pPr lvl="0"/>
             <a:r>
-              <a:rPr lang="en-US" smtClean="0"/>
-              <a:t>Click to edit Master text styles</a:t>
+              <a:rPr lang="en-US"/>
+              <a:t>Edit Master text styles</a:t>
             </a:r>
           </a:p>
           <a:p>
             <a:pPr lvl="1"/>
             <a:r>
-              <a:rPr lang="en-US" smtClean="0"/>
+              <a:rPr lang="en-US"/>
               <a:t>Second level</a:t>
             </a:r>
           </a:p>
           <a:p>
             <a:pPr lvl="2"/>
             <a:r>
-              <a:rPr lang="en-US" smtClean="0"/>
+              <a:rPr lang="en-US"/>
               <a:t>Third level</a:t>
             </a:r>
           </a:p>
           <a:p>
             <a:pPr lvl="3"/>
             <a:r>
-              <a:rPr lang="en-US" smtClean="0"/>
+              <a:rPr lang="en-US"/>
               <a:t>Fourth level</a:t>
             </a:r>
           </a:p>
           <a:p>
             <a:pPr lvl="4"/>
             <a:r>
-              <a:rPr lang="en-US" smtClean="0"/>
+              <a:rPr lang="en-US"/>
               <a:t>Fifth level</a:t>
             </a:r>
-            <a:endParaRPr lang="en-US" dirty="0" smtClean="0"/>
+            <a:endParaRPr lang="en-US" dirty="0"/>
+          </a:p>
+        </p:txBody>
+      </p:sp>
+      <p:sp>
+        <p:nvSpPr>
+          <p:cNvPr id="12" name="Content Placeholder 5"/>
+          <p:cNvSpPr>
+            <a:spLocks noGrp="1"/>
+          </p:cNvSpPr>
+          <p:nvPr>
+            <p:ph sz="quarter" idx="4"/>
+          </p:nvPr>
+        </p:nvSpPr>
+        <p:spPr>
+          <a:xfrm>
+            <a:off x="4662362" y="533400"/>
+            <a:ext cx="3948238" cy="3759200"/>
+          </a:xfrm>
+        </p:spPr>
+        <p:txBody>
+          <a:bodyPr anchor="ctr">
+            <a:normAutofit/>
+          </a:bodyPr>
+          <a:lstStyle/>
+          <a:p>
+            <a:pPr lvl="0"/>
+            <a:r>
+              <a:rPr lang="en-US"/>
+              <a:t>Edit Master text styles</a:t>
+            </a:r>
+          </a:p>
+          <a:p>
+            <a:pPr lvl="1"/>
+            <a:r>
+              <a:rPr lang="en-US"/>
+              <a:t>Second level</a:t>
+            </a:r>
+          </a:p>
+          <a:p>
+            <a:pPr lvl="2"/>
+            <a:r>
+              <a:rPr lang="en-US"/>
+              <a:t>Third level</a:t>
+            </a:r>
+          </a:p>
+          <a:p>
+            <a:pPr lvl="3"/>
+            <a:r>
+              <a:rPr lang="en-US"/>
+              <a:t>Fourth level</a:t>
+            </a:r>
+          </a:p>
+          <a:p>
+            <a:pPr lvl="4"/>
+            <a:r>
+              <a:rPr lang="en-US"/>
+              <a:t>Fifth level</a:t>
+            </a:r>
+            <a:endParaRPr lang="en-US" dirty="0"/>
           </a:p>
         </p:txBody>
       </p:sp>
@@ -1483,64 +3435,12 @@
           </a:p>
         </p:txBody>
       </p:sp>
-      <p:sp>
-        <p:nvSpPr>
-          <p:cNvPr id="9" name="Content Placeholder 8"/>
-          <p:cNvSpPr>
-            <a:spLocks noGrp="1"/>
-          </p:cNvSpPr>
-          <p:nvPr>
-            <p:ph sz="quarter" idx="13"/>
-          </p:nvPr>
-        </p:nvSpPr>
-        <p:spPr>
-          <a:xfrm>
-            <a:off x="365760" y="1600200"/>
-            <a:ext cx="4041648" cy="4526280"/>
-          </a:xfrm>
-        </p:spPr>
-        <p:txBody>
-          <a:bodyPr/>
-          <a:lstStyle/>
-          <a:p>
-            <a:pPr lvl="0"/>
-            <a:r>
-              <a:rPr lang="en-US" smtClean="0"/>
-              <a:t>Click to edit Master text styles</a:t>
-            </a:r>
-          </a:p>
-          <a:p>
-            <a:pPr lvl="1"/>
-            <a:r>
-              <a:rPr lang="en-US" smtClean="0"/>
-              <a:t>Second level</a:t>
-            </a:r>
-          </a:p>
-          <a:p>
-            <a:pPr lvl="2"/>
-            <a:r>
-              <a:rPr lang="en-US" smtClean="0"/>
-              <a:t>Third level</a:t>
-            </a:r>
-          </a:p>
-          <a:p>
-            <a:pPr lvl="3"/>
-            <a:r>
-              <a:rPr lang="en-US" smtClean="0"/>
-              <a:t>Fourth level</a:t>
-            </a:r>
-          </a:p>
-          <a:p>
-            <a:pPr lvl="4"/>
-            <a:r>
-              <a:rPr lang="en-US" smtClean="0"/>
-              <a:t>Fifth level</a:t>
-            </a:r>
-            <a:endParaRPr lang="en-US"/>
-          </a:p>
-        </p:txBody>
-      </p:sp>
     </p:spTree>
+    <p:extLst>
+      <p:ext uri="{BB962C8B-B14F-4D97-AF65-F5344CB8AC3E}">
+        <p14:creationId xmlns:p14="http://schemas.microsoft.com/office/powerpoint/2010/main" val="679413464"/>
+      </p:ext>
+    </p:extLst>
   </p:cSld>
   <p:clrMapOvr>
     <a:masterClrMapping/>
@@ -1575,20 +3475,27 @@
             <p:ph type="title"/>
           </p:nvPr>
         </p:nvSpPr>
-        <p:spPr/>
-        <p:txBody>
-          <a:bodyPr/>
+        <p:spPr>
+          <a:xfrm>
+            <a:off x="533400" y="4495800"/>
+            <a:ext cx="6554867" cy="1524000"/>
+          </a:xfrm>
+        </p:spPr>
+        <p:txBody>
+          <a:bodyPr>
+            <a:normAutofit/>
+          </a:bodyPr>
           <a:lstStyle>
             <a:lvl1pPr>
-              <a:defRPr/>
+              <a:defRPr sz="3200"/>
             </a:lvl1pPr>
           </a:lstStyle>
           <a:p>
             <a:r>
-              <a:rPr lang="en-US" smtClean="0"/>
+              <a:rPr lang="en-US"/>
               <a:t>Click to edit Master title style</a:t>
             </a:r>
-            <a:endParaRPr lang="en-US"/>
+            <a:endParaRPr lang="en-US" dirty="0"/>
           </a:p>
         </p:txBody>
       </p:sp>
@@ -1604,8 +3511,8 @@
         </p:nvSpPr>
         <p:spPr>
           <a:xfrm>
-            <a:off x="457200" y="1600200"/>
-            <a:ext cx="4040188" cy="609600"/>
+            <a:off x="762001" y="533400"/>
+            <a:ext cx="3716866" cy="609600"/>
           </a:xfrm>
         </p:spPr>
         <p:txBody>
@@ -1613,9 +3520,13 @@
             <a:noAutofit/>
           </a:bodyPr>
           <a:lstStyle>
-            <a:lvl1pPr marL="0" indent="0" algn="ctr">
-              <a:buNone/>
-              <a:defRPr sz="2400" b="0"/>
+            <a:lvl1pPr marL="0" indent="0">
+              <a:buNone/>
+              <a:defRPr sz="2400" b="0" cap="all">
+                <a:solidFill>
+                  <a:schemeClr val="tx1"/>
+                </a:solidFill>
+              </a:defRPr>
             </a:lvl1pPr>
             <a:lvl2pPr marL="457200" indent="0">
               <a:buNone/>
@@ -1653,26 +3564,85 @@
           <a:p>
             <a:pPr lvl="0"/>
             <a:r>
-              <a:rPr lang="en-US" smtClean="0"/>
-              <a:t>Click to edit Master text styles</a:t>
-            </a:r>
-          </a:p>
-        </p:txBody>
-      </p:sp>
-      <p:sp>
-        <p:nvSpPr>
-          <p:cNvPr id="5" name="Text Placeholder 4"/>
-          <p:cNvSpPr>
-            <a:spLocks noGrp="1"/>
-          </p:cNvSpPr>
-          <p:nvPr>
-            <p:ph type="body" sz="quarter" idx="3"/>
+              <a:rPr lang="en-US"/>
+              <a:t>Edit Master text styles</a:t>
+            </a:r>
+          </a:p>
+        </p:txBody>
+      </p:sp>
+      <p:sp>
+        <p:nvSpPr>
+          <p:cNvPr id="4" name="Content Placeholder 3"/>
+          <p:cNvSpPr>
+            <a:spLocks noGrp="1"/>
+          </p:cNvSpPr>
+          <p:nvPr>
+            <p:ph sz="half" idx="2"/>
           </p:nvPr>
         </p:nvSpPr>
         <p:spPr>
           <a:xfrm>
-            <a:off x="4648200" y="1600200"/>
-            <a:ext cx="4041775" cy="609600"/>
+            <a:off x="533399" y="1143000"/>
+            <a:ext cx="3945467" cy="3158067"/>
+          </a:xfrm>
+        </p:spPr>
+        <p:txBody>
+          <a:bodyPr anchor="t">
+            <a:normAutofit/>
+          </a:bodyPr>
+          <a:lstStyle/>
+          <a:p>
+            <a:pPr lvl="0"/>
+            <a:r>
+              <a:rPr lang="en-US"/>
+              <a:t>Edit Master text styles</a:t>
+            </a:r>
+          </a:p>
+          <a:p>
+            <a:pPr lvl="1"/>
+            <a:r>
+              <a:rPr lang="en-US"/>
+              <a:t>Second level</a:t>
+            </a:r>
+          </a:p>
+          <a:p>
+            <a:pPr lvl="2"/>
+            <a:r>
+              <a:rPr lang="en-US"/>
+              <a:t>Third level</a:t>
+            </a:r>
+          </a:p>
+          <a:p>
+            <a:pPr lvl="3"/>
+            <a:r>
+              <a:rPr lang="en-US"/>
+              <a:t>Fourth level</a:t>
+            </a:r>
+          </a:p>
+          <a:p>
+            <a:pPr lvl="4"/>
+            <a:r>
+              <a:rPr lang="en-US"/>
+              <a:t>Fifth level</a:t>
+            </a:r>
+            <a:endParaRPr lang="en-US" dirty="0"/>
+          </a:p>
+        </p:txBody>
+      </p:sp>
+      <p:sp>
+        <p:nvSpPr>
+          <p:cNvPr id="5" name="Text Placeholder 4"/>
+          <p:cNvSpPr>
+            <a:spLocks noGrp="1"/>
+          </p:cNvSpPr>
+          <p:nvPr>
+            <p:ph type="body" sz="quarter" idx="3"/>
+          </p:nvPr>
+        </p:nvSpPr>
+        <p:spPr>
+          <a:xfrm>
+            <a:off x="4855016" y="566738"/>
+            <a:ext cx="3764051" cy="576262"/>
           </a:xfrm>
         </p:spPr>
         <p:txBody>
@@ -1680,9 +3650,13 @@
             <a:noAutofit/>
           </a:bodyPr>
           <a:lstStyle>
-            <a:lvl1pPr marL="0" indent="0" algn="ctr">
-              <a:buNone/>
-              <a:defRPr sz="2400" b="0"/>
+            <a:lvl1pPr marL="0" indent="0">
+              <a:buNone/>
+              <a:defRPr sz="2400" b="0" cap="all">
+                <a:solidFill>
+                  <a:schemeClr val="tx1"/>
+                </a:solidFill>
+              </a:defRPr>
             </a:lvl1pPr>
             <a:lvl2pPr marL="457200" indent="0">
               <a:buNone/>
@@ -1720,9 +3694,68 @@
           <a:p>
             <a:pPr lvl="0"/>
             <a:r>
-              <a:rPr lang="en-US" smtClean="0"/>
-              <a:t>Click to edit Master text styles</a:t>
-            </a:r>
+              <a:rPr lang="en-US"/>
+              <a:t>Edit Master text styles</a:t>
+            </a:r>
+          </a:p>
+        </p:txBody>
+      </p:sp>
+      <p:sp>
+        <p:nvSpPr>
+          <p:cNvPr id="6" name="Content Placeholder 5"/>
+          <p:cNvSpPr>
+            <a:spLocks noGrp="1"/>
+          </p:cNvSpPr>
+          <p:nvPr>
+            <p:ph sz="quarter" idx="4"/>
+          </p:nvPr>
+        </p:nvSpPr>
+        <p:spPr>
+          <a:xfrm>
+            <a:off x="4662362" y="1143000"/>
+            <a:ext cx="3956705" cy="3149600"/>
+          </a:xfrm>
+        </p:spPr>
+        <p:txBody>
+          <a:bodyPr anchor="t">
+            <a:normAutofit/>
+          </a:bodyPr>
+          <a:lstStyle/>
+          <a:p>
+            <a:pPr lvl="0"/>
+            <a:r>
+              <a:rPr lang="en-US"/>
+              <a:t>Edit Master text styles</a:t>
+            </a:r>
+          </a:p>
+          <a:p>
+            <a:pPr lvl="1"/>
+            <a:r>
+              <a:rPr lang="en-US"/>
+              <a:t>Second level</a:t>
+            </a:r>
+          </a:p>
+          <a:p>
+            <a:pPr lvl="2"/>
+            <a:r>
+              <a:rPr lang="en-US"/>
+              <a:t>Third level</a:t>
+            </a:r>
+          </a:p>
+          <a:p>
+            <a:pPr lvl="3"/>
+            <a:r>
+              <a:rPr lang="en-US"/>
+              <a:t>Fourth level</a:t>
+            </a:r>
+          </a:p>
+          <a:p>
+            <a:pPr lvl="4"/>
+            <a:r>
+              <a:rPr lang="en-US"/>
+              <a:t>Fifth level</a:t>
+            </a:r>
+            <a:endParaRPr lang="en-US" dirty="0"/>
           </a:p>
         </p:txBody>
       </p:sp>
@@ -1791,121 +3824,12 @@
           </a:p>
         </p:txBody>
       </p:sp>
-      <p:sp>
-        <p:nvSpPr>
-          <p:cNvPr id="11" name="Content Placeholder 10"/>
-          <p:cNvSpPr>
-            <a:spLocks noGrp="1"/>
-          </p:cNvSpPr>
-          <p:nvPr>
-            <p:ph sz="quarter" idx="13"/>
-          </p:nvPr>
-        </p:nvSpPr>
-        <p:spPr>
-          <a:xfrm>
-            <a:off x="457200" y="2212848"/>
-            <a:ext cx="4041648" cy="3913632"/>
-          </a:xfrm>
-        </p:spPr>
-        <p:txBody>
-          <a:bodyPr/>
-          <a:lstStyle/>
-          <a:p>
-            <a:pPr lvl="0"/>
-            <a:r>
-              <a:rPr lang="en-US" smtClean="0"/>
-              <a:t>Click to edit Master text styles</a:t>
-            </a:r>
-          </a:p>
-          <a:p>
-            <a:pPr lvl="1"/>
-            <a:r>
-              <a:rPr lang="en-US" smtClean="0"/>
-              <a:t>Second level</a:t>
-            </a:r>
-          </a:p>
-          <a:p>
-            <a:pPr lvl="2"/>
-            <a:r>
-              <a:rPr lang="en-US" smtClean="0"/>
-              <a:t>Third level</a:t>
-            </a:r>
-          </a:p>
-          <a:p>
-            <a:pPr lvl="3"/>
-            <a:r>
-              <a:rPr lang="en-US" smtClean="0"/>
-              <a:t>Fourth level</a:t>
-            </a:r>
-          </a:p>
-          <a:p>
-            <a:pPr lvl="4"/>
-            <a:r>
-              <a:rPr lang="en-US" smtClean="0"/>
-              <a:t>Fifth level</a:t>
-            </a:r>
-            <a:endParaRPr lang="en-US" dirty="0"/>
-          </a:p>
-        </p:txBody>
-      </p:sp>
-      <p:sp>
-        <p:nvSpPr>
-          <p:cNvPr id="13" name="Content Placeholder 12"/>
-          <p:cNvSpPr>
-            <a:spLocks noGrp="1"/>
-          </p:cNvSpPr>
-          <p:nvPr>
-            <p:ph sz="quarter" idx="14"/>
-          </p:nvPr>
-        </p:nvSpPr>
-        <p:spPr>
-          <a:xfrm>
-            <a:off x="4672584" y="2212848"/>
-            <a:ext cx="4041648" cy="3913187"/>
-          </a:xfrm>
-        </p:spPr>
-        <p:txBody>
-          <a:bodyPr/>
-          <a:lstStyle/>
-          <a:p>
-            <a:pPr lvl="0"/>
-            <a:r>
-              <a:rPr lang="en-US" smtClean="0"/>
-              <a:t>Click to edit Master text styles</a:t>
-            </a:r>
-          </a:p>
-          <a:p>
-            <a:pPr lvl="1"/>
-            <a:r>
-              <a:rPr lang="en-US" smtClean="0"/>
-              <a:t>Second level</a:t>
-            </a:r>
-          </a:p>
-          <a:p>
-            <a:pPr lvl="2"/>
-            <a:r>
-              <a:rPr lang="en-US" smtClean="0"/>
-              <a:t>Third level</a:t>
-            </a:r>
-          </a:p>
-          <a:p>
-            <a:pPr lvl="3"/>
-            <a:r>
-              <a:rPr lang="en-US" smtClean="0"/>
-              <a:t>Fourth level</a:t>
-            </a:r>
-          </a:p>
-          <a:p>
-            <a:pPr lvl="4"/>
-            <a:r>
-              <a:rPr lang="en-US" smtClean="0"/>
-              <a:t>Fifth level</a:t>
-            </a:r>
-            <a:endParaRPr lang="en-US" dirty="0"/>
-          </a:p>
-        </p:txBody>
-      </p:sp>
     </p:spTree>
+    <p:extLst>
+      <p:ext uri="{BB962C8B-B14F-4D97-AF65-F5344CB8AC3E}">
+        <p14:creationId xmlns:p14="http://schemas.microsoft.com/office/powerpoint/2010/main" val="549251348"/>
+      </p:ext>
+    </p:extLst>
   </p:cSld>
   <p:clrMapOvr>
     <a:masterClrMapping/>
@@ -1940,13 +3864,24 @@
             <p:ph type="title"/>
           </p:nvPr>
         </p:nvSpPr>
-        <p:spPr/>
-        <p:txBody>
-          <a:bodyPr/>
-          <a:lstStyle/>
-          <a:p>
-            <a:r>
-              <a:rPr lang="en-US" smtClean="0"/>
+        <p:spPr>
+          <a:xfrm>
+            <a:off x="533400" y="4495800"/>
+            <a:ext cx="6554867" cy="1524000"/>
+          </a:xfrm>
+        </p:spPr>
+        <p:txBody>
+          <a:bodyPr>
+            <a:normAutofit/>
+          </a:bodyPr>
+          <a:lstStyle>
+            <a:lvl1pPr>
+              <a:defRPr sz="3200"/>
+            </a:lvl1pPr>
+          </a:lstStyle>
+          <a:p>
+            <a:r>
+              <a:rPr lang="en-US"/>
               <a:t>Click to edit Master title style</a:t>
             </a:r>
             <a:endParaRPr lang="en-US" dirty="0"/>
@@ -2019,6 +3954,11 @@
         </p:txBody>
       </p:sp>
     </p:spTree>
+    <p:extLst>
+      <p:ext uri="{BB962C8B-B14F-4D97-AF65-F5344CB8AC3E}">
+        <p14:creationId xmlns:p14="http://schemas.microsoft.com/office/powerpoint/2010/main" val="3645358903"/>
+      </p:ext>
+    </p:extLst>
   </p:cSld>
   <p:clrMapOvr>
     <a:masterClrMapping/>
@@ -2109,6 +4049,11 @@
         </p:txBody>
       </p:sp>
     </p:spTree>
+    <p:extLst>
+      <p:ext uri="{BB962C8B-B14F-4D97-AF65-F5344CB8AC3E}">
+        <p14:creationId xmlns:p14="http://schemas.microsoft.com/office/powerpoint/2010/main" val="2689836470"/>
+      </p:ext>
+    </p:extLst>
   </p:cSld>
   <p:clrMapOvr>
     <a:masterClrMapping/>
@@ -2145,147 +4090,109 @@
         </p:nvSpPr>
         <p:spPr>
           <a:xfrm>
-            <a:off x="5907087" y="266700"/>
-            <a:ext cx="3008313" cy="2095500"/>
+            <a:off x="5418667" y="533400"/>
+            <a:ext cx="3200400" cy="1524000"/>
           </a:xfrm>
         </p:spPr>
         <p:txBody>
-          <a:bodyPr anchor="b"/>
-          <a:lstStyle>
-            <a:lvl1pPr algn="ctr">
-              <a:lnSpc>
-                <a:spcPct val="100000"/>
-              </a:lnSpc>
-              <a:defRPr sz="2800" b="0">
-                <a:effectLst>
-                  <a:outerShdw blurRad="50800" dist="25400" dir="5400000" algn="t" rotWithShape="0">
-                    <a:prstClr val="black">
-                      <a:alpha val="25000"/>
-                    </a:prstClr>
-                  </a:outerShdw>
-                </a:effectLst>
-              </a:defRPr>
-            </a:lvl1pPr>
-          </a:lstStyle>
-          <a:p>
-            <a:r>
-              <a:rPr lang="en-US" smtClean="0"/>
-              <a:t>Click to edit Master title style</a:t>
-            </a:r>
-            <a:endParaRPr lang="en-US" dirty="0"/>
-          </a:p>
-        </p:txBody>
-      </p:sp>
-      <p:sp>
-        <p:nvSpPr>
-          <p:cNvPr id="3" name="Content Placeholder 2"/>
-          <p:cNvSpPr>
-            <a:spLocks noGrp="1"/>
-          </p:cNvSpPr>
-          <p:nvPr>
-            <p:ph idx="1"/>
-          </p:nvPr>
-        </p:nvSpPr>
-        <p:spPr>
-          <a:xfrm>
-            <a:off x="719137" y="273050"/>
-            <a:ext cx="4995863" cy="5853113"/>
-          </a:xfrm>
-        </p:spPr>
-        <p:txBody>
-          <a:bodyPr/>
-          <a:lstStyle>
-            <a:lvl1pPr>
-              <a:defRPr sz="3200"/>
-            </a:lvl1pPr>
-            <a:lvl2pPr>
-              <a:defRPr sz="2800"/>
-            </a:lvl2pPr>
-            <a:lvl3pPr>
-              <a:defRPr sz="2400"/>
-            </a:lvl3pPr>
-            <a:lvl4pPr>
-              <a:defRPr sz="2000"/>
-            </a:lvl4pPr>
-            <a:lvl5pPr>
-              <a:defRPr sz="2000"/>
-            </a:lvl5pPr>
-            <a:lvl6pPr>
-              <a:defRPr sz="2000"/>
-            </a:lvl6pPr>
-            <a:lvl7pPr>
-              <a:defRPr sz="2000"/>
-            </a:lvl7pPr>
-            <a:lvl8pPr>
-              <a:defRPr sz="2000"/>
-            </a:lvl8pPr>
-            <a:lvl9pPr>
-              <a:defRPr sz="2000"/>
-            </a:lvl9pPr>
-          </a:lstStyle>
-          <a:p>
-            <a:pPr lvl="0"/>
-            <a:r>
-              <a:rPr lang="en-US" smtClean="0"/>
-              <a:t>Click to edit Master text styles</a:t>
-            </a:r>
-          </a:p>
-          <a:p>
-            <a:pPr lvl="1"/>
-            <a:r>
-              <a:rPr lang="en-US" smtClean="0"/>
-              <a:t>Second level</a:t>
-            </a:r>
-          </a:p>
-          <a:p>
-            <a:pPr lvl="2"/>
-            <a:r>
-              <a:rPr lang="en-US" smtClean="0"/>
-              <a:t>Third level</a:t>
-            </a:r>
-          </a:p>
-          <a:p>
-            <a:pPr lvl="3"/>
-            <a:r>
-              <a:rPr lang="en-US" smtClean="0"/>
-              <a:t>Fourth level</a:t>
-            </a:r>
-          </a:p>
-          <a:p>
-            <a:pPr lvl="4"/>
-            <a:r>
-              <a:rPr lang="en-US" smtClean="0"/>
-              <a:t>Fifth level</a:t>
-            </a:r>
-            <a:endParaRPr lang="en-US" dirty="0"/>
-          </a:p>
-        </p:txBody>
-      </p:sp>
-      <p:sp>
-        <p:nvSpPr>
-          <p:cNvPr id="4" name="Text Placeholder 3"/>
-          <p:cNvSpPr>
-            <a:spLocks noGrp="1"/>
-          </p:cNvSpPr>
-          <p:nvPr>
-            <p:ph type="body" sz="half" idx="2"/>
-          </p:nvPr>
-        </p:nvSpPr>
-        <p:spPr>
-          <a:xfrm>
-            <a:off x="5907087" y="2438400"/>
-            <a:ext cx="3008313" cy="3687763"/>
-          </a:xfrm>
-        </p:spPr>
-        <p:txBody>
-          <a:bodyPr>
+          <a:bodyPr anchor="b">
             <a:normAutofit/>
           </a:bodyPr>
           <a:lstStyle>
-            <a:lvl1pPr marL="0" indent="0" algn="ctr">
-              <a:lnSpc>
-                <a:spcPct val="125000"/>
-              </a:lnSpc>
+            <a:lvl1pPr algn="l">
+              <a:defRPr sz="2000" b="0"/>
+            </a:lvl1pPr>
+          </a:lstStyle>
+          <a:p>
+            <a:r>
+              <a:rPr lang="en-US"/>
+              <a:t>Click to edit Master title style</a:t>
+            </a:r>
+            <a:endParaRPr lang="en-US" dirty="0"/>
+          </a:p>
+        </p:txBody>
+      </p:sp>
+      <p:sp>
+        <p:nvSpPr>
+          <p:cNvPr id="3" name="Content Placeholder 2"/>
+          <p:cNvSpPr>
+            <a:spLocks noGrp="1"/>
+          </p:cNvSpPr>
+          <p:nvPr>
+            <p:ph idx="1"/>
+          </p:nvPr>
+        </p:nvSpPr>
+        <p:spPr>
+          <a:xfrm>
+            <a:off x="533399" y="533400"/>
+            <a:ext cx="4438755" cy="5486400"/>
+          </a:xfrm>
+        </p:spPr>
+        <p:txBody>
+          <a:bodyPr anchor="ctr">
+            <a:normAutofit/>
+          </a:bodyPr>
+          <a:lstStyle/>
+          <a:p>
+            <a:pPr lvl="0"/>
+            <a:r>
+              <a:rPr lang="en-US"/>
+              <a:t>Edit Master text styles</a:t>
+            </a:r>
+          </a:p>
+          <a:p>
+            <a:pPr lvl="1"/>
+            <a:r>
+              <a:rPr lang="en-US"/>
+              <a:t>Second level</a:t>
+            </a:r>
+          </a:p>
+          <a:p>
+            <a:pPr lvl="2"/>
+            <a:r>
+              <a:rPr lang="en-US"/>
+              <a:t>Third level</a:t>
+            </a:r>
+          </a:p>
+          <a:p>
+            <a:pPr lvl="3"/>
+            <a:r>
+              <a:rPr lang="en-US"/>
+              <a:t>Fourth level</a:t>
+            </a:r>
+          </a:p>
+          <a:p>
+            <a:pPr lvl="4"/>
+            <a:r>
+              <a:rPr lang="en-US"/>
+              <a:t>Fifth level</a:t>
+            </a:r>
+            <a:endParaRPr lang="en-US" dirty="0"/>
+          </a:p>
+        </p:txBody>
+      </p:sp>
+      <p:sp>
+        <p:nvSpPr>
+          <p:cNvPr id="4" name="Text Placeholder 3"/>
+          <p:cNvSpPr>
+            <a:spLocks noGrp="1"/>
+          </p:cNvSpPr>
+          <p:nvPr>
+            <p:ph type="body" sz="half" idx="2"/>
+          </p:nvPr>
+        </p:nvSpPr>
+        <p:spPr>
+          <a:xfrm>
+            <a:off x="5418667" y="2209802"/>
+            <a:ext cx="3200400" cy="2091267"/>
+          </a:xfrm>
+        </p:spPr>
+        <p:txBody>
+          <a:bodyPr anchor="t">
+            <a:normAutofit/>
+          </a:bodyPr>
+          <a:lstStyle>
+            <a:lvl1pPr marL="0" indent="0">
               <a:buNone/>
               <a:defRPr sz="1600"/>
             </a:lvl1pPr>
@@ -2325,8 +4232,8 @@
           <a:p>
             <a:pPr lvl="0"/>
             <a:r>
-              <a:rPr lang="en-US" smtClean="0"/>
-              <a:t>Click to edit Master text styles</a:t>
+              <a:rPr lang="en-US"/>
+              <a:t>Edit Master text styles</a:t>
             </a:r>
           </a:p>
         </p:txBody>
@@ -2397,6 +4304,11 @@
         </p:txBody>
       </p:sp>
     </p:spTree>
+    <p:extLst>
+      <p:ext uri="{BB962C8B-B14F-4D97-AF65-F5344CB8AC3E}">
+        <p14:creationId xmlns:p14="http://schemas.microsoft.com/office/powerpoint/2010/main" val="2039647574"/>
+      </p:ext>
+    </p:extLst>
   </p:cSld>
   <p:clrMapOvr>
     <a:masterClrMapping/>
@@ -2433,23 +4345,22 @@
         </p:nvSpPr>
         <p:spPr>
           <a:xfrm>
-            <a:off x="1679576" y="228600"/>
-            <a:ext cx="5711824" cy="895350"/>
+            <a:off x="4495800" y="1447800"/>
+            <a:ext cx="3563258" cy="1143000"/>
           </a:xfrm>
         </p:spPr>
         <p:txBody>
-          <a:bodyPr anchor="b"/>
+          <a:bodyPr anchor="b">
+            <a:normAutofit/>
+          </a:bodyPr>
           <a:lstStyle>
-            <a:lvl1pPr algn="ctr">
-              <a:lnSpc>
-                <a:spcPct val="100000"/>
-              </a:lnSpc>
-              <a:defRPr sz="2800" b="0"/>
+            <a:lvl1pPr algn="l">
+              <a:defRPr sz="2400" b="0"/>
             </a:lvl1pPr>
           </a:lstStyle>
           <a:p>
             <a:r>
-              <a:rPr lang="en-US" smtClean="0"/>
+              <a:rPr lang="en-US"/>
               <a:t>Click to edit Master title style</a:t>
             </a:r>
             <a:endParaRPr lang="en-US" dirty="0"/>
@@ -2458,99 +4369,42 @@
       </p:sp>
       <p:sp>
         <p:nvSpPr>
-          <p:cNvPr id="3" name="Picture Placeholder 2"/>
-          <p:cNvSpPr>
-            <a:spLocks noGrp="1"/>
-          </p:cNvSpPr>
-          <p:nvPr>
-            <p:ph type="pic" idx="1"/>
+          <p:cNvPr id="17" name="Picture Placeholder 2"/>
+          <p:cNvSpPr>
+            <a:spLocks noGrp="1" noChangeAspect="1"/>
+          </p:cNvSpPr>
+          <p:nvPr>
+            <p:ph type="pic" idx="13"/>
           </p:nvPr>
         </p:nvSpPr>
         <p:spPr>
           <a:xfrm>
-            <a:off x="1508126" y="1143000"/>
-            <a:ext cx="6054724" cy="4541044"/>
+            <a:off x="762000" y="914400"/>
+            <a:ext cx="3280974" cy="4800600"/>
           </a:xfrm>
-          <a:ln w="76200">
+          <a:prstGeom prst="snip2DiagRect">
+            <a:avLst>
+              <a:gd name="adj1" fmla="val 10815"/>
+              <a:gd name="adj2" fmla="val 0"/>
+            </a:avLst>
+          </a:prstGeom>
+          <a:ln w="15875">
             <a:solidFill>
-              <a:schemeClr val="bg1"/>
+              <a:schemeClr val="tx1">
+                <a:alpha val="40000"/>
+              </a:schemeClr>
             </a:solidFill>
           </a:ln>
           <a:effectLst>
-            <a:outerShdw blurRad="88900" dist="50800" dir="5400000" algn="ctr" rotWithShape="0">
+            <a:innerShdw blurRad="57150" dist="38100" dir="14460000">
               <a:srgbClr val="000000">
-                <a:alpha val="25000"/>
+                <a:alpha val="70000"/>
               </a:srgbClr>
-            </a:outerShdw>
+            </a:innerShdw>
           </a:effectLst>
         </p:spPr>
         <p:txBody>
-          <a:bodyPr anchor="t"/>
-          <a:lstStyle>
-            <a:lvl1pPr marL="0" indent="0" algn="ctr">
-              <a:buNone/>
-              <a:defRPr sz="3200"/>
-            </a:lvl1pPr>
-            <a:lvl2pPr marL="457200" indent="0">
-              <a:buNone/>
-              <a:defRPr sz="2800"/>
-            </a:lvl2pPr>
-            <a:lvl3pPr marL="914400" indent="0">
-              <a:buNone/>
-              <a:defRPr sz="2400"/>
-            </a:lvl3pPr>
-            <a:lvl4pPr marL="1371600" indent="0">
-              <a:buNone/>
-              <a:defRPr sz="2000"/>
-            </a:lvl4pPr>
-            <a:lvl5pPr marL="1828800" indent="0">
-              <a:buNone/>
-              <a:defRPr sz="2000"/>
-            </a:lvl5pPr>
-            <a:lvl6pPr marL="2286000" indent="0">
-              <a:buNone/>
-              <a:defRPr sz="2000"/>
-            </a:lvl6pPr>
-            <a:lvl7pPr marL="2743200" indent="0">
-              <a:buNone/>
-              <a:defRPr sz="2000"/>
-            </a:lvl7pPr>
-            <a:lvl8pPr marL="3200400" indent="0">
-              <a:buNone/>
-              <a:defRPr sz="2000"/>
-            </a:lvl8pPr>
-            <a:lvl9pPr marL="3657600" indent="0">
-              <a:buNone/>
-              <a:defRPr sz="2000"/>
-            </a:lvl9pPr>
-          </a:lstStyle>
-          <a:p>
-            <a:r>
-              <a:rPr lang="en-US" smtClean="0"/>
-              <a:t>Click icon to add picture</a:t>
-            </a:r>
-            <a:endParaRPr lang="en-US" dirty="0"/>
-          </a:p>
-        </p:txBody>
-      </p:sp>
-      <p:sp>
-        <p:nvSpPr>
-          <p:cNvPr id="4" name="Text Placeholder 3"/>
-          <p:cNvSpPr>
-            <a:spLocks noGrp="1"/>
-          </p:cNvSpPr>
-          <p:nvPr>
-            <p:ph type="body" sz="half" idx="2"/>
-          </p:nvPr>
-        </p:nvSpPr>
-        <p:spPr>
-          <a:xfrm>
-            <a:off x="1679576" y="5810250"/>
-            <a:ext cx="5711824" cy="533400"/>
-          </a:xfrm>
-        </p:spPr>
-        <p:txBody>
-          <a:bodyPr>
+          <a:bodyPr anchor="t">
             <a:normAutofit/>
           </a:bodyPr>
           <a:lstStyle>
@@ -2560,6 +4414,73 @@
             </a:lvl1pPr>
             <a:lvl2pPr marL="457200" indent="0">
               <a:buNone/>
+              <a:defRPr sz="1600"/>
+            </a:lvl2pPr>
+            <a:lvl3pPr marL="914400" indent="0">
+              <a:buNone/>
+              <a:defRPr sz="1600"/>
+            </a:lvl3pPr>
+            <a:lvl4pPr marL="1371600" indent="0">
+              <a:buNone/>
+              <a:defRPr sz="1600"/>
+            </a:lvl4pPr>
+            <a:lvl5pPr marL="1828800" indent="0">
+              <a:buNone/>
+              <a:defRPr sz="1600"/>
+            </a:lvl5pPr>
+            <a:lvl6pPr marL="2286000" indent="0">
+              <a:buNone/>
+              <a:defRPr sz="1600"/>
+            </a:lvl6pPr>
+            <a:lvl7pPr marL="2743200" indent="0">
+              <a:buNone/>
+              <a:defRPr sz="1600"/>
+            </a:lvl7pPr>
+            <a:lvl8pPr marL="3200400" indent="0">
+              <a:buNone/>
+              <a:defRPr sz="1600"/>
+            </a:lvl8pPr>
+            <a:lvl9pPr marL="3657600" indent="0">
+              <a:buNone/>
+              <a:defRPr sz="1600"/>
+            </a:lvl9pPr>
+          </a:lstStyle>
+          <a:p>
+            <a:r>
+              <a:rPr lang="en-US"/>
+              <a:t>Click icon to add picture</a:t>
+            </a:r>
+            <a:endParaRPr lang="en-US" dirty="0"/>
+          </a:p>
+        </p:txBody>
+      </p:sp>
+      <p:sp>
+        <p:nvSpPr>
+          <p:cNvPr id="4" name="Text Placeholder 3"/>
+          <p:cNvSpPr>
+            <a:spLocks noGrp="1"/>
+          </p:cNvSpPr>
+          <p:nvPr>
+            <p:ph type="body" sz="half" idx="2"/>
+          </p:nvPr>
+        </p:nvSpPr>
+        <p:spPr>
+          <a:xfrm>
+            <a:off x="4496027" y="2743200"/>
+            <a:ext cx="3564223" cy="2082800"/>
+          </a:xfrm>
+        </p:spPr>
+        <p:txBody>
+          <a:bodyPr anchor="t">
+            <a:normAutofit/>
+          </a:bodyPr>
+          <a:lstStyle>
+            <a:lvl1pPr marL="0" indent="0">
+              <a:buNone/>
+              <a:defRPr sz="1800"/>
+            </a:lvl1pPr>
+            <a:lvl2pPr marL="457200" indent="0">
+              <a:buNone/>
               <a:defRPr sz="1200"/>
             </a:lvl2pPr>
             <a:lvl3pPr marL="914400" indent="0">
@@ -2594,8 +4515,8 @@
           <a:p>
             <a:pPr lvl="0"/>
             <a:r>
-              <a:rPr lang="en-US" smtClean="0"/>
-              <a:t>Click to edit Master text styles</a:t>
+              <a:rPr lang="en-US"/>
+              <a:t>Edit Master text styles</a:t>
             </a:r>
           </a:p>
         </p:txBody>
@@ -2633,7 +4554,12 @@
             <p:ph type="ftr" sz="quarter" idx="11"/>
           </p:nvPr>
         </p:nvSpPr>
-        <p:spPr/>
+        <p:spPr>
+          <a:xfrm>
+            <a:off x="533400" y="6172200"/>
+            <a:ext cx="5811724" cy="365125"/>
+          </a:xfrm>
+        </p:spPr>
         <p:txBody>
           <a:bodyPr/>
           <a:lstStyle/>
@@ -2666,6 +4592,11 @@
         </p:txBody>
       </p:sp>
     </p:spTree>
+    <p:extLst>
+      <p:ext uri="{BB962C8B-B14F-4D97-AF65-F5344CB8AC3E}">
+        <p14:creationId xmlns:p14="http://schemas.microsoft.com/office/powerpoint/2010/main" val="612436159"/>
+      </p:ext>
+    </p:extLst>
   </p:cSld>
   <p:clrMapOvr>
     <a:masterClrMapping/>
@@ -2678,7 +4609,7 @@
   <p:cSld>
     <p:bg>
       <p:bgRef idx="1002">
-        <a:schemeClr val="bg1"/>
+        <a:schemeClr val="bg2"/>
       </p:bgRef>
     </p:bg>
     <p:spTree>
@@ -2695,6 +4626,196 @@
           <a:chExt cx="0" cy="0"/>
         </a:xfrm>
       </p:grpSpPr>
+      <p:grpSp>
+        <p:nvGrpSpPr>
+          <p:cNvPr id="7" name="Group 6"/>
+          <p:cNvGrpSpPr/>
+          <p:nvPr/>
+        </p:nvGrpSpPr>
+        <p:grpSpPr>
+          <a:xfrm>
+            <a:off x="6670675" y="3894667"/>
+            <a:ext cx="2470456" cy="2658533"/>
+            <a:chOff x="6687077" y="3259666"/>
+            <a:chExt cx="2981857" cy="3208867"/>
+          </a:xfrm>
+        </p:grpSpPr>
+        <p:cxnSp>
+          <p:nvCxnSpPr>
+            <p:cNvPr id="8" name="Straight Connector 7"/>
+            <p:cNvCxnSpPr/>
+            <p:nvPr/>
+          </p:nvCxnSpPr>
+          <p:spPr>
+            <a:xfrm flipH="1">
+              <a:off x="8756120" y="3259666"/>
+              <a:ext cx="912814" cy="912812"/>
+            </a:xfrm>
+            <a:prstGeom prst="line">
+              <a:avLst/>
+            </a:prstGeom>
+            <a:ln w="9525">
+              <a:solidFill>
+                <a:schemeClr val="tx1"/>
+              </a:solidFill>
+            </a:ln>
+          </p:spPr>
+          <p:style>
+            <a:lnRef idx="2">
+              <a:schemeClr val="accent1"/>
+            </a:lnRef>
+            <a:fillRef idx="0">
+              <a:schemeClr val="accent1"/>
+            </a:fillRef>
+            <a:effectRef idx="1">
+              <a:schemeClr val="accent1"/>
+            </a:effectRef>
+            <a:fontRef idx="minor">
+              <a:schemeClr val="tx1"/>
+            </a:fontRef>
+          </p:style>
+        </p:cxnSp>
+        <p:cxnSp>
+          <p:nvCxnSpPr>
+            <p:cNvPr id="9" name="Straight Connector 8"/>
+            <p:cNvCxnSpPr/>
+            <p:nvPr/>
+          </p:nvCxnSpPr>
+          <p:spPr>
+            <a:xfrm flipH="1">
+              <a:off x="6687077" y="3486677"/>
+              <a:ext cx="2981857" cy="2981856"/>
+            </a:xfrm>
+            <a:prstGeom prst="line">
+              <a:avLst/>
+            </a:prstGeom>
+            <a:ln w="9525">
+              <a:solidFill>
+                <a:schemeClr val="tx1"/>
+              </a:solidFill>
+            </a:ln>
+          </p:spPr>
+          <p:style>
+            <a:lnRef idx="2">
+              <a:schemeClr val="accent1"/>
+            </a:lnRef>
+            <a:fillRef idx="0">
+              <a:schemeClr val="accent1"/>
+            </a:fillRef>
+            <a:effectRef idx="1">
+              <a:schemeClr val="accent1"/>
+            </a:effectRef>
+            <a:fontRef idx="minor">
+              <a:schemeClr val="tx1"/>
+            </a:fontRef>
+          </p:style>
+        </p:cxnSp>
+        <p:cxnSp>
+          <p:nvCxnSpPr>
+            <p:cNvPr id="10" name="Straight Connector 9"/>
+            <p:cNvCxnSpPr/>
+            <p:nvPr/>
+          </p:nvCxnSpPr>
+          <p:spPr>
+            <a:xfrm flipH="1">
+              <a:off x="7772400" y="3581400"/>
+              <a:ext cx="1896534" cy="1896533"/>
+            </a:xfrm>
+            <a:prstGeom prst="line">
+              <a:avLst/>
+            </a:prstGeom>
+            <a:ln w="9525">
+              <a:solidFill>
+                <a:schemeClr val="tx1"/>
+              </a:solidFill>
+            </a:ln>
+          </p:spPr>
+          <p:style>
+            <a:lnRef idx="2">
+              <a:schemeClr val="accent1"/>
+            </a:lnRef>
+            <a:fillRef idx="0">
+              <a:schemeClr val="accent1"/>
+            </a:fillRef>
+            <a:effectRef idx="1">
+              <a:schemeClr val="accent1"/>
+            </a:effectRef>
+            <a:fontRef idx="minor">
+              <a:schemeClr val="tx1"/>
+            </a:fontRef>
+          </p:style>
+        </p:cxnSp>
+        <p:cxnSp>
+          <p:nvCxnSpPr>
+            <p:cNvPr id="11" name="Straight Connector 10"/>
+            <p:cNvCxnSpPr/>
+            <p:nvPr/>
+          </p:nvCxnSpPr>
+          <p:spPr>
+            <a:xfrm flipH="1">
+              <a:off x="7923214" y="3433394"/>
+              <a:ext cx="1739738" cy="1739740"/>
+            </a:xfrm>
+            <a:prstGeom prst="line">
+              <a:avLst/>
+            </a:prstGeom>
+            <a:ln w="28575">
+              <a:solidFill>
+                <a:schemeClr val="tx1"/>
+              </a:solidFill>
+            </a:ln>
+          </p:spPr>
+          <p:style>
+            <a:lnRef idx="2">
+              <a:schemeClr val="accent1"/>
+            </a:lnRef>
+            <a:fillRef idx="0">
+              <a:schemeClr val="accent1"/>
+            </a:fillRef>
+            <a:effectRef idx="1">
+              <a:schemeClr val="accent1"/>
+            </a:effectRef>
+            <a:fontRef idx="minor">
+              <a:schemeClr val="tx1"/>
+            </a:fontRef>
+          </p:style>
+        </p:cxnSp>
+        <p:cxnSp>
+          <p:nvCxnSpPr>
+            <p:cNvPr id="12" name="Straight Connector 11"/>
+            <p:cNvCxnSpPr/>
+            <p:nvPr/>
+          </p:nvCxnSpPr>
+          <p:spPr>
+            <a:xfrm flipH="1">
+              <a:off x="8398935" y="3985317"/>
+              <a:ext cx="1264017" cy="1264016"/>
+            </a:xfrm>
+            <a:prstGeom prst="line">
+              <a:avLst/>
+            </a:prstGeom>
+            <a:ln w="28575">
+              <a:solidFill>
+                <a:schemeClr val="tx1"/>
+              </a:solidFill>
+            </a:ln>
+          </p:spPr>
+          <p:style>
+            <a:lnRef idx="2">
+              <a:schemeClr val="accent1"/>
+            </a:lnRef>
+            <a:fillRef idx="0">
+              <a:schemeClr val="accent1"/>
+            </a:fillRef>
+            <a:effectRef idx="1">
+              <a:schemeClr val="accent1"/>
+            </a:effectRef>
+            <a:fontRef idx="minor">
+              <a:schemeClr val="tx1"/>
+            </a:fontRef>
+          </p:style>
+        </p:cxnSp>
+      </p:grpSp>
       <p:sp>
         <p:nvSpPr>
           <p:cNvPr id="2" name="Title Placeholder 1"/>
@@ -2707,22 +4828,85 @@
         </p:nvSpPr>
         <p:spPr>
           <a:xfrm>
-            <a:off x="457200" y="0"/>
-            <a:ext cx="8229600" cy="1600200"/>
+            <a:off x="533400" y="4495800"/>
+            <a:ext cx="6554867" cy="1524000"/>
+          </a:xfrm>
+          <a:prstGeom prst="rect">
+            <a:avLst/>
+          </a:prstGeom>
+          <a:effectLst/>
+        </p:spPr>
+        <p:txBody>
+          <a:bodyPr vert="horz" lIns="91440" tIns="45720" rIns="91440" bIns="45720" rtlCol="0" anchor="ctr">
+            <a:normAutofit/>
+          </a:bodyPr>
+          <a:lstStyle/>
+          <a:p>
+            <a:r>
+              <a:rPr lang="en-US"/>
+              <a:t>Click to edit Master title style</a:t>
+            </a:r>
+            <a:endParaRPr lang="en-US" dirty="0"/>
+          </a:p>
+        </p:txBody>
+      </p:sp>
+      <p:sp>
+        <p:nvSpPr>
+          <p:cNvPr id="3" name="Text Placeholder 2"/>
+          <p:cNvSpPr>
+            <a:spLocks noGrp="1"/>
+          </p:cNvSpPr>
+          <p:nvPr>
+            <p:ph type="body" idx="1"/>
+          </p:nvPr>
+        </p:nvSpPr>
+        <p:spPr>
+          <a:xfrm>
+            <a:off x="533400" y="533401"/>
+            <a:ext cx="6554867" cy="3767670"/>
           </a:xfrm>
           <a:prstGeom prst="rect">
             <a:avLst/>
           </a:prstGeom>
         </p:spPr>
         <p:txBody>
-          <a:bodyPr vert="horz" lIns="91440" tIns="45720" rIns="91440" bIns="45720" rtlCol="0" anchor="b">
-            <a:noAutofit/>
+          <a:bodyPr vert="horz" lIns="91440" tIns="45720" rIns="91440" bIns="45720" rtlCol="0" anchor="ctr">
+            <a:normAutofit/>
           </a:bodyPr>
           <a:lstStyle/>
           <a:p>
-            <a:r>
-              <a:rPr lang="en-US" smtClean="0"/>
-              <a:t>Click to edit Master title style</a:t>
+            <a:pPr lvl="0"/>
+            <a:r>
+              <a:rPr lang="en-US"/>
+              <a:t>Edit Master text styles</a:t>
+            </a:r>
+          </a:p>
+          <a:p>
+            <a:pPr lvl="1"/>
+            <a:r>
+              <a:rPr lang="en-US"/>
+              <a:t>Second level</a:t>
+            </a:r>
+          </a:p>
+          <a:p>
+            <a:pPr lvl="2"/>
+            <a:r>
+              <a:rPr lang="en-US"/>
+              <a:t>Third level</a:t>
+            </a:r>
+          </a:p>
+          <a:p>
+            <a:pPr lvl="3"/>
+            <a:r>
+              <a:rPr lang="en-US"/>
+              <a:t>Fourth level</a:t>
+            </a:r>
+          </a:p>
+          <a:p>
+            <a:pPr lvl="4"/>
+            <a:r>
+              <a:rPr lang="en-US"/>
+              <a:t>Fifth level</a:t>
             </a:r>
             <a:endParaRPr lang="en-US" dirty="0"/>
           </a:p>
@@ -2730,179 +4914,117 @@
       </p:sp>
       <p:sp>
         <p:nvSpPr>
-          <p:cNvPr id="3" name="Text Placeholder 2"/>
-          <p:cNvSpPr>
-            <a:spLocks noGrp="1"/>
-          </p:cNvSpPr>
-          <p:nvPr>
-            <p:ph type="body" idx="1"/>
+          <p:cNvPr id="4" name="Date Placeholder 3"/>
+          <p:cNvSpPr>
+            <a:spLocks noGrp="1"/>
+          </p:cNvSpPr>
+          <p:nvPr>
+            <p:ph type="dt" sz="half" idx="2"/>
           </p:nvPr>
         </p:nvSpPr>
         <p:spPr>
           <a:xfrm>
-            <a:off x="457200" y="1600200"/>
-            <a:ext cx="8229600" cy="4525963"/>
+            <a:off x="7430245" y="6172203"/>
+            <a:ext cx="1200463" cy="365125"/>
           </a:xfrm>
           <a:prstGeom prst="rect">
             <a:avLst/>
           </a:prstGeom>
         </p:spPr>
         <p:txBody>
-          <a:bodyPr vert="horz" lIns="91440" tIns="45720" rIns="91440" bIns="45720" rtlCol="0">
-            <a:normAutofit/>
-          </a:bodyPr>
-          <a:lstStyle/>
-          <a:p>
-            <a:pPr lvl="0"/>
-            <a:r>
+          <a:bodyPr vert="horz" lIns="91440" tIns="45720" rIns="91440" bIns="45720" rtlCol="0" anchor="t"/>
+          <a:lstStyle>
+            <a:lvl1pPr algn="r">
+              <a:defRPr sz="1000" b="0" i="0">
+                <a:solidFill>
+                  <a:schemeClr val="bg2">
+                    <a:lumMod val="50000"/>
+                  </a:schemeClr>
+                </a:solidFill>
+                <a:effectLst/>
+                <a:latin typeface="+mn-lt"/>
+              </a:defRPr>
+            </a:lvl1pPr>
+          </a:lstStyle>
+          <a:p>
+            <a:fld id="{84D3A309-20A9-447D-B5F1-8EF0C9B7E70B}" type="datetimeFigureOut">
               <a:rPr lang="en-US" smtClean="0"/>
-              <a:t>Click to edit Master text styles</a:t>
-            </a:r>
-          </a:p>
-          <a:p>
-            <a:pPr lvl="1"/>
-            <a:r>
-              <a:rPr lang="en-US" smtClean="0"/>
-              <a:t>Second level</a:t>
-            </a:r>
-          </a:p>
-          <a:p>
-            <a:pPr lvl="2"/>
-            <a:r>
-              <a:rPr lang="en-US" smtClean="0"/>
-              <a:t>Third level</a:t>
-            </a:r>
-          </a:p>
-          <a:p>
-            <a:pPr lvl="3"/>
-            <a:r>
-              <a:rPr lang="en-US" smtClean="0"/>
-              <a:t>Fourth level</a:t>
-            </a:r>
-          </a:p>
-          <a:p>
-            <a:pPr lvl="4"/>
-            <a:r>
-              <a:rPr lang="en-US" smtClean="0"/>
-              <a:t>Fifth level</a:t>
-            </a:r>
-            <a:endParaRPr lang="en-US" dirty="0" smtClean="0"/>
-          </a:p>
-        </p:txBody>
-      </p:sp>
-      <p:sp>
-        <p:nvSpPr>
-          <p:cNvPr id="4" name="Date Placeholder 3"/>
-          <p:cNvSpPr>
-            <a:spLocks noGrp="1"/>
-          </p:cNvSpPr>
-          <p:nvPr>
-            <p:ph type="dt" sz="half" idx="2"/>
+              <a:t>11/25/2018</a:t>
+            </a:fld>
+            <a:endParaRPr lang="en-US"/>
+          </a:p>
+        </p:txBody>
+      </p:sp>
+      <p:sp>
+        <p:nvSpPr>
+          <p:cNvPr id="5" name="Footer Placeholder 4"/>
+          <p:cNvSpPr>
+            <a:spLocks noGrp="1"/>
+          </p:cNvSpPr>
+          <p:nvPr>
+            <p:ph type="ftr" sz="quarter" idx="3"/>
           </p:nvPr>
         </p:nvSpPr>
         <p:spPr>
           <a:xfrm>
-            <a:off x="6363347" y="6356350"/>
-            <a:ext cx="2085975" cy="365125"/>
+            <a:off x="533400" y="6172200"/>
+            <a:ext cx="5811724" cy="365125"/>
           </a:xfrm>
           <a:prstGeom prst="rect">
             <a:avLst/>
           </a:prstGeom>
         </p:spPr>
         <p:txBody>
-          <a:bodyPr vert="horz" lIns="91440" tIns="45720" rIns="45720" bIns="45720" rtlCol="0" anchor="ctr"/>
+          <a:bodyPr vert="horz" lIns="91440" tIns="45720" rIns="91440" bIns="45720" rtlCol="0" anchor="t"/>
           <a:lstStyle>
-            <a:lvl1pPr algn="r">
-              <a:defRPr sz="1200">
-                <a:solidFill>
-                  <a:schemeClr val="tx1">
-                    <a:lumMod val="65000"/>
-                    <a:lumOff val="35000"/>
+            <a:lvl1pPr algn="l">
+              <a:defRPr sz="1000" b="0" i="0">
+                <a:solidFill>
+                  <a:schemeClr val="bg2">
+                    <a:lumMod val="50000"/>
                   </a:schemeClr>
                 </a:solidFill>
-                <a:latin typeface="Century Gothic" pitchFamily="34" charset="0"/>
+                <a:effectLst/>
+                <a:latin typeface="+mn-lt"/>
               </a:defRPr>
             </a:lvl1pPr>
           </a:lstStyle>
           <a:p>
-            <a:fld id="{84D3A309-20A9-447D-B5F1-8EF0C9B7E70B}" type="datetimeFigureOut">
-              <a:rPr lang="en-US" smtClean="0"/>
-              <a:t>11/25/2018</a:t>
-            </a:fld>
             <a:endParaRPr lang="en-US"/>
           </a:p>
         </p:txBody>
       </p:sp>
       <p:sp>
         <p:nvSpPr>
-          <p:cNvPr id="5" name="Footer Placeholder 4"/>
-          <p:cNvSpPr>
-            <a:spLocks noGrp="1"/>
-          </p:cNvSpPr>
-          <p:nvPr>
-            <p:ph type="ftr" sz="quarter" idx="3"/>
+          <p:cNvPr id="6" name="Slide Number Placeholder 5"/>
+          <p:cNvSpPr>
+            <a:spLocks noGrp="1"/>
+          </p:cNvSpPr>
+          <p:nvPr>
+            <p:ph type="sldNum" sz="quarter" idx="4"/>
           </p:nvPr>
         </p:nvSpPr>
         <p:spPr>
           <a:xfrm>
-            <a:off x="659165" y="6356350"/>
-            <a:ext cx="2847975" cy="365125"/>
+            <a:off x="7774426" y="5578478"/>
+            <a:ext cx="856907" cy="669925"/>
           </a:xfrm>
           <a:prstGeom prst="rect">
             <a:avLst/>
           </a:prstGeom>
         </p:spPr>
         <p:txBody>
-          <a:bodyPr vert="horz" lIns="45720" tIns="45720" rIns="91440" bIns="45720" rtlCol="0" anchor="ctr"/>
+          <a:bodyPr vert="horz" lIns="91440" tIns="45720" rIns="91440" bIns="45720" rtlCol="0" anchor="b"/>
           <a:lstStyle>
-            <a:lvl1pPr algn="l">
-              <a:defRPr sz="1200">
-                <a:solidFill>
-                  <a:schemeClr val="tx1">
-                    <a:lumMod val="65000"/>
-                    <a:lumOff val="35000"/>
+            <a:lvl1pPr algn="r">
+              <a:defRPr sz="2800" b="0" i="0">
+                <a:solidFill>
+                  <a:schemeClr val="bg2">
+                    <a:lumMod val="50000"/>
                   </a:schemeClr>
                 </a:solidFill>
-                <a:latin typeface="Century Gothic" pitchFamily="34" charset="0"/>
-              </a:defRPr>
-            </a:lvl1pPr>
-          </a:lstStyle>
-          <a:p>
-            <a:endParaRPr lang="en-US"/>
-          </a:p>
-        </p:txBody>
-      </p:sp>
-      <p:sp>
-        <p:nvSpPr>
-          <p:cNvPr id="6" name="Slide Number Placeholder 5"/>
-          <p:cNvSpPr>
-            <a:spLocks noGrp="1"/>
-          </p:cNvSpPr>
-          <p:nvPr>
-            <p:ph type="sldNum" sz="quarter" idx="4"/>
-          </p:nvPr>
-        </p:nvSpPr>
-        <p:spPr>
-          <a:xfrm>
-            <a:off x="8543278" y="6356350"/>
-            <a:ext cx="561975" cy="365125"/>
-          </a:xfrm>
-          <a:prstGeom prst="rect">
-            <a:avLst/>
-          </a:prstGeom>
-        </p:spPr>
-        <p:txBody>
-          <a:bodyPr vert="horz" lIns="27432" tIns="45720" rIns="45720" bIns="45720" rtlCol="0" anchor="ctr"/>
-          <a:lstStyle>
-            <a:lvl1pPr algn="l">
-              <a:defRPr sz="1200">
-                <a:solidFill>
-                  <a:schemeClr val="tx1">
-                    <a:lumMod val="65000"/>
-                    <a:lumOff val="35000"/>
-                  </a:schemeClr>
-                </a:solidFill>
-                <a:latin typeface="Century Gothic" pitchFamily="34" charset="0"/>
+                <a:effectLst/>
+                <a:latin typeface="+mn-lt"/>
               </a:defRPr>
             </a:lvl1pPr>
           </a:lstStyle>
@@ -2915,315 +5037,332 @@
           </a:p>
         </p:txBody>
       </p:sp>
-      <p:sp>
-        <p:nvSpPr>
-          <p:cNvPr id="7" name="Oval 6"/>
-          <p:cNvSpPr/>
-          <p:nvPr/>
-        </p:nvSpPr>
-        <p:spPr>
-          <a:xfrm>
-            <a:off x="8457760" y="6499384"/>
-            <a:ext cx="84772" cy="84772"/>
-          </a:xfrm>
-          <a:prstGeom prst="ellipse">
-            <a:avLst/>
-          </a:prstGeom>
-          <a:solidFill>
-            <a:schemeClr val="tx1">
-              <a:lumMod val="50000"/>
-              <a:lumOff val="50000"/>
-            </a:schemeClr>
-          </a:solidFill>
-          <a:ln w="12700">
-            <a:noFill/>
-          </a:ln>
-          <a:effectLst/>
-        </p:spPr>
-        <p:style>
-          <a:lnRef idx="2">
-            <a:schemeClr val="accent1">
-              <a:shade val="50000"/>
-            </a:schemeClr>
-          </a:lnRef>
-          <a:fillRef idx="1">
-            <a:schemeClr val="accent1"/>
-          </a:fillRef>
-          <a:effectRef idx="0">
-            <a:schemeClr val="accent1"/>
-          </a:effectRef>
-          <a:fontRef idx="minor">
-            <a:schemeClr val="lt1"/>
-          </a:fontRef>
-        </p:style>
-        <p:txBody>
-          <a:bodyPr rtlCol="0" anchor="ctr"/>
-          <a:lstStyle/>
-          <a:p>
-            <a:pPr marL="0" algn="ctr" defTabSz="914400" rtl="0" eaLnBrk="1" latinLnBrk="0" hangingPunct="1"/>
-            <a:endParaRPr lang="en-US" sz="1800" kern="1200">
-              <a:solidFill>
-                <a:schemeClr val="lt1"/>
-              </a:solidFill>
-              <a:latin typeface="+mn-lt"/>
-              <a:ea typeface="+mn-ea"/>
-              <a:cs typeface="+mn-cs"/>
-            </a:endParaRPr>
-          </a:p>
-        </p:txBody>
-      </p:sp>
-      <p:sp>
-        <p:nvSpPr>
-          <p:cNvPr id="8" name="Oval 7"/>
-          <p:cNvSpPr/>
-          <p:nvPr/>
-        </p:nvSpPr>
-        <p:spPr>
-          <a:xfrm>
-            <a:off x="569119" y="6499384"/>
-            <a:ext cx="84772" cy="84772"/>
-          </a:xfrm>
-          <a:prstGeom prst="ellipse">
-            <a:avLst/>
-          </a:prstGeom>
-          <a:solidFill>
-            <a:schemeClr val="tx1">
-              <a:lumMod val="50000"/>
-              <a:lumOff val="50000"/>
-            </a:schemeClr>
-          </a:solidFill>
-          <a:ln w="12700">
-            <a:noFill/>
-          </a:ln>
-          <a:effectLst/>
-        </p:spPr>
-        <p:style>
-          <a:lnRef idx="2">
-            <a:schemeClr val="accent1">
-              <a:shade val="50000"/>
-            </a:schemeClr>
-          </a:lnRef>
-          <a:fillRef idx="1">
-            <a:schemeClr val="accent1"/>
-          </a:fillRef>
-          <a:effectRef idx="0">
-            <a:schemeClr val="accent1"/>
-          </a:effectRef>
-          <a:fontRef idx="minor">
-            <a:schemeClr val="lt1"/>
-          </a:fontRef>
-        </p:style>
-        <p:txBody>
-          <a:bodyPr rtlCol="0" anchor="ctr"/>
-          <a:lstStyle/>
-          <a:p>
-            <a:pPr algn="ctr"/>
-            <a:endParaRPr lang="en-US"/>
-          </a:p>
-        </p:txBody>
-      </p:sp>
     </p:spTree>
+    <p:extLst>
+      <p:ext uri="{BB962C8B-B14F-4D97-AF65-F5344CB8AC3E}">
+        <p14:creationId xmlns:p14="http://schemas.microsoft.com/office/powerpoint/2010/main" val="4189923465"/>
+      </p:ext>
+    </p:extLst>
   </p:cSld>
-  <p:clrMap bg1="lt1" tx1="dk1" bg2="lt2" tx2="dk2" accent1="accent1" accent2="accent2" accent3="accent3" accent4="accent4" accent5="accent5" accent6="accent6" hlink="hlink" folHlink="folHlink"/>
+  <p:clrMap bg1="dk1" tx1="lt1" bg2="dk2" tx2="lt2" accent1="accent1" accent2="accent2" accent3="accent3" accent4="accent4" accent5="accent5" accent6="accent6" hlink="hlink" folHlink="folHlink"/>
   <p:sldLayoutIdLst>
-    <p:sldLayoutId id="2147483661" r:id="rId1"/>
-    <p:sldLayoutId id="2147483662" r:id="rId2"/>
-    <p:sldLayoutId id="2147483663" r:id="rId3"/>
-    <p:sldLayoutId id="2147483664" r:id="rId4"/>
-    <p:sldLayoutId id="2147483665" r:id="rId5"/>
-    <p:sldLayoutId id="2147483666" r:id="rId6"/>
-    <p:sldLayoutId id="2147483667" r:id="rId7"/>
-    <p:sldLayoutId id="2147483668" r:id="rId8"/>
-    <p:sldLayoutId id="2147483669" r:id="rId9"/>
-    <p:sldLayoutId id="2147483670" r:id="rId10"/>
-    <p:sldLayoutId id="2147483671" r:id="rId11"/>
+    <p:sldLayoutId id="2147483685" r:id="rId1"/>
+    <p:sldLayoutId id="2147483686" r:id="rId2"/>
+    <p:sldLayoutId id="2147483687" r:id="rId3"/>
+    <p:sldLayoutId id="2147483688" r:id="rId4"/>
+    <p:sldLayoutId id="2147483689" r:id="rId5"/>
+    <p:sldLayoutId id="2147483690" r:id="rId6"/>
+    <p:sldLayoutId id="2147483691" r:id="rId7"/>
+    <p:sldLayoutId id="2147483692" r:id="rId8"/>
+    <p:sldLayoutId id="2147483693" r:id="rId9"/>
+    <p:sldLayoutId id="2147483694" r:id="rId10"/>
+    <p:sldLayoutId id="2147483695" r:id="rId11"/>
+    <p:sldLayoutId id="2147483696" r:id="rId12"/>
+    <p:sldLayoutId id="2147483697" r:id="rId13"/>
+    <p:sldLayoutId id="2147483698" r:id="rId14"/>
+    <p:sldLayoutId id="2147483699" r:id="rId15"/>
+    <p:sldLayoutId id="2147483700" r:id="rId16"/>
+    <p:sldLayoutId id="2147483701" r:id="rId17"/>
   </p:sldLayoutIdLst>
   <p:txStyles>
     <p:titleStyle>
-      <a:lvl1pPr algn="ctr" defTabSz="914400" rtl="0" eaLnBrk="1" latinLnBrk="0" hangingPunct="1">
-        <a:lnSpc>
-          <a:spcPts val="5800"/>
-        </a:lnSpc>
+      <a:lvl1pPr algn="l" defTabSz="457200" rtl="0" eaLnBrk="1" latinLnBrk="0" hangingPunct="1">
         <a:spcBef>
           <a:spcPct val="0"/>
         </a:spcBef>
         <a:buNone/>
-        <a:defRPr sz="5400" kern="1200">
+        <a:defRPr sz="3200" kern="1200" cap="all">
+          <a:ln w="3175" cmpd="sng">
+            <a:noFill/>
+          </a:ln>
           <a:solidFill>
-            <a:schemeClr val="tx2"/>
+            <a:schemeClr val="tx1"/>
           </a:solidFill>
-          <a:effectLst>
-            <a:outerShdw blurRad="63500" dist="38100" dir="5400000" algn="t" rotWithShape="0">
-              <a:prstClr val="black">
-                <a:alpha val="25000"/>
-              </a:prstClr>
-            </a:outerShdw>
-          </a:effectLst>
-          <a:latin typeface="+mn-lt"/>
+          <a:effectLst/>
+          <a:latin typeface="+mj-lt"/>
           <a:ea typeface="+mj-ea"/>
           <a:cs typeface="+mj-cs"/>
         </a:defRPr>
       </a:lvl1pPr>
+      <a:lvl2pPr eaLnBrk="1" hangingPunct="1">
+        <a:defRPr>
+          <a:solidFill>
+            <a:schemeClr val="tx2"/>
+          </a:solidFill>
+        </a:defRPr>
+      </a:lvl2pPr>
+      <a:lvl3pPr eaLnBrk="1" hangingPunct="1">
+        <a:defRPr>
+          <a:solidFill>
+            <a:schemeClr val="tx2"/>
+          </a:solidFill>
+        </a:defRPr>
+      </a:lvl3pPr>
+      <a:lvl4pPr eaLnBrk="1" hangingPunct="1">
+        <a:defRPr>
+          <a:solidFill>
+            <a:schemeClr val="tx2"/>
+          </a:solidFill>
+        </a:defRPr>
+      </a:lvl4pPr>
+      <a:lvl5pPr eaLnBrk="1" hangingPunct="1">
+        <a:defRPr>
+          <a:solidFill>
+            <a:schemeClr val="tx2"/>
+          </a:solidFill>
+        </a:defRPr>
+      </a:lvl5pPr>
+      <a:lvl6pPr eaLnBrk="1" hangingPunct="1">
+        <a:defRPr>
+          <a:solidFill>
+            <a:schemeClr val="tx2"/>
+          </a:solidFill>
+        </a:defRPr>
+      </a:lvl6pPr>
+      <a:lvl7pPr eaLnBrk="1" hangingPunct="1">
+        <a:defRPr>
+          <a:solidFill>
+            <a:schemeClr val="tx2"/>
+          </a:solidFill>
+        </a:defRPr>
+      </a:lvl7pPr>
+      <a:lvl8pPr eaLnBrk="1" hangingPunct="1">
+        <a:defRPr>
+          <a:solidFill>
+            <a:schemeClr val="tx2"/>
+          </a:solidFill>
+        </a:defRPr>
+      </a:lvl8pPr>
+      <a:lvl9pPr eaLnBrk="1" hangingPunct="1">
+        <a:defRPr>
+          <a:solidFill>
+            <a:schemeClr val="tx2"/>
+          </a:solidFill>
+        </a:defRPr>
+      </a:lvl9pPr>
     </p:titleStyle>
     <p:bodyStyle>
-      <a:lvl1pPr marL="342900" indent="-342900" algn="l" defTabSz="914400" rtl="0" eaLnBrk="1" latinLnBrk="0" hangingPunct="1">
+      <a:lvl1pPr marL="285750" indent="-285750" algn="l" defTabSz="457200" rtl="0" eaLnBrk="1" latinLnBrk="0" hangingPunct="1">
         <a:spcBef>
           <a:spcPct val="20000"/>
         </a:spcBef>
-        <a:buFont typeface="Arial" pitchFamily="34" charset="0"/>
-        <a:buChar char="•"/>
-        <a:defRPr sz="2400" kern="1200">
+        <a:spcAft>
+          <a:spcPts val="600"/>
+        </a:spcAft>
+        <a:buClr>
+          <a:schemeClr val="tx1"/>
+        </a:buClr>
+        <a:buSzPct val="80000"/>
+        <a:buFont typeface="Wingdings 3" panose="05040102010807070707" pitchFamily="18" charset="2"/>
+        <a:buChar char=""/>
+        <a:defRPr sz="2000" kern="1200" cap="none">
           <a:solidFill>
-            <a:schemeClr val="tx1">
-              <a:lumMod val="50000"/>
-              <a:lumOff val="50000"/>
+            <a:schemeClr val="bg2">
+              <a:lumMod val="75000"/>
             </a:schemeClr>
           </a:solidFill>
-          <a:latin typeface="+mj-lt"/>
+          <a:effectLst/>
+          <a:latin typeface="+mn-lt"/>
           <a:ea typeface="+mn-ea"/>
           <a:cs typeface="+mn-cs"/>
         </a:defRPr>
       </a:lvl1pPr>
-      <a:lvl2pPr marL="742950" indent="-285750" algn="l" defTabSz="914400" rtl="0" eaLnBrk="1" latinLnBrk="0" hangingPunct="1">
+      <a:lvl2pPr marL="742950" indent="-285750" algn="l" defTabSz="457200" rtl="0" eaLnBrk="1" latinLnBrk="0" hangingPunct="1">
         <a:spcBef>
           <a:spcPct val="20000"/>
         </a:spcBef>
-        <a:buFont typeface="Courier New" pitchFamily="49" charset="0"/>
-        <a:buChar char="o"/>
-        <a:defRPr sz="1600" kern="1200">
+        <a:spcAft>
+          <a:spcPts val="600"/>
+        </a:spcAft>
+        <a:buClr>
+          <a:schemeClr val="tx1"/>
+        </a:buClr>
+        <a:buSzPct val="80000"/>
+        <a:buFont typeface="Wingdings 3" panose="05040102010807070707" pitchFamily="18" charset="2"/>
+        <a:buChar char=""/>
+        <a:defRPr sz="1800" kern="1200" cap="none">
           <a:solidFill>
-            <a:schemeClr val="tx1">
-              <a:lumMod val="50000"/>
-              <a:lumOff val="50000"/>
+            <a:schemeClr val="bg2">
+              <a:lumMod val="75000"/>
             </a:schemeClr>
           </a:solidFill>
-          <a:latin typeface="+mj-lt"/>
+          <a:effectLst/>
+          <a:latin typeface="+mn-lt"/>
           <a:ea typeface="+mn-ea"/>
           <a:cs typeface="+mn-cs"/>
         </a:defRPr>
       </a:lvl2pPr>
-      <a:lvl3pPr marL="1143000" indent="-228600" algn="l" defTabSz="914400" rtl="0" eaLnBrk="1" latinLnBrk="0" hangingPunct="1">
+      <a:lvl3pPr marL="1200150" indent="-285750" algn="l" defTabSz="457200" rtl="0" eaLnBrk="1" latinLnBrk="0" hangingPunct="1">
         <a:spcBef>
           <a:spcPct val="20000"/>
         </a:spcBef>
-        <a:buFont typeface="Arial" pitchFamily="34" charset="0"/>
-        <a:buChar char="•"/>
-        <a:defRPr sz="1600" kern="1200">
+        <a:spcAft>
+          <a:spcPts val="600"/>
+        </a:spcAft>
+        <a:buClr>
+          <a:schemeClr val="tx1"/>
+        </a:buClr>
+        <a:buSzPct val="80000"/>
+        <a:buFont typeface="Wingdings 3" panose="05040102010807070707" pitchFamily="18" charset="2"/>
+        <a:buChar char=""/>
+        <a:defRPr sz="1600" kern="1200" cap="none">
           <a:solidFill>
-            <a:schemeClr val="tx1">
-              <a:lumMod val="50000"/>
-              <a:lumOff val="50000"/>
+            <a:schemeClr val="bg2">
+              <a:lumMod val="75000"/>
             </a:schemeClr>
           </a:solidFill>
-          <a:latin typeface="+mj-lt"/>
+          <a:effectLst/>
+          <a:latin typeface="+mn-lt"/>
           <a:ea typeface="+mn-ea"/>
           <a:cs typeface="+mn-cs"/>
         </a:defRPr>
       </a:lvl3pPr>
-      <a:lvl4pPr marL="1600200" indent="-228600" algn="l" defTabSz="914400" rtl="0" eaLnBrk="1" latinLnBrk="0" hangingPunct="1">
+      <a:lvl4pPr marL="1543050" indent="-171450" algn="l" defTabSz="457200" rtl="0" eaLnBrk="1" latinLnBrk="0" hangingPunct="1">
         <a:spcBef>
           <a:spcPct val="20000"/>
         </a:spcBef>
-        <a:buFont typeface="Courier New" pitchFamily="49" charset="0"/>
-        <a:buChar char="o"/>
-        <a:defRPr sz="1600" kern="1200">
+        <a:spcAft>
+          <a:spcPts val="600"/>
+        </a:spcAft>
+        <a:buClr>
+          <a:schemeClr val="tx1"/>
+        </a:buClr>
+        <a:buSzPct val="80000"/>
+        <a:buFont typeface="Wingdings 3" panose="05040102010807070707" pitchFamily="18" charset="2"/>
+        <a:buChar char=""/>
+        <a:defRPr sz="1400" kern="1200" cap="none">
           <a:solidFill>
-            <a:schemeClr val="tx1">
-              <a:lumMod val="50000"/>
-              <a:lumOff val="50000"/>
+            <a:schemeClr val="bg2">
+              <a:lumMod val="75000"/>
             </a:schemeClr>
           </a:solidFill>
-          <a:latin typeface="+mj-lt"/>
+          <a:effectLst/>
+          <a:latin typeface="+mn-lt"/>
           <a:ea typeface="+mn-ea"/>
           <a:cs typeface="+mn-cs"/>
         </a:defRPr>
       </a:lvl4pPr>
-      <a:lvl5pPr marL="2057400" indent="-228600" algn="l" defTabSz="914400" rtl="0" eaLnBrk="1" latinLnBrk="0" hangingPunct="1">
+      <a:lvl5pPr marL="2000250" indent="-171450" algn="l" defTabSz="457200" rtl="0" eaLnBrk="1" latinLnBrk="0" hangingPunct="1">
         <a:spcBef>
           <a:spcPct val="20000"/>
         </a:spcBef>
-        <a:buFont typeface="Arial" pitchFamily="34" charset="0"/>
-        <a:buChar char="•"/>
-        <a:defRPr sz="1600" kern="1200">
+        <a:spcAft>
+          <a:spcPts val="600"/>
+        </a:spcAft>
+        <a:buClr>
+          <a:schemeClr val="tx1"/>
+        </a:buClr>
+        <a:buSzPct val="80000"/>
+        <a:buFont typeface="Wingdings 3" panose="05040102010807070707" pitchFamily="18" charset="2"/>
+        <a:buChar char=""/>
+        <a:defRPr sz="1400" kern="1200" cap="none">
           <a:solidFill>
-            <a:schemeClr val="tx1">
-              <a:lumMod val="50000"/>
-              <a:lumOff val="50000"/>
+            <a:schemeClr val="bg2">
+              <a:lumMod val="75000"/>
             </a:schemeClr>
           </a:solidFill>
-          <a:latin typeface="+mj-lt"/>
+          <a:effectLst/>
+          <a:latin typeface="+mn-lt"/>
           <a:ea typeface="+mn-ea"/>
           <a:cs typeface="+mn-cs"/>
         </a:defRPr>
       </a:lvl5pPr>
-      <a:lvl6pPr marL="2514600" indent="-228600" algn="l" defTabSz="914400" rtl="0" eaLnBrk="1" latinLnBrk="0" hangingPunct="1">
+      <a:lvl6pPr marL="2514600" indent="-228600" algn="l" defTabSz="457200" rtl="0" eaLnBrk="1" latinLnBrk="0" hangingPunct="1">
         <a:spcBef>
           <a:spcPct val="20000"/>
         </a:spcBef>
-        <a:buFont typeface="Courier New" pitchFamily="49" charset="0"/>
-        <a:buChar char="o"/>
-        <a:defRPr sz="1600" kern="1200">
+        <a:spcAft>
+          <a:spcPts val="600"/>
+        </a:spcAft>
+        <a:buClr>
+          <a:schemeClr val="tx1"/>
+        </a:buClr>
+        <a:buSzPct val="80000"/>
+        <a:buFont typeface="Wingdings 3" panose="05040102010807070707" pitchFamily="18" charset="2"/>
+        <a:buChar char=""/>
+        <a:defRPr sz="1400" kern="1200" cap="none">
           <a:solidFill>
-            <a:schemeClr val="tx1">
-              <a:lumMod val="50000"/>
-              <a:lumOff val="50000"/>
+            <a:schemeClr val="bg2">
+              <a:lumMod val="75000"/>
             </a:schemeClr>
           </a:solidFill>
-          <a:latin typeface="+mj-lt"/>
+          <a:effectLst/>
+          <a:latin typeface="+mn-lt"/>
           <a:ea typeface="+mn-ea"/>
           <a:cs typeface="+mn-cs"/>
         </a:defRPr>
       </a:lvl6pPr>
-      <a:lvl7pPr marL="2971800" indent="-228600" algn="l" defTabSz="914400" rtl="0" eaLnBrk="1" latinLnBrk="0" hangingPunct="1">
+      <a:lvl7pPr marL="2971800" indent="-228600" algn="l" defTabSz="457200" rtl="0" eaLnBrk="1" latinLnBrk="0" hangingPunct="1">
         <a:spcBef>
           <a:spcPct val="20000"/>
         </a:spcBef>
-        <a:buFont typeface="Arial" pitchFamily="34" charset="0"/>
-        <a:buChar char="•"/>
-        <a:defRPr sz="1600" kern="1200">
+        <a:spcAft>
+          <a:spcPts val="600"/>
+        </a:spcAft>
+        <a:buClr>
+          <a:schemeClr val="tx1"/>
+        </a:buClr>
+        <a:buSzPct val="80000"/>
+        <a:buFont typeface="Wingdings 3" panose="05040102010807070707" pitchFamily="18" charset="2"/>
+        <a:buChar char=""/>
+        <a:defRPr sz="1400" kern="1200" cap="none">
           <a:solidFill>
-            <a:schemeClr val="tx1">
-              <a:lumMod val="50000"/>
-              <a:lumOff val="50000"/>
+            <a:schemeClr val="bg2">
+              <a:lumMod val="75000"/>
             </a:schemeClr>
           </a:solidFill>
-          <a:latin typeface="+mj-lt"/>
+          <a:effectLst/>
+          <a:latin typeface="+mn-lt"/>
           <a:ea typeface="+mn-ea"/>
           <a:cs typeface="+mn-cs"/>
         </a:defRPr>
       </a:lvl7pPr>
-      <a:lvl8pPr marL="3429000" indent="-228600" algn="l" defTabSz="914400" rtl="0" eaLnBrk="1" latinLnBrk="0" hangingPunct="1">
+      <a:lvl8pPr marL="3429000" indent="-228600" algn="l" defTabSz="457200" rtl="0" eaLnBrk="1" latinLnBrk="0" hangingPunct="1">
         <a:spcBef>
           <a:spcPct val="20000"/>
         </a:spcBef>
-        <a:buFont typeface="Courier New" pitchFamily="49" charset="0"/>
-        <a:buChar char="o"/>
-        <a:defRPr sz="1600" kern="1200">
+        <a:spcAft>
+          <a:spcPts val="600"/>
+        </a:spcAft>
+        <a:buClr>
+          <a:schemeClr val="tx1"/>
+        </a:buClr>
+        <a:buSzPct val="80000"/>
+        <a:buFont typeface="Wingdings 3" panose="05040102010807070707" pitchFamily="18" charset="2"/>
+        <a:buChar char=""/>
+        <a:defRPr sz="1400" kern="1200" cap="none">
           <a:solidFill>
-            <a:schemeClr val="tx1">
-              <a:lumMod val="50000"/>
-              <a:lumOff val="50000"/>
+            <a:schemeClr val="bg2">
+              <a:lumMod val="75000"/>
             </a:schemeClr>
           </a:solidFill>
-          <a:latin typeface="+mj-lt"/>
+          <a:effectLst/>
+          <a:latin typeface="+mn-lt"/>
           <a:ea typeface="+mn-ea"/>
           <a:cs typeface="+mn-cs"/>
         </a:defRPr>
       </a:lvl8pPr>
-      <a:lvl9pPr marL="3886200" indent="-228600" algn="l" defTabSz="914400" rtl="0" eaLnBrk="1" latinLnBrk="0" hangingPunct="1">
+      <a:lvl9pPr marL="3886200" indent="-228600" algn="l" defTabSz="457200" rtl="0" eaLnBrk="1" latinLnBrk="0" hangingPunct="1">
         <a:spcBef>
           <a:spcPct val="20000"/>
         </a:spcBef>
-        <a:buFont typeface="Arial" pitchFamily="34" charset="0"/>
-        <a:buChar char="•"/>
-        <a:defRPr sz="1600" kern="1200">
+        <a:spcAft>
+          <a:spcPts val="600"/>
+        </a:spcAft>
+        <a:buClr>
+          <a:schemeClr val="tx1"/>
+        </a:buClr>
+        <a:buSzPct val="80000"/>
+        <a:buFont typeface="Wingdings 3" panose="05040102010807070707" pitchFamily="18" charset="2"/>
+        <a:buChar char=""/>
+        <a:defRPr sz="1400" kern="1200" cap="none">
           <a:solidFill>
-            <a:schemeClr val="tx1">
-              <a:lumMod val="50000"/>
-              <a:lumOff val="50000"/>
+            <a:schemeClr val="bg2">
+              <a:lumMod val="75000"/>
             </a:schemeClr>
           </a:solidFill>
-          <a:latin typeface="+mj-lt"/>
+          <a:effectLst/>
+          <a:latin typeface="+mn-lt"/>
           <a:ea typeface="+mn-ea"/>
           <a:cs typeface="+mn-cs"/>
         </a:defRPr>
@@ -3233,7 +5372,7 @@
       <a:defPPr>
         <a:defRPr lang="en-US"/>
       </a:defPPr>
-      <a:lvl1pPr marL="0" algn="l" defTabSz="914400" rtl="0" eaLnBrk="1" latinLnBrk="0" hangingPunct="1">
+      <a:lvl1pPr marL="0" algn="l" defTabSz="457200" rtl="0" eaLnBrk="1" latinLnBrk="0" hangingPunct="1">
         <a:defRPr sz="1800" kern="1200">
           <a:solidFill>
             <a:schemeClr val="tx1"/>
@@ -3243,7 +5382,7 @@
           <a:cs typeface="+mn-cs"/>
         </a:defRPr>
       </a:lvl1pPr>
-      <a:lvl2pPr marL="457200" algn="l" defTabSz="914400" rtl="0" eaLnBrk="1" latinLnBrk="0" hangingPunct="1">
+      <a:lvl2pPr marL="457200" algn="l" defTabSz="457200" rtl="0" eaLnBrk="1" latinLnBrk="0" hangingPunct="1">
         <a:defRPr sz="1800" kern="1200">
           <a:solidFill>
             <a:schemeClr val="tx1"/>
@@ -3253,7 +5392,7 @@
           <a:cs typeface="+mn-cs"/>
         </a:defRPr>
       </a:lvl2pPr>
-      <a:lvl3pPr marL="914400" algn="l" defTabSz="914400" rtl="0" eaLnBrk="1" latinLnBrk="0" hangingPunct="1">
+      <a:lvl3pPr marL="914400" algn="l" defTabSz="457200" rtl="0" eaLnBrk="1" latinLnBrk="0" hangingPunct="1">
         <a:defRPr sz="1800" kern="1200">
           <a:solidFill>
             <a:schemeClr val="tx1"/>
@@ -3263,7 +5402,7 @@
           <a:cs typeface="+mn-cs"/>
         </a:defRPr>
       </a:lvl3pPr>
-      <a:lvl4pPr marL="1371600" algn="l" defTabSz="914400" rtl="0" eaLnBrk="1" latinLnBrk="0" hangingPunct="1">
+      <a:lvl4pPr marL="1371600" algn="l" defTabSz="457200" rtl="0" eaLnBrk="1" latinLnBrk="0" hangingPunct="1">
         <a:defRPr sz="1800" kern="1200">
           <a:solidFill>
             <a:schemeClr val="tx1"/>
@@ -3273,7 +5412,7 @@
           <a:cs typeface="+mn-cs"/>
         </a:defRPr>
       </a:lvl4pPr>
-      <a:lvl5pPr marL="1828800" algn="l" defTabSz="914400" rtl="0" eaLnBrk="1" latinLnBrk="0" hangingPunct="1">
+      <a:lvl5pPr marL="1828800" algn="l" defTabSz="457200" rtl="0" eaLnBrk="1" latinLnBrk="0" hangingPunct="1">
         <a:defRPr sz="1800" kern="1200">
           <a:solidFill>
             <a:schemeClr val="tx1"/>
@@ -3283,7 +5422,7 @@
           <a:cs typeface="+mn-cs"/>
         </a:defRPr>
       </a:lvl5pPr>
-      <a:lvl6pPr marL="2286000" algn="l" defTabSz="914400" rtl="0" eaLnBrk="1" latinLnBrk="0" hangingPunct="1">
+      <a:lvl6pPr marL="2286000" algn="l" defTabSz="457200" rtl="0" eaLnBrk="1" latinLnBrk="0" hangingPunct="1">
         <a:defRPr sz="1800" kern="1200">
           <a:solidFill>
             <a:schemeClr val="tx1"/>
@@ -3293,7 +5432,7 @@
           <a:cs typeface="+mn-cs"/>
         </a:defRPr>
       </a:lvl6pPr>
-      <a:lvl7pPr marL="2743200" algn="l" defTabSz="914400" rtl="0" eaLnBrk="1" latinLnBrk="0" hangingPunct="1">
+      <a:lvl7pPr marL="2743200" algn="l" defTabSz="457200" rtl="0" eaLnBrk="1" latinLnBrk="0" hangingPunct="1">
         <a:defRPr sz="1800" kern="1200">
           <a:solidFill>
             <a:schemeClr val="tx1"/>
@@ -3303,7 +5442,7 @@
           <a:cs typeface="+mn-cs"/>
         </a:defRPr>
       </a:lvl7pPr>
-      <a:lvl8pPr marL="3200400" algn="l" defTabSz="914400" rtl="0" eaLnBrk="1" latinLnBrk="0" hangingPunct="1">
+      <a:lvl8pPr marL="3200400" algn="l" defTabSz="457200" rtl="0" eaLnBrk="1" latinLnBrk="0" hangingPunct="1">
         <a:defRPr sz="1800" kern="1200">
           <a:solidFill>
             <a:schemeClr val="tx1"/>
@@ -3313,7 +5452,7 @@
           <a:cs typeface="+mn-cs"/>
         </a:defRPr>
       </a:lvl8pPr>
-      <a:lvl9pPr marL="3657600" algn="l" defTabSz="914400" rtl="0" eaLnBrk="1" latinLnBrk="0" hangingPunct="1">
+      <a:lvl9pPr marL="3657600" algn="l" defTabSz="457200" rtl="0" eaLnBrk="1" latinLnBrk="0" hangingPunct="1">
         <a:defRPr sz="1800" kern="1200">
           <a:solidFill>
             <a:schemeClr val="tx1"/>
@@ -3331,6 +5470,31 @@
 <file path=ppt/slides/slide1.xml><?xml version="1.0" encoding="utf-8"?>
 <p:sld xmlns:a="http://schemas.openxmlformats.org/drawingml/2006/main" xmlns:r="http://schemas.openxmlformats.org/officeDocument/2006/relationships" xmlns:p="http://schemas.openxmlformats.org/presentationml/2006/main">
   <p:cSld>
+    <p:bg>
+      <p:bgPr>
+        <a:gradFill rotWithShape="1">
+          <a:gsLst>
+            <a:gs pos="10000">
+              <a:schemeClr val="bg1">
+                <a:tint val="97000"/>
+                <a:hueMod val="92000"/>
+                <a:satMod val="169000"/>
+                <a:lumMod val="164000"/>
+              </a:schemeClr>
+            </a:gs>
+            <a:gs pos="100000">
+              <a:schemeClr val="bg1">
+                <a:shade val="96000"/>
+                <a:satMod val="120000"/>
+                <a:lumMod val="90000"/>
+              </a:schemeClr>
+            </a:gs>
+          </a:gsLst>
+          <a:lin ang="6120000" scaled="1"/>
+        </a:gradFill>
+        <a:effectLst/>
+      </p:bgPr>
+    </p:bg>
     <p:spTree>
       <p:nvGrpSpPr>
         <p:cNvPr id="1" name=""/>
@@ -3347,90 +5511,191 @@
       </p:grpSpPr>
       <p:sp>
         <p:nvSpPr>
-          <p:cNvPr id="2" name="Title 1"/>
-          <p:cNvSpPr>
-            <a:spLocks noGrp="1"/>
-          </p:cNvSpPr>
-          <p:nvPr>
-            <p:ph type="ctrTitle"/>
+          <p:cNvPr id="10" name="Rectangle 9">
+            <a:extLst>
+              <a:ext uri="{FF2B5EF4-FFF2-40B4-BE49-F238E27FC236}">
+                <a16:creationId xmlns:a16="http://schemas.microsoft.com/office/drawing/2014/main" id="{7E134C76-7FB4-4BB7-9322-DD8A4B179ACD}"/>
+              </a:ext>
+              <a:ext uri="{C183D7F6-B498-43B3-948B-1728B52AA6E4}">
+                <adec:decorative xmlns:adec="http://schemas.microsoft.com/office/drawing/2017/decorative" val="1"/>
+              </a:ext>
+            </a:extLst>
+          </p:cNvPr>
+          <p:cNvSpPr>
+            <a:spLocks noGrp="1" noRot="1" noChangeAspect="1" noMove="1" noResize="1" noEditPoints="1" noAdjustHandles="1" noChangeArrowheads="1" noChangeShapeType="1" noTextEdit="1"/>
+          </p:cNvSpPr>
+          <p:nvPr>
+            <p:extLst>
+              <p:ext uri="{386F3935-93C4-4BCD-93E2-E3B085C9AB24}">
+                <p16:designElem xmlns:p16="http://schemas.microsoft.com/office/powerpoint/2015/main" val="1"/>
+              </p:ext>
+            </p:extLst>
           </p:nvPr>
         </p:nvSpPr>
         <p:spPr>
           <a:xfrm>
-            <a:off x="762000" y="685800"/>
-            <a:ext cx="7772400" cy="1143001"/>
+            <a:off x="0" y="0"/>
+            <a:ext cx="9144000" cy="6858000"/>
+          </a:xfrm>
+          <a:prstGeom prst="rect">
+            <a:avLst/>
+          </a:prstGeom>
+          <a:ln>
+            <a:noFill/>
+          </a:ln>
+        </p:spPr>
+        <p:style>
+          <a:lnRef idx="2">
+            <a:schemeClr val="accent1">
+              <a:shade val="50000"/>
+            </a:schemeClr>
+          </a:lnRef>
+          <a:fillRef idx="1002">
+            <a:schemeClr val="dk2"/>
+          </a:fillRef>
+          <a:effectRef idx="0">
+            <a:schemeClr val="accent1"/>
+          </a:effectRef>
+          <a:fontRef idx="minor">
+            <a:schemeClr val="lt1"/>
+          </a:fontRef>
+        </p:style>
+        <p:txBody>
+          <a:bodyPr rtlCol="0" anchor="ctr"/>
+          <a:lstStyle/>
+          <a:p>
+            <a:pPr algn="ctr"/>
+            <a:endParaRPr lang="en-US"/>
+          </a:p>
+        </p:txBody>
+      </p:sp>
+      <p:sp useBgFill="1">
+        <p:nvSpPr>
+          <p:cNvPr id="12" name="Snip Single Corner Rectangle 17">
+            <a:extLst>
+              <a:ext uri="{FF2B5EF4-FFF2-40B4-BE49-F238E27FC236}">
+                <a16:creationId xmlns:a16="http://schemas.microsoft.com/office/drawing/2014/main" id="{C0C57804-4F33-4D85-AA3E-DA0F214BBD91}"/>
+              </a:ext>
+              <a:ext uri="{C183D7F6-B498-43B3-948B-1728B52AA6E4}">
+                <adec:decorative xmlns:adec="http://schemas.microsoft.com/office/drawing/2017/decorative" val="1"/>
+              </a:ext>
+            </a:extLst>
+          </p:cNvPr>
+          <p:cNvSpPr>
+            <a:spLocks noGrp="1" noRot="1" noChangeAspect="1" noMove="1" noResize="1" noEditPoints="1" noAdjustHandles="1" noChangeArrowheads="1" noChangeShapeType="1" noTextEdit="1"/>
+          </p:cNvSpPr>
+          <p:nvPr>
+            <p:extLst>
+              <p:ext uri="{386F3935-93C4-4BCD-93E2-E3B085C9AB24}">
+                <p16:designElem xmlns:p16="http://schemas.microsoft.com/office/powerpoint/2015/main" val="1"/>
+              </p:ext>
+            </p:extLst>
+          </p:nvPr>
+        </p:nvSpPr>
+        <p:spPr>
+          <a:xfrm flipV="1">
+            <a:off x="0" y="1"/>
+            <a:ext cx="9141618" cy="6857999"/>
+          </a:xfrm>
+          <a:prstGeom prst="snip1Rect">
+            <a:avLst>
+              <a:gd name="adj" fmla="val 50000"/>
+            </a:avLst>
+          </a:prstGeom>
+          <a:ln>
+            <a:noFill/>
+          </a:ln>
+          <a:effectLst/>
+        </p:spPr>
+        <p:style>
+          <a:lnRef idx="2">
+            <a:schemeClr val="accent1">
+              <a:shade val="50000"/>
+            </a:schemeClr>
+          </a:lnRef>
+          <a:fillRef idx="1003">
+            <a:schemeClr val="dk2"/>
+          </a:fillRef>
+          <a:effectRef idx="0">
+            <a:schemeClr val="accent1"/>
+          </a:effectRef>
+          <a:fontRef idx="minor">
+            <a:schemeClr val="lt1"/>
+          </a:fontRef>
+        </p:style>
+        <p:txBody>
+          <a:bodyPr wrap="square" rtlCol="0" anchor="ctr">
+            <a:noAutofit/>
+          </a:bodyPr>
+          <a:lstStyle/>
+          <a:p>
+            <a:pPr algn="ctr"/>
+            <a:endParaRPr lang="en-US"/>
+          </a:p>
+        </p:txBody>
+      </p:sp>
+      <p:sp>
+        <p:nvSpPr>
+          <p:cNvPr id="2" name="Title 1"/>
+          <p:cNvSpPr>
+            <a:spLocks noGrp="1"/>
+          </p:cNvSpPr>
+          <p:nvPr>
+            <p:ph type="ctrTitle"/>
+          </p:nvPr>
+        </p:nvSpPr>
+        <p:spPr>
+          <a:xfrm>
+            <a:off x="0" y="5483106"/>
+            <a:ext cx="7259241" cy="930273"/>
           </a:xfrm>
         </p:spPr>
         <p:txBody>
-          <a:bodyPr/>
-          <a:lstStyle/>
-          <a:p>
-            <a:r>
-              <a:rPr lang="en-US" dirty="0" err="1" smtClean="0"/>
-              <a:t>UiPath</a:t>
-            </a:r>
-            <a:r>
-              <a:rPr lang="en-US" dirty="0" smtClean="0"/>
-              <a:t> Brief</a:t>
-            </a:r>
-            <a:br>
-              <a:rPr lang="en-US" dirty="0" smtClean="0"/>
-            </a:br>
-            <a:r>
-              <a:rPr lang="en-US" dirty="0" smtClean="0"/>
-              <a:t/>
-            </a:r>
-            <a:br>
-              <a:rPr lang="en-US" dirty="0" smtClean="0"/>
-            </a:br>
-            <a:r>
-              <a:rPr lang="en-US" dirty="0" smtClean="0"/>
-              <a:t>cum am </a:t>
-            </a:r>
-            <a:r>
-              <a:rPr lang="en-US" dirty="0" err="1" smtClean="0"/>
-              <a:t>lucrat</a:t>
-            </a:r>
-            <a:r>
-              <a:rPr lang="en-US" dirty="0" smtClean="0"/>
-              <a:t/>
-            </a:r>
-            <a:br>
-              <a:rPr lang="en-US" dirty="0" smtClean="0"/>
-            </a:br>
-            <a:r>
-              <a:rPr lang="en-US" dirty="0" err="1" smtClean="0"/>
-              <a:t>prezentare</a:t>
-            </a:r>
-            <a:r>
-              <a:rPr lang="en-US" dirty="0" smtClean="0"/>
-              <a:t> </a:t>
-            </a:r>
-            <a:r>
-              <a:rPr lang="en-US" dirty="0" err="1" smtClean="0"/>
-              <a:t>echipa</a:t>
-            </a:r>
-            <a:r>
-              <a:rPr lang="en-US" smtClean="0"/>
-              <a:t/>
-            </a:r>
-            <a:br>
-              <a:rPr lang="en-US" smtClean="0"/>
-            </a:br>
-            <a:endParaRPr lang="en-US" dirty="0"/>
-          </a:p>
-        </p:txBody>
-      </p:sp>
-      <p:sp>
-        <p:nvSpPr>
-          <p:cNvPr id="5" name="TextBox 4"/>
+          <a:bodyPr>
+            <a:normAutofit/>
+          </a:bodyPr>
+          <a:lstStyle/>
+          <a:p>
+            <a:r>
+              <a:rPr lang="en-US" sz="5200" dirty="0">
+                <a:solidFill>
+                  <a:schemeClr val="tx2"/>
+                </a:solidFill>
+              </a:rPr>
+              <a:t>Team: </a:t>
+            </a:r>
+            <a:r>
+              <a:rPr lang="en-US" sz="5200" dirty="0" err="1">
+                <a:solidFill>
+                  <a:schemeClr val="tx2"/>
+                </a:solidFill>
+              </a:rPr>
+              <a:t>RoboDucks</a:t>
+            </a:r>
+            <a:endParaRPr lang="en-US" sz="5200" dirty="0">
+              <a:solidFill>
+                <a:schemeClr val="tx2"/>
+              </a:solidFill>
+            </a:endParaRPr>
+          </a:p>
+        </p:txBody>
+      </p:sp>
+      <p:sp>
+        <p:nvSpPr>
+          <p:cNvPr id="3" name="TextBox 2">
+            <a:extLst>
+              <a:ext uri="{FF2B5EF4-FFF2-40B4-BE49-F238E27FC236}">
+                <a16:creationId xmlns:a16="http://schemas.microsoft.com/office/drawing/2014/main" id="{D8721C01-2AC1-47A0-B89A-924BBD3591CA}"/>
+              </a:ext>
+            </a:extLst>
+          </p:cNvPr>
           <p:cNvSpPr txBox="1"/>
           <p:nvPr/>
         </p:nvSpPr>
         <p:spPr>
           <a:xfrm>
-            <a:off x="4038600" y="4599801"/>
-            <a:ext cx="3657600" cy="553998"/>
+            <a:off x="2382" y="2057400"/>
+            <a:ext cx="9141618" cy="1569660"/>
           </a:xfrm>
           <a:prstGeom prst="rect">
             <a:avLst/>
@@ -3443,27 +5708,83 @@
           </a:bodyPr>
           <a:lstStyle/>
           <a:p>
-            <a:r>
-              <a:rPr lang="en-US" sz="3000" dirty="0" smtClean="0">
-                <a:solidFill>
-                  <a:schemeClr val="tx2"/>
-                </a:solidFill>
-              </a:rPr>
-              <a:t>Team: </a:t>
-            </a:r>
-            <a:r>
-              <a:rPr lang="en-US" sz="3000" dirty="0" err="1" smtClean="0">
-                <a:solidFill>
-                  <a:schemeClr val="tx2"/>
-                </a:solidFill>
-              </a:rPr>
-              <a:t>RoboDucks</a:t>
-            </a:r>
-            <a:endParaRPr lang="en-US" sz="3000" dirty="0">
-              <a:solidFill>
-                <a:schemeClr val="tx2"/>
-              </a:solidFill>
-            </a:endParaRPr>
+            <a:pPr algn="ctr"/>
+            <a:r>
+              <a:rPr lang="ro-RO" sz="4800" dirty="0"/>
+              <a:t>Automation Challenge - Shortest Path</a:t>
+            </a:r>
+          </a:p>
+        </p:txBody>
+      </p:sp>
+      <p:pic>
+        <p:nvPicPr>
+          <p:cNvPr id="13" name="Picture 12">
+            <a:extLst>
+              <a:ext uri="{FF2B5EF4-FFF2-40B4-BE49-F238E27FC236}">
+                <a16:creationId xmlns:a16="http://schemas.microsoft.com/office/drawing/2014/main" id="{BB89CFD1-9EC4-4400-8B3A-84EF26554649}"/>
+              </a:ext>
+            </a:extLst>
+          </p:cNvPr>
+          <p:cNvPicPr>
+            <a:picLocks noChangeAspect="1"/>
+          </p:cNvPicPr>
+          <p:nvPr/>
+        </p:nvPicPr>
+        <p:blipFill>
+          <a:blip r:embed="rId2" cstate="print">
+            <a:extLst>
+              <a:ext uri="{28A0092B-C50C-407E-A947-70E740481C1C}">
+                <a14:useLocalDpi xmlns:a14="http://schemas.microsoft.com/office/drawing/2010/main" val="0"/>
+              </a:ext>
+            </a:extLst>
+          </a:blip>
+          <a:stretch>
+            <a:fillRect/>
+          </a:stretch>
+        </p:blipFill>
+        <p:spPr>
+          <a:xfrm>
+            <a:off x="5638800" y="-28236"/>
+            <a:ext cx="3434348" cy="1247436"/>
+          </a:xfrm>
+          <a:prstGeom prst="rect">
+            <a:avLst/>
+          </a:prstGeom>
+        </p:spPr>
+      </p:pic>
+      <p:sp>
+        <p:nvSpPr>
+          <p:cNvPr id="14" name="TextBox 13">
+            <a:extLst>
+              <a:ext uri="{FF2B5EF4-FFF2-40B4-BE49-F238E27FC236}">
+                <a16:creationId xmlns:a16="http://schemas.microsoft.com/office/drawing/2014/main" id="{8F36EB32-6D70-453E-A611-358244E984D2}"/>
+              </a:ext>
+            </a:extLst>
+          </p:cNvPr>
+          <p:cNvSpPr txBox="1"/>
+          <p:nvPr/>
+        </p:nvSpPr>
+        <p:spPr>
+          <a:xfrm>
+            <a:off x="1143000" y="4095928"/>
+            <a:ext cx="6934200" cy="461665"/>
+          </a:xfrm>
+          <a:prstGeom prst="rect">
+            <a:avLst/>
+          </a:prstGeom>
+          <a:noFill/>
+        </p:spPr>
+        <p:txBody>
+          <a:bodyPr wrap="square" rtlCol="0">
+            <a:spAutoFit/>
+          </a:bodyPr>
+          <a:lstStyle/>
+          <a:p>
+            <a:pPr algn="ctr"/>
+            <a:r>
+              <a:rPr lang="ro-RO" sz="2400" dirty="0"/>
+              <a:t>RPA League: 36-Hour Hackathon</a:t>
+            </a:r>
           </a:p>
         </p:txBody>
       </p:sp>
@@ -3475,15 +5796,8 @@
     </p:extLst>
   </p:cSld>
   <p:clrMapOvr>
-    <a:masterClrMapping/>
+    <a:overrideClrMapping bg1="lt1" tx1="dk1" bg2="lt2" tx2="dk2" accent1="accent1" accent2="accent2" accent3="accent3" accent4="accent4" accent5="accent5" accent6="accent6" hlink="hlink" folHlink="folHlink"/>
   </p:clrMapOvr>
-  <p:timing>
-    <p:tnLst>
-      <p:par>
-        <p:cTn id="1" dur="indefinite" restart="never" nodeType="tmRoot"/>
-      </p:par>
-    </p:tnLst>
-  </p:timing>
 </p:sld>
 </file>
 
@@ -3516,62 +5830,165 @@
         </p:nvSpPr>
         <p:spPr>
           <a:xfrm>
-            <a:off x="1371600" y="4876800"/>
-            <a:ext cx="6400800" cy="1219200"/>
+            <a:off x="762000" y="381000"/>
+            <a:ext cx="7010400" cy="5715000"/>
           </a:xfrm>
         </p:spPr>
         <p:txBody>
           <a:bodyPr>
-            <a:normAutofit fontScale="47500" lnSpcReduction="20000"/>
+            <a:normAutofit/>
           </a:bodyPr>
           <a:lstStyle/>
           <a:p>
-            <a:pPr fontAlgn="base"/>
-            <a:r>
-              <a:rPr lang="en-US" dirty="0"/>
-              <a:t>Parting thoughts:</a:t>
-            </a:r>
-          </a:p>
-          <a:p>
-            <a:pPr fontAlgn="base"/>
-            <a:r>
-              <a:rPr lang="en-US" b="0" dirty="0" smtClean="0">
-                <a:effectLst/>
+            <a:r>
+              <a:rPr lang="en-US" b="1" dirty="0">
+                <a:solidFill>
+                  <a:schemeClr val="bg1"/>
+                </a:solidFill>
               </a:rPr>
-              <a:t/>
-            </a:r>
-            <a:br>
-              <a:rPr lang="en-US" b="0" dirty="0" smtClean="0">
-                <a:effectLst/>
+              <a:t>AGENDA</a:t>
+            </a:r>
+            <a:endParaRPr lang="ro-RO" b="1" dirty="0">
+              <a:solidFill>
+                <a:schemeClr val="bg1"/>
+              </a:solidFill>
+            </a:endParaRPr>
+          </a:p>
+          <a:p>
+            <a:endParaRPr lang="ro-RO" dirty="0">
+              <a:solidFill>
+                <a:schemeClr val="bg1"/>
+              </a:solidFill>
+            </a:endParaRPr>
+          </a:p>
+          <a:p>
+            <a:pPr algn="l"/>
+            <a:r>
+              <a:rPr lang="ro-RO" dirty="0">
+                <a:solidFill>
+                  <a:schemeClr val="bg1"/>
+                </a:solidFill>
               </a:rPr>
-            </a:br>
-            <a:r>
-              <a:rPr lang="en-US" dirty="0"/>
-              <a:t>Great mentor interactions and continuous support and patience when faced with varied and surprising issues, as well as other teams interactions (Juniors RPA) </a:t>
-            </a:r>
-          </a:p>
-          <a:p>
-            <a:pPr fontAlgn="base"/>
-            <a:r>
-              <a:rPr lang="en-US" i="1" dirty="0" err="1"/>
-              <a:t>Banca</a:t>
-            </a:r>
-            <a:r>
-              <a:rPr lang="en-US" i="1" dirty="0"/>
-              <a:t> </a:t>
-            </a:r>
-            <a:r>
-              <a:rPr lang="en-US" i="1" dirty="0" err="1"/>
-              <a:t>Transilvania</a:t>
-            </a:r>
-            <a:r>
-              <a:rPr lang="en-US" dirty="0"/>
-              <a:t> feedback which was faster, more reliable and comprehensive than the one from mfinante.gov.ro</a:t>
-            </a:r>
-            <a:endParaRPr lang="en-US" i="1" dirty="0"/>
-          </a:p>
-          <a:p>
-            <a:endParaRPr lang="en-US" dirty="0"/>
+              <a:t>Team description</a:t>
+            </a:r>
+          </a:p>
+          <a:p>
+            <a:pPr algn="l"/>
+            <a:endParaRPr lang="ro-RO" dirty="0">
+              <a:solidFill>
+                <a:schemeClr val="bg1"/>
+              </a:solidFill>
+            </a:endParaRPr>
+          </a:p>
+          <a:p>
+            <a:pPr algn="l"/>
+            <a:r>
+              <a:rPr lang="ro-RO" dirty="0">
+                <a:solidFill>
+                  <a:schemeClr val="bg1"/>
+                </a:solidFill>
+              </a:rPr>
+              <a:t>Why Ui Path Brief </a:t>
+            </a:r>
+            <a:r>
+              <a:rPr lang="en-US" dirty="0">
+                <a:solidFill>
+                  <a:schemeClr val="bg1"/>
+                </a:solidFill>
+              </a:rPr>
+              <a:t>?</a:t>
+            </a:r>
+          </a:p>
+          <a:p>
+            <a:pPr algn="l"/>
+            <a:endParaRPr lang="ro-RO" dirty="0">
+              <a:solidFill>
+                <a:schemeClr val="bg1"/>
+              </a:solidFill>
+            </a:endParaRPr>
+          </a:p>
+          <a:p>
+            <a:pPr algn="l"/>
+            <a:r>
+              <a:rPr lang="ro-RO" dirty="0">
+                <a:solidFill>
+                  <a:schemeClr val="bg1"/>
+                </a:solidFill>
+              </a:rPr>
+              <a:t>Solution description</a:t>
+            </a:r>
+            <a:endParaRPr lang="en-US" dirty="0">
+              <a:solidFill>
+                <a:schemeClr val="bg1"/>
+              </a:solidFill>
+            </a:endParaRPr>
+          </a:p>
+          <a:p>
+            <a:pPr algn="l"/>
+            <a:endParaRPr lang="ro-RO" dirty="0">
+              <a:solidFill>
+                <a:schemeClr val="bg1"/>
+              </a:solidFill>
+            </a:endParaRPr>
+          </a:p>
+          <a:p>
+            <a:pPr algn="l"/>
+            <a:r>
+              <a:rPr lang="ro-RO" dirty="0">
+                <a:solidFill>
+                  <a:schemeClr val="bg1"/>
+                </a:solidFill>
+              </a:rPr>
+              <a:t>Challenges and solutions</a:t>
+            </a:r>
+            <a:endParaRPr lang="en-US" dirty="0">
+              <a:solidFill>
+                <a:schemeClr val="bg1"/>
+              </a:solidFill>
+            </a:endParaRPr>
+          </a:p>
+          <a:p>
+            <a:pPr algn="l"/>
+            <a:endParaRPr lang="ro-RO" dirty="0">
+              <a:solidFill>
+                <a:schemeClr val="bg1"/>
+              </a:solidFill>
+            </a:endParaRPr>
+          </a:p>
+          <a:p>
+            <a:pPr algn="l"/>
+            <a:r>
+              <a:rPr lang="ro-RO" dirty="0">
+                <a:solidFill>
+                  <a:schemeClr val="bg1"/>
+                </a:solidFill>
+              </a:rPr>
+              <a:t>Improvements </a:t>
+            </a:r>
+          </a:p>
+          <a:p>
+            <a:pPr algn="l"/>
+            <a:endParaRPr lang="ro-RO" dirty="0">
+              <a:solidFill>
+                <a:schemeClr val="bg1"/>
+              </a:solidFill>
+            </a:endParaRPr>
+          </a:p>
+          <a:p>
+            <a:pPr algn="l"/>
+            <a:r>
+              <a:rPr lang="ro-RO" dirty="0">
+                <a:solidFill>
+                  <a:schemeClr val="bg1"/>
+                </a:solidFill>
+              </a:rPr>
+              <a:t>Q&amp;A</a:t>
+            </a:r>
+            <a:endParaRPr lang="en-US" dirty="0">
+              <a:solidFill>
+                <a:schemeClr val="bg1"/>
+              </a:solidFill>
+            </a:endParaRPr>
           </a:p>
         </p:txBody>
       </p:sp>
@@ -3585,13 +6002,6 @@
   <p:clrMapOvr>
     <a:masterClrMapping/>
   </p:clrMapOvr>
-  <p:timing>
-    <p:tnLst>
-      <p:par>
-        <p:cTn id="1" dur="indefinite" restart="never" nodeType="tmRoot"/>
-      </p:par>
-    </p:tnLst>
-  </p:timing>
 </p:sld>
 </file>
 
@@ -3614,92 +6024,120 @@
       </p:grpSpPr>
       <p:sp>
         <p:nvSpPr>
-          <p:cNvPr id="3" name="Subtitle 2"/>
-          <p:cNvSpPr>
-            <a:spLocks noGrp="1"/>
-          </p:cNvSpPr>
-          <p:nvPr>
-            <p:ph type="subTitle" idx="1"/>
+          <p:cNvPr id="2" name="Title 1">
+            <a:extLst>
+              <a:ext uri="{FF2B5EF4-FFF2-40B4-BE49-F238E27FC236}">
+                <a16:creationId xmlns:a16="http://schemas.microsoft.com/office/drawing/2014/main" id="{1E5661F0-79FE-483B-AAFF-EFE0102E03F8}"/>
+              </a:ext>
+            </a:extLst>
+          </p:cNvPr>
+          <p:cNvSpPr>
+            <a:spLocks noGrp="1"/>
+          </p:cNvSpPr>
+          <p:nvPr>
+            <p:ph type="title"/>
           </p:nvPr>
         </p:nvSpPr>
         <p:spPr>
           <a:xfrm>
-            <a:off x="1371600" y="4876800"/>
-            <a:ext cx="6400800" cy="1219200"/>
+            <a:off x="533400" y="381000"/>
+            <a:ext cx="6554867" cy="1524000"/>
           </a:xfrm>
         </p:spPr>
         <p:txBody>
           <a:bodyPr>
-            <a:normAutofit fontScale="47500" lnSpcReduction="20000"/>
+            <a:normAutofit/>
           </a:bodyPr>
           <a:lstStyle/>
           <a:p>
-            <a:pPr fontAlgn="base"/>
-            <a:r>
-              <a:rPr lang="en-US" dirty="0"/>
-              <a:t>Parting thoughts:</a:t>
-            </a:r>
-          </a:p>
-          <a:p>
-            <a:pPr fontAlgn="base"/>
-            <a:r>
-              <a:rPr lang="en-US" b="0" dirty="0" smtClean="0">
-                <a:effectLst/>
+            <a:r>
+              <a:rPr lang="ro-RO" sz="4800" dirty="0">
+                <a:solidFill>
+                  <a:schemeClr val="bg1"/>
+                </a:solidFill>
               </a:rPr>
-              <a:t/>
-            </a:r>
-            <a:br>
-              <a:rPr lang="en-US" b="0" dirty="0" smtClean="0">
-                <a:effectLst/>
+              <a:t>Team members</a:t>
+            </a:r>
+          </a:p>
+        </p:txBody>
+      </p:sp>
+      <p:sp>
+        <p:nvSpPr>
+          <p:cNvPr id="3" name="Content Placeholder 2">
+            <a:extLst>
+              <a:ext uri="{FF2B5EF4-FFF2-40B4-BE49-F238E27FC236}">
+                <a16:creationId xmlns:a16="http://schemas.microsoft.com/office/drawing/2014/main" id="{12CFAD91-3EF4-4526-8FB6-4FF1B50AF6A6}"/>
+              </a:ext>
+            </a:extLst>
+          </p:cNvPr>
+          <p:cNvSpPr>
+            <a:spLocks noGrp="1"/>
+          </p:cNvSpPr>
+          <p:nvPr>
+            <p:ph idx="1"/>
+          </p:nvPr>
+        </p:nvSpPr>
+        <p:spPr>
+          <a:xfrm>
+            <a:off x="533400" y="2175930"/>
+            <a:ext cx="6554867" cy="3767670"/>
+          </a:xfrm>
+        </p:spPr>
+        <p:txBody>
+          <a:bodyPr/>
+          <a:lstStyle/>
+          <a:p>
+            <a:r>
+              <a:rPr lang="ro-RO" dirty="0">
+                <a:solidFill>
+                  <a:schemeClr val="tx1"/>
+                </a:solidFill>
               </a:rPr>
-            </a:br>
-            <a:r>
-              <a:rPr lang="en-US" dirty="0"/>
-              <a:t>Great mentor interactions and continuous support and patience when faced with varied and surprising issues, as well as other teams interactions (Juniors RPA) </a:t>
-            </a:r>
-          </a:p>
-          <a:p>
-            <a:pPr fontAlgn="base"/>
-            <a:r>
-              <a:rPr lang="en-US" i="1" dirty="0" err="1"/>
-              <a:t>Banca</a:t>
-            </a:r>
-            <a:r>
-              <a:rPr lang="en-US" i="1" dirty="0"/>
-              <a:t> </a:t>
-            </a:r>
-            <a:r>
-              <a:rPr lang="en-US" i="1" dirty="0" err="1"/>
-              <a:t>Transilvania</a:t>
-            </a:r>
-            <a:r>
-              <a:rPr lang="en-US" dirty="0"/>
-              <a:t> feedback which was faster, more reliable and comprehensive than the one from mfinante.gov.ro</a:t>
-            </a:r>
-            <a:endParaRPr lang="en-US" i="1" dirty="0"/>
-          </a:p>
-          <a:p>
-            <a:endParaRPr lang="en-US" dirty="0"/>
+              <a:t>Andreea Curcan</a:t>
+            </a:r>
+          </a:p>
+          <a:p>
+            <a:r>
+              <a:rPr lang="ro-RO" dirty="0">
+                <a:solidFill>
+                  <a:schemeClr val="tx1"/>
+                </a:solidFill>
+              </a:rPr>
+              <a:t>Andreia Ciocanel</a:t>
+            </a:r>
+          </a:p>
+          <a:p>
+            <a:r>
+              <a:rPr lang="ro-RO" dirty="0">
+                <a:solidFill>
+                  <a:schemeClr val="tx1"/>
+                </a:solidFill>
+              </a:rPr>
+              <a:t>Alex Fierascu</a:t>
+            </a:r>
+          </a:p>
+          <a:p>
+            <a:r>
+              <a:rPr lang="ro-RO" dirty="0">
+                <a:solidFill>
+                  <a:schemeClr val="tx1"/>
+                </a:solidFill>
+              </a:rPr>
+              <a:t>Marius Birsan</a:t>
+            </a:r>
           </a:p>
         </p:txBody>
       </p:sp>
     </p:spTree>
     <p:extLst>
       <p:ext uri="{BB962C8B-B14F-4D97-AF65-F5344CB8AC3E}">
-        <p14:creationId xmlns:p14="http://schemas.microsoft.com/office/powerpoint/2010/main" val="2821981744"/>
+        <p14:creationId xmlns:p14="http://schemas.microsoft.com/office/powerpoint/2010/main" val="3118334769"/>
       </p:ext>
     </p:extLst>
   </p:cSld>
   <p:clrMapOvr>
     <a:masterClrMapping/>
   </p:clrMapOvr>
-  <p:timing>
-    <p:tnLst>
-      <p:par>
-        <p:cTn id="1" dur="indefinite" restart="never" nodeType="tmRoot"/>
-      </p:par>
-    </p:tnLst>
-  </p:timing>
 </p:sld>
 </file>
 
@@ -3732,89 +6170,720 @@
         </p:nvSpPr>
         <p:spPr>
           <a:xfrm>
-            <a:off x="1371600" y="4876800"/>
-            <a:ext cx="6400800" cy="1219200"/>
+            <a:off x="5862" y="23446"/>
+            <a:ext cx="9138138" cy="814754"/>
           </a:xfrm>
         </p:spPr>
         <p:txBody>
           <a:bodyPr>
-            <a:normAutofit fontScale="47500" lnSpcReduction="20000"/>
+            <a:noAutofit/>
           </a:bodyPr>
           <a:lstStyle/>
           <a:p>
-            <a:pPr fontAlgn="base"/>
-            <a:r>
-              <a:rPr lang="en-US" dirty="0"/>
-              <a:t>Parting thoughts:</a:t>
-            </a:r>
-          </a:p>
-          <a:p>
-            <a:pPr fontAlgn="base"/>
-            <a:r>
-              <a:rPr lang="en-US" b="0" dirty="0" smtClean="0">
-                <a:effectLst/>
+            <a:r>
+              <a:rPr lang="ro-RO" sz="4800" dirty="0">
+                <a:solidFill>
+                  <a:schemeClr val="bg1"/>
+                </a:solidFill>
               </a:rPr>
-              <a:t/>
-            </a:r>
-            <a:br>
-              <a:rPr lang="en-US" b="0" dirty="0" smtClean="0">
-                <a:effectLst/>
-              </a:rPr>
-            </a:br>
-            <a:r>
-              <a:rPr lang="en-US" dirty="0"/>
-              <a:t>Great mentor interactions and continuous support and patience when faced with varied and surprising issues, as well as other teams interactions (Juniors RPA) </a:t>
-            </a:r>
-          </a:p>
-          <a:p>
-            <a:pPr fontAlgn="base"/>
-            <a:r>
-              <a:rPr lang="en-US" i="1" dirty="0" err="1"/>
-              <a:t>Banca</a:t>
-            </a:r>
-            <a:r>
-              <a:rPr lang="en-US" i="1" dirty="0"/>
-              <a:t> </a:t>
-            </a:r>
-            <a:r>
-              <a:rPr lang="en-US" i="1" dirty="0" err="1"/>
-              <a:t>Transilvania</a:t>
-            </a:r>
-            <a:r>
-              <a:rPr lang="en-US" dirty="0"/>
-              <a:t> feedback which was faster, more reliable and comprehensive than the one from mfinante.gov.ro</a:t>
-            </a:r>
-            <a:endParaRPr lang="en-US" i="1" dirty="0"/>
-          </a:p>
-          <a:p>
-            <a:endParaRPr lang="en-US" dirty="0"/>
+              <a:t>Why Ui Path brief?</a:t>
+            </a:r>
+          </a:p>
+          <a:p>
+            <a:endParaRPr lang="ro-RO" sz="4800" dirty="0">
+              <a:solidFill>
+                <a:schemeClr val="bg1"/>
+              </a:solidFill>
+            </a:endParaRPr>
+          </a:p>
+          <a:p>
+            <a:endParaRPr lang="ro-RO" sz="4800" dirty="0">
+              <a:solidFill>
+                <a:schemeClr val="bg1"/>
+              </a:solidFill>
+            </a:endParaRPr>
+          </a:p>
+          <a:p>
+            <a:endParaRPr lang="en-US" sz="4800" dirty="0">
+              <a:solidFill>
+                <a:schemeClr val="bg1"/>
+              </a:solidFill>
+            </a:endParaRPr>
+          </a:p>
+        </p:txBody>
+      </p:sp>
+      <p:sp>
+        <p:nvSpPr>
+          <p:cNvPr id="5" name="TextBox 4">
+            <a:extLst>
+              <a:ext uri="{FF2B5EF4-FFF2-40B4-BE49-F238E27FC236}">
+                <a16:creationId xmlns:a16="http://schemas.microsoft.com/office/drawing/2014/main" id="{12D8D686-28F5-41B9-93E4-6ABABAF4B352}"/>
+              </a:ext>
+            </a:extLst>
+          </p:cNvPr>
+          <p:cNvSpPr txBox="1"/>
+          <p:nvPr/>
+        </p:nvSpPr>
+        <p:spPr>
+          <a:xfrm>
+            <a:off x="29308" y="1692057"/>
+            <a:ext cx="9108830" cy="3108543"/>
+          </a:xfrm>
+          <a:prstGeom prst="rect">
+            <a:avLst/>
+          </a:prstGeom>
+          <a:noFill/>
+        </p:spPr>
+        <p:txBody>
+          <a:bodyPr wrap="square" rtlCol="0">
+            <a:spAutoFit/>
+          </a:bodyPr>
+          <a:lstStyle/>
+          <a:p>
+            <a:pPr marL="285750" indent="-285750">
+              <a:buFont typeface="Wingdings" panose="05000000000000000000" pitchFamily="2" charset="2"/>
+              <a:buChar char="q"/>
+            </a:pPr>
+            <a:r>
+              <a:rPr lang="ro-RO" sz="3200" dirty="0"/>
+              <a:t>Challenging </a:t>
+            </a:r>
+          </a:p>
+          <a:p>
+            <a:pPr marL="285750" indent="-285750">
+              <a:buFont typeface="Wingdings" panose="05000000000000000000" pitchFamily="2" charset="2"/>
+              <a:buChar char="q"/>
+            </a:pPr>
+            <a:endParaRPr lang="ro-RO" sz="3200" dirty="0"/>
+          </a:p>
+          <a:p>
+            <a:pPr marL="285750" indent="-285750">
+              <a:buFont typeface="Wingdings" panose="05000000000000000000" pitchFamily="2" charset="2"/>
+              <a:buChar char="q"/>
+            </a:pPr>
+            <a:r>
+              <a:rPr lang="ro-RO" sz="3200" dirty="0"/>
+              <a:t>No initial clear cut solution</a:t>
+            </a:r>
+          </a:p>
+          <a:p>
+            <a:pPr marL="285750" indent="-285750">
+              <a:buFont typeface="Wingdings" panose="05000000000000000000" pitchFamily="2" charset="2"/>
+              <a:buChar char="q"/>
+            </a:pPr>
+            <a:endParaRPr lang="ro-RO" sz="3200" dirty="0"/>
+          </a:p>
+          <a:p>
+            <a:pPr marL="285750" indent="-285750">
+              <a:buFont typeface="Wingdings" panose="05000000000000000000" pitchFamily="2" charset="2"/>
+              <a:buChar char="q"/>
+            </a:pPr>
+            <a:r>
+              <a:rPr lang="ro-RO" sz="3200" dirty="0"/>
+              <a:t> OCR unpredictable results </a:t>
+            </a:r>
+          </a:p>
+          <a:p>
+            <a:endParaRPr lang="ro-RO" dirty="0"/>
+          </a:p>
+          <a:p>
+            <a:endParaRPr lang="ro-RO" dirty="0"/>
           </a:p>
         </p:txBody>
       </p:sp>
     </p:spTree>
     <p:extLst>
       <p:ext uri="{BB962C8B-B14F-4D97-AF65-F5344CB8AC3E}">
-        <p14:creationId xmlns:p14="http://schemas.microsoft.com/office/powerpoint/2010/main" val="2821981744"/>
+        <p14:creationId xmlns:p14="http://schemas.microsoft.com/office/powerpoint/2010/main" val="984445902"/>
       </p:ext>
     </p:extLst>
   </p:cSld>
   <p:clrMapOvr>
     <a:masterClrMapping/>
   </p:clrMapOvr>
-  <p:timing>
-    <p:tnLst>
-      <p:par>
-        <p:cTn id="1" dur="indefinite" restart="never" nodeType="tmRoot"/>
-      </p:par>
-    </p:tnLst>
-  </p:timing>
+</p:sld>
+</file>
+
+<file path=ppt/slides/slide5.xml><?xml version="1.0" encoding="utf-8"?>
+<p:sld xmlns:a="http://schemas.openxmlformats.org/drawingml/2006/main" xmlns:r="http://schemas.openxmlformats.org/officeDocument/2006/relationships" xmlns:p="http://schemas.openxmlformats.org/presentationml/2006/main" showMasterSp="0">
+  <p:cSld>
+    <p:bg>
+      <p:bgPr>
+        <a:solidFill>
+          <a:schemeClr val="tx1"/>
+        </a:solidFill>
+        <a:effectLst/>
+      </p:bgPr>
+    </p:bg>
+    <p:spTree>
+      <p:nvGrpSpPr>
+        <p:cNvPr id="1" name=""/>
+        <p:cNvGrpSpPr/>
+        <p:nvPr/>
+      </p:nvGrpSpPr>
+      <p:grpSpPr>
+        <a:xfrm>
+          <a:off x="0" y="0"/>
+          <a:ext cx="0" cy="0"/>
+          <a:chOff x="0" y="0"/>
+          <a:chExt cx="0" cy="0"/>
+        </a:xfrm>
+      </p:grpSpPr>
+      <p:sp>
+        <p:nvSpPr>
+          <p:cNvPr id="3" name="Subtitle 2"/>
+          <p:cNvSpPr>
+            <a:spLocks noGrp="1"/>
+          </p:cNvSpPr>
+          <p:nvPr>
+            <p:ph type="subTitle" idx="1"/>
+          </p:nvPr>
+        </p:nvSpPr>
+        <p:spPr>
+          <a:xfrm>
+            <a:off x="5862" y="23446"/>
+            <a:ext cx="9138138" cy="586154"/>
+          </a:xfrm>
+        </p:spPr>
+        <p:txBody>
+          <a:bodyPr>
+            <a:normAutofit lnSpcReduction="10000"/>
+          </a:bodyPr>
+          <a:lstStyle/>
+          <a:p>
+            <a:r>
+              <a:rPr lang="ro-RO" sz="3600" dirty="0">
+                <a:solidFill>
+                  <a:schemeClr val="bg1"/>
+                </a:solidFill>
+              </a:rPr>
+              <a:t>Solution description</a:t>
+            </a:r>
+            <a:endParaRPr lang="en-US" sz="3600" dirty="0">
+              <a:solidFill>
+                <a:schemeClr val="bg1"/>
+              </a:solidFill>
+            </a:endParaRPr>
+          </a:p>
+        </p:txBody>
+      </p:sp>
+      <p:pic>
+        <p:nvPicPr>
+          <p:cNvPr id="5" name="Picture 4">
+            <a:extLst>
+              <a:ext uri="{FF2B5EF4-FFF2-40B4-BE49-F238E27FC236}">
+                <a16:creationId xmlns:a16="http://schemas.microsoft.com/office/drawing/2014/main" id="{60182CB0-EFDE-41A2-88D0-55AA99D90923}"/>
+              </a:ext>
+            </a:extLst>
+          </p:cNvPr>
+          <p:cNvPicPr>
+            <a:picLocks noChangeAspect="1"/>
+          </p:cNvPicPr>
+          <p:nvPr/>
+        </p:nvPicPr>
+        <p:blipFill>
+          <a:blip r:embed="rId2">
+            <a:extLst>
+              <a:ext uri="{28A0092B-C50C-407E-A947-70E740481C1C}">
+                <a14:useLocalDpi xmlns:a14="http://schemas.microsoft.com/office/drawing/2010/main" val="0"/>
+              </a:ext>
+            </a:extLst>
+          </a:blip>
+          <a:stretch>
+            <a:fillRect/>
+          </a:stretch>
+        </p:blipFill>
+        <p:spPr>
+          <a:xfrm>
+            <a:off x="1143000" y="228600"/>
+            <a:ext cx="7577173" cy="6629400"/>
+          </a:xfrm>
+          <a:prstGeom prst="rect">
+            <a:avLst/>
+          </a:prstGeom>
+        </p:spPr>
+      </p:pic>
+    </p:spTree>
+    <p:extLst>
+      <p:ext uri="{BB962C8B-B14F-4D97-AF65-F5344CB8AC3E}">
+        <p14:creationId xmlns:p14="http://schemas.microsoft.com/office/powerpoint/2010/main" val="3564746704"/>
+      </p:ext>
+    </p:extLst>
+  </p:cSld>
+  <p:clrMapOvr>
+    <a:masterClrMapping/>
+  </p:clrMapOvr>
+</p:sld>
+</file>
+
+<file path=ppt/slides/slide6.xml><?xml version="1.0" encoding="utf-8"?>
+<p:sld xmlns:a="http://schemas.openxmlformats.org/drawingml/2006/main" xmlns:r="http://schemas.openxmlformats.org/officeDocument/2006/relationships" xmlns:p="http://schemas.openxmlformats.org/presentationml/2006/main">
+  <p:cSld>
+    <p:spTree>
+      <p:nvGrpSpPr>
+        <p:cNvPr id="1" name=""/>
+        <p:cNvGrpSpPr/>
+        <p:nvPr/>
+      </p:nvGrpSpPr>
+      <p:grpSpPr>
+        <a:xfrm>
+          <a:off x="0" y="0"/>
+          <a:ext cx="0" cy="0"/>
+          <a:chOff x="0" y="0"/>
+          <a:chExt cx="0" cy="0"/>
+        </a:xfrm>
+      </p:grpSpPr>
+      <p:sp>
+        <p:nvSpPr>
+          <p:cNvPr id="3" name="Subtitle 2"/>
+          <p:cNvSpPr>
+            <a:spLocks noGrp="1"/>
+          </p:cNvSpPr>
+          <p:nvPr>
+            <p:ph type="subTitle" idx="1"/>
+          </p:nvPr>
+        </p:nvSpPr>
+        <p:spPr>
+          <a:xfrm>
+            <a:off x="5862" y="23446"/>
+            <a:ext cx="9138138" cy="814754"/>
+          </a:xfrm>
+        </p:spPr>
+        <p:txBody>
+          <a:bodyPr>
+            <a:noAutofit/>
+          </a:bodyPr>
+          <a:lstStyle/>
+          <a:p>
+            <a:r>
+              <a:rPr lang="ro-RO" sz="4800" dirty="0">
+                <a:solidFill>
+                  <a:schemeClr val="bg1"/>
+                </a:solidFill>
+              </a:rPr>
+              <a:t>Challenges and solutions</a:t>
+            </a:r>
+            <a:endParaRPr lang="en-US" sz="4800" dirty="0">
+              <a:solidFill>
+                <a:schemeClr val="bg1"/>
+              </a:solidFill>
+            </a:endParaRPr>
+          </a:p>
+        </p:txBody>
+      </p:sp>
+      <p:sp>
+        <p:nvSpPr>
+          <p:cNvPr id="4" name="TextBox 3">
+            <a:extLst>
+              <a:ext uri="{FF2B5EF4-FFF2-40B4-BE49-F238E27FC236}">
+                <a16:creationId xmlns:a16="http://schemas.microsoft.com/office/drawing/2014/main" id="{EC58D591-B14D-4D11-AFCE-98F39E470610}"/>
+              </a:ext>
+            </a:extLst>
+          </p:cNvPr>
+          <p:cNvSpPr txBox="1"/>
+          <p:nvPr/>
+        </p:nvSpPr>
+        <p:spPr>
+          <a:xfrm>
+            <a:off x="0" y="875053"/>
+            <a:ext cx="8991600" cy="4524315"/>
+          </a:xfrm>
+          <a:prstGeom prst="rect">
+            <a:avLst/>
+          </a:prstGeom>
+          <a:noFill/>
+        </p:spPr>
+        <p:txBody>
+          <a:bodyPr wrap="square" rtlCol="0">
+            <a:spAutoFit/>
+          </a:bodyPr>
+          <a:lstStyle/>
+          <a:p>
+            <a:pPr marL="457200" indent="-457200">
+              <a:buFont typeface="Arial" panose="020B0604020202020204" pitchFamily="34" charset="0"/>
+              <a:buChar char="•"/>
+            </a:pPr>
+            <a:endParaRPr lang="ro-RO" sz="3200" dirty="0"/>
+          </a:p>
+          <a:p>
+            <a:pPr marL="457200" indent="-457200">
+              <a:buFont typeface="Arial" panose="020B0604020202020204" pitchFamily="34" charset="0"/>
+              <a:buChar char="•"/>
+            </a:pPr>
+            <a:r>
+              <a:rPr lang="en-US" sz="3200" dirty="0"/>
+              <a:t>OCR </a:t>
+            </a:r>
+            <a:endParaRPr lang="ro-RO" sz="3200" dirty="0"/>
+          </a:p>
+          <a:p>
+            <a:pPr marL="457200" indent="-457200">
+              <a:buFont typeface="Arial" panose="020B0604020202020204" pitchFamily="34" charset="0"/>
+              <a:buChar char="•"/>
+            </a:pPr>
+            <a:endParaRPr lang="ro-RO" sz="3200" dirty="0"/>
+          </a:p>
+          <a:p>
+            <a:endParaRPr lang="ro-RO" sz="3200" dirty="0"/>
+          </a:p>
+          <a:p>
+            <a:pPr marL="457200" indent="-457200">
+              <a:buFont typeface="Arial" panose="020B0604020202020204" pitchFamily="34" charset="0"/>
+              <a:buChar char="•"/>
+            </a:pPr>
+            <a:r>
+              <a:rPr lang="ro-RO" sz="3200" dirty="0"/>
+              <a:t>Unexpected computing method for </a:t>
+            </a:r>
+            <a:r>
+              <a:rPr lang="en-US" sz="3200" dirty="0"/>
+              <a:t>end results</a:t>
+            </a:r>
+            <a:endParaRPr lang="ro-RO" sz="3200" dirty="0"/>
+          </a:p>
+          <a:p>
+            <a:pPr marL="457200" indent="-457200">
+              <a:buFont typeface="Arial" panose="020B0604020202020204" pitchFamily="34" charset="0"/>
+              <a:buChar char="•"/>
+            </a:pPr>
+            <a:endParaRPr lang="ro-RO" sz="3200" dirty="0"/>
+          </a:p>
+          <a:p>
+            <a:endParaRPr lang="en-US" sz="3200" dirty="0"/>
+          </a:p>
+          <a:p>
+            <a:pPr marL="457200" indent="-457200">
+              <a:buFont typeface="Arial" panose="020B0604020202020204" pitchFamily="34" charset="0"/>
+              <a:buChar char="•"/>
+            </a:pPr>
+            <a:r>
+              <a:rPr lang="en-US" sz="3200" dirty="0" err="1"/>
+              <a:t>Github</a:t>
+            </a:r>
+            <a:r>
+              <a:rPr lang="en-US" sz="3200" dirty="0"/>
+              <a:t> versioning</a:t>
+            </a:r>
+            <a:endParaRPr lang="ro-RO" sz="3200" dirty="0"/>
+          </a:p>
+        </p:txBody>
+      </p:sp>
+    </p:spTree>
+    <p:extLst>
+      <p:ext uri="{BB962C8B-B14F-4D97-AF65-F5344CB8AC3E}">
+        <p14:creationId xmlns:p14="http://schemas.microsoft.com/office/powerpoint/2010/main" val="2175330160"/>
+      </p:ext>
+    </p:extLst>
+  </p:cSld>
+  <p:clrMapOvr>
+    <a:masterClrMapping/>
+  </p:clrMapOvr>
+</p:sld>
+</file>
+
+<file path=ppt/slides/slide7.xml><?xml version="1.0" encoding="utf-8"?>
+<p:sld xmlns:a="http://schemas.openxmlformats.org/drawingml/2006/main" xmlns:r="http://schemas.openxmlformats.org/officeDocument/2006/relationships" xmlns:p="http://schemas.openxmlformats.org/presentationml/2006/main">
+  <p:cSld>
+    <p:spTree>
+      <p:nvGrpSpPr>
+        <p:cNvPr id="1" name=""/>
+        <p:cNvGrpSpPr/>
+        <p:nvPr/>
+      </p:nvGrpSpPr>
+      <p:grpSpPr>
+        <a:xfrm>
+          <a:off x="0" y="0"/>
+          <a:ext cx="0" cy="0"/>
+          <a:chOff x="0" y="0"/>
+          <a:chExt cx="0" cy="0"/>
+        </a:xfrm>
+      </p:grpSpPr>
+      <p:sp>
+        <p:nvSpPr>
+          <p:cNvPr id="3" name="Subtitle 2"/>
+          <p:cNvSpPr>
+            <a:spLocks noGrp="1"/>
+          </p:cNvSpPr>
+          <p:nvPr>
+            <p:ph type="subTitle" idx="1"/>
+          </p:nvPr>
+        </p:nvSpPr>
+        <p:spPr>
+          <a:xfrm>
+            <a:off x="5862" y="23446"/>
+            <a:ext cx="9138138" cy="814754"/>
+          </a:xfrm>
+        </p:spPr>
+        <p:txBody>
+          <a:bodyPr>
+            <a:noAutofit/>
+          </a:bodyPr>
+          <a:lstStyle/>
+          <a:p>
+            <a:r>
+              <a:rPr lang="ro-RO" sz="4800" dirty="0">
+                <a:solidFill>
+                  <a:schemeClr val="bg1"/>
+                </a:solidFill>
+              </a:rPr>
+              <a:t>Improvements</a:t>
+            </a:r>
+            <a:endParaRPr lang="en-US" sz="4800" dirty="0">
+              <a:solidFill>
+                <a:schemeClr val="bg1"/>
+              </a:solidFill>
+            </a:endParaRPr>
+          </a:p>
+        </p:txBody>
+      </p:sp>
+      <p:sp>
+        <p:nvSpPr>
+          <p:cNvPr id="4" name="TextBox 3">
+            <a:extLst>
+              <a:ext uri="{FF2B5EF4-FFF2-40B4-BE49-F238E27FC236}">
+                <a16:creationId xmlns:a16="http://schemas.microsoft.com/office/drawing/2014/main" id="{6EAB9E28-F972-40F1-8AF6-A3334B4479AE}"/>
+              </a:ext>
+            </a:extLst>
+          </p:cNvPr>
+          <p:cNvSpPr txBox="1"/>
+          <p:nvPr/>
+        </p:nvSpPr>
+        <p:spPr>
+          <a:xfrm>
+            <a:off x="76200" y="1086683"/>
+            <a:ext cx="8839200" cy="5355312"/>
+          </a:xfrm>
+          <a:prstGeom prst="rect">
+            <a:avLst/>
+          </a:prstGeom>
+          <a:noFill/>
+        </p:spPr>
+        <p:txBody>
+          <a:bodyPr wrap="square" rtlCol="0">
+            <a:spAutoFit/>
+          </a:bodyPr>
+          <a:lstStyle/>
+          <a:p>
+            <a:r>
+              <a:rPr lang="ro-RO" b="1" dirty="0"/>
+              <a:t>Improvements</a:t>
+            </a:r>
+            <a:endParaRPr lang="en-US" b="1" dirty="0"/>
+          </a:p>
+          <a:p>
+            <a:pPr marL="285750" indent="-285750">
+              <a:buFont typeface="Arial" panose="020B0604020202020204" pitchFamily="34" charset="0"/>
+              <a:buChar char="•"/>
+            </a:pPr>
+            <a:r>
+              <a:rPr lang="en-US" dirty="0"/>
+              <a:t>There can never be enough Try catches! (however in the spirit of a speedy</a:t>
+            </a:r>
+            <a:r>
+              <a:rPr lang="ro-RO" dirty="0"/>
+              <a:t> </a:t>
+            </a:r>
+            <a:r>
+              <a:rPr lang="en-US" dirty="0"/>
+              <a:t>implementation, this can be added at a later time)</a:t>
+            </a:r>
+            <a:endParaRPr lang="ro-RO" dirty="0"/>
+          </a:p>
+          <a:p>
+            <a:pPr marL="285750" indent="-285750">
+              <a:buFont typeface="Arial" panose="020B0604020202020204" pitchFamily="34" charset="0"/>
+              <a:buChar char="•"/>
+            </a:pPr>
+            <a:endParaRPr lang="ro-RO" dirty="0"/>
+          </a:p>
+          <a:p>
+            <a:pPr marL="285750" indent="-285750">
+              <a:buFont typeface="Arial" panose="020B0604020202020204" pitchFamily="34" charset="0"/>
+              <a:buChar char="•"/>
+            </a:pPr>
+            <a:r>
+              <a:rPr lang="ro-RO" dirty="0"/>
+              <a:t>More testing</a:t>
+            </a:r>
+          </a:p>
+          <a:p>
+            <a:endParaRPr lang="ro-RO" dirty="0"/>
+          </a:p>
+          <a:p>
+            <a:endParaRPr lang="en-US" dirty="0"/>
+          </a:p>
+          <a:p>
+            <a:r>
+              <a:rPr lang="ro-RO" b="1" dirty="0"/>
+              <a:t>Future development :</a:t>
+            </a:r>
+          </a:p>
+          <a:p>
+            <a:endParaRPr lang="ro-RO" dirty="0"/>
+          </a:p>
+          <a:p>
+            <a:pPr marL="285750" indent="-285750">
+              <a:buFont typeface="Arial" panose="020B0604020202020204" pitchFamily="34" charset="0"/>
+              <a:buChar char="•"/>
+            </a:pPr>
+            <a:r>
+              <a:rPr lang="en-US" dirty="0"/>
+              <a:t>Shortest path algorithm so the robot would become an unattended one</a:t>
+            </a:r>
+            <a:r>
+              <a:rPr lang="ro-RO" dirty="0"/>
+              <a:t> from an attended one.</a:t>
+            </a:r>
+          </a:p>
+          <a:p>
+            <a:pPr marL="285750" indent="-285750">
+              <a:buFont typeface="Arial" panose="020B0604020202020204" pitchFamily="34" charset="0"/>
+              <a:buChar char="•"/>
+            </a:pPr>
+            <a:endParaRPr lang="ro-RO" dirty="0"/>
+          </a:p>
+          <a:p>
+            <a:pPr marL="285750" indent="-285750">
+              <a:buFont typeface="Arial" panose="020B0604020202020204" pitchFamily="34" charset="0"/>
+              <a:buChar char="•"/>
+            </a:pPr>
+            <a:r>
+              <a:rPr lang="en-US" dirty="0"/>
+              <a:t>A better processing of the data - more cases treated in the case of OCR or</a:t>
+            </a:r>
+            <a:r>
+              <a:rPr lang="ro-RO" dirty="0"/>
+              <a:t> selectors failure</a:t>
+            </a:r>
+          </a:p>
+          <a:p>
+            <a:pPr marL="285750" indent="-285750">
+              <a:buFont typeface="Arial" panose="020B0604020202020204" pitchFamily="34" charset="0"/>
+              <a:buChar char="•"/>
+            </a:pPr>
+            <a:endParaRPr lang="ro-RO" dirty="0"/>
+          </a:p>
+          <a:p>
+            <a:pPr marL="285750" indent="-285750">
+              <a:buFont typeface="Arial" panose="020B0604020202020204" pitchFamily="34" charset="0"/>
+              <a:buChar char="•"/>
+            </a:pPr>
+            <a:r>
+              <a:rPr lang="ro-RO" dirty="0"/>
+              <a:t>Robot starting from Orchestrator.</a:t>
+            </a:r>
+          </a:p>
+          <a:p>
+            <a:pPr marL="285750" indent="-285750">
+              <a:buFont typeface="Arial" panose="020B0604020202020204" pitchFamily="34" charset="0"/>
+              <a:buChar char="•"/>
+            </a:pPr>
+            <a:endParaRPr lang="ro-RO" dirty="0"/>
+          </a:p>
+          <a:p>
+            <a:pPr marL="285750" indent="-285750">
+              <a:buFont typeface="Arial" panose="020B0604020202020204" pitchFamily="34" charset="0"/>
+              <a:buChar char="•"/>
+            </a:pPr>
+            <a:r>
+              <a:rPr lang="en-US" dirty="0"/>
+              <a:t>We could extend this application to monitor carbon footprint using external</a:t>
+            </a:r>
+            <a:r>
+              <a:rPr lang="ro-RO" dirty="0"/>
+              <a:t> </a:t>
+            </a:r>
+            <a:r>
+              <a:rPr lang="en-US" dirty="0"/>
+              <a:t>public services called from an API.</a:t>
+            </a:r>
+            <a:endParaRPr lang="ro-RO" dirty="0"/>
+          </a:p>
+        </p:txBody>
+      </p:sp>
+    </p:spTree>
+    <p:extLst>
+      <p:ext uri="{BB962C8B-B14F-4D97-AF65-F5344CB8AC3E}">
+        <p14:creationId xmlns:p14="http://schemas.microsoft.com/office/powerpoint/2010/main" val="115804403"/>
+      </p:ext>
+    </p:extLst>
+  </p:cSld>
+  <p:clrMapOvr>
+    <a:masterClrMapping/>
+  </p:clrMapOvr>
+</p:sld>
+</file>
+
+<file path=ppt/slides/slide8.xml><?xml version="1.0" encoding="utf-8"?>
+<p:sld xmlns:a="http://schemas.openxmlformats.org/drawingml/2006/main" xmlns:r="http://schemas.openxmlformats.org/officeDocument/2006/relationships" xmlns:p="http://schemas.openxmlformats.org/presentationml/2006/main">
+  <p:cSld>
+    <p:spTree>
+      <p:nvGrpSpPr>
+        <p:cNvPr id="1" name=""/>
+        <p:cNvGrpSpPr/>
+        <p:nvPr/>
+      </p:nvGrpSpPr>
+      <p:grpSpPr>
+        <a:xfrm>
+          <a:off x="0" y="0"/>
+          <a:ext cx="0" cy="0"/>
+          <a:chOff x="0" y="0"/>
+          <a:chExt cx="0" cy="0"/>
+        </a:xfrm>
+      </p:grpSpPr>
+      <p:sp>
+        <p:nvSpPr>
+          <p:cNvPr id="2" name="Title 1">
+            <a:extLst>
+              <a:ext uri="{FF2B5EF4-FFF2-40B4-BE49-F238E27FC236}">
+                <a16:creationId xmlns:a16="http://schemas.microsoft.com/office/drawing/2014/main" id="{0ACAF32E-336A-46FA-B1F2-D1F5FF05D48D}"/>
+              </a:ext>
+            </a:extLst>
+          </p:cNvPr>
+          <p:cNvSpPr>
+            <a:spLocks noGrp="1"/>
+          </p:cNvSpPr>
+          <p:nvPr>
+            <p:ph type="title"/>
+          </p:nvPr>
+        </p:nvSpPr>
+        <p:spPr>
+          <a:xfrm>
+            <a:off x="304800" y="228600"/>
+            <a:ext cx="8686800" cy="6553200"/>
+          </a:xfrm>
+        </p:spPr>
+        <p:txBody>
+          <a:bodyPr>
+            <a:normAutofit/>
+          </a:bodyPr>
+          <a:lstStyle/>
+          <a:p>
+            <a:pPr algn="ctr"/>
+            <a:r>
+              <a:rPr lang="ro-RO" sz="8200" dirty="0"/>
+              <a:t>Q &amp; A</a:t>
+            </a:r>
+          </a:p>
+        </p:txBody>
+      </p:sp>
+    </p:spTree>
+    <p:extLst>
+      <p:ext uri="{BB962C8B-B14F-4D97-AF65-F5344CB8AC3E}">
+        <p14:creationId xmlns:p14="http://schemas.microsoft.com/office/powerpoint/2010/main" val="3651872743"/>
+      </p:ext>
+    </p:extLst>
+  </p:cSld>
+  <p:clrMapOvr>
+    <a:masterClrMapping/>
+  </p:clrMapOvr>
 </p:sld>
 </file>
 
 <file path=ppt/theme/theme1.xml><?xml version="1.0" encoding="utf-8"?>
-<a:theme xmlns:a="http://schemas.openxmlformats.org/drawingml/2006/main" name="Executive">
+<a:theme xmlns:a="http://schemas.openxmlformats.org/drawingml/2006/main" name="Slice">
   <a:themeElements>
-    <a:clrScheme name="Executive">
+    <a:clrScheme name="Slice">
       <a:dk1>
         <a:sysClr val="windowText" lastClr="000000"/>
       </a:dk1>
@@ -3822,42 +6891,42 @@
         <a:sysClr val="window" lastClr="FFFFFF"/>
       </a:lt1>
       <a:dk2>
-        <a:srgbClr val="2F5897"/>
+        <a:srgbClr val="146194"/>
       </a:dk2>
       <a:lt2>
-        <a:srgbClr val="E4E9EF"/>
+        <a:srgbClr val="76DBF4"/>
       </a:lt2>
       <a:accent1>
-        <a:srgbClr val="6076B4"/>
+        <a:srgbClr val="052F61"/>
       </a:accent1>
       <a:accent2>
-        <a:srgbClr val="9C5252"/>
+        <a:srgbClr val="A50E82"/>
       </a:accent2>
       <a:accent3>
-        <a:srgbClr val="E68422"/>
+        <a:srgbClr val="14967C"/>
       </a:accent3>
       <a:accent4>
-        <a:srgbClr val="846648"/>
+        <a:srgbClr val="6A9E1F"/>
       </a:accent4>
       <a:accent5>
-        <a:srgbClr val="63891F"/>
+        <a:srgbClr val="E87D37"/>
       </a:accent5>
       <a:accent6>
-        <a:srgbClr val="758085"/>
+        <a:srgbClr val="C62324"/>
       </a:accent6>
       <a:hlink>
-        <a:srgbClr val="3399FF"/>
+        <a:srgbClr val="0D2E46"/>
       </a:hlink>
       <a:folHlink>
-        <a:srgbClr val="B2B2B2"/>
+        <a:srgbClr val="356A95"/>
       </a:folHlink>
     </a:clrScheme>
-    <a:fontScheme name="Executive">
+    <a:fontScheme name="Slice">
       <a:majorFont>
-        <a:latin typeface="Century Gothic"/>
+        <a:latin typeface="Century Gothic" panose="020B0502020202020204"/>
         <a:ea typeface=""/>
         <a:cs typeface=""/>
-        <a:font script="Jpan" typeface="HGｺﾞｼｯｸM"/>
+        <a:font script="Jpan" typeface="メイリオ"/>
         <a:font script="Hang" typeface="HY중고딕"/>
         <a:font script="Hans" typeface="幼圆"/>
         <a:font script="Hant" typeface="微軟正黑體"/>
@@ -3889,20 +6958,20 @@
         <a:font script="Geor" typeface="Sylfaen"/>
       </a:majorFont>
       <a:minorFont>
-        <a:latin typeface="Palatino Linotype"/>
+        <a:latin typeface="Century Gothic" panose="020B0502020202020204"/>
         <a:ea typeface=""/>
         <a:cs typeface=""/>
-        <a:font script="Jpan" typeface="HGS明朝E"/>
-        <a:font script="Hang" typeface="맑은 고딕"/>
-        <a:font script="Hans" typeface="宋体"/>
-        <a:font script="Hant" typeface="新細明體"/>
-        <a:font script="Arab" typeface="Times New Roman"/>
-        <a:font script="Hebr" typeface="Times New Roman"/>
-        <a:font script="Thai" typeface="Browallia New"/>
+        <a:font script="Jpan" typeface="メイリオ"/>
+        <a:font script="Hang" typeface="HY중고딕"/>
+        <a:font script="Hans" typeface="幼圆"/>
+        <a:font script="Hant" typeface="微軟正黑體"/>
+        <a:font script="Arab" typeface="Tahoma"/>
+        <a:font script="Hebr" typeface="Gisha"/>
+        <a:font script="Thai" typeface="DilleniaUPC"/>
         <a:font script="Ethi" typeface="Nyala"/>
         <a:font script="Beng" typeface="Vrinda"/>
         <a:font script="Gujr" typeface="Shruti"/>
-        <a:font script="Khmr" typeface="MoolBoran"/>
+        <a:font script="Khmr" typeface="DaunPenh"/>
         <a:font script="Knda" typeface="Tunga"/>
         <a:font script="Guru" typeface="Raavi"/>
         <a:font script="Cans" typeface="Euphemia"/>
@@ -3919,12 +6988,12 @@
         <a:font script="Laoo" typeface="DokChampa"/>
         <a:font script="Sinh" typeface="Iskoola Pota"/>
         <a:font script="Mong" typeface="Mongolian Baiti"/>
-        <a:font script="Viet" typeface="Times New Roman"/>
+        <a:font script="Viet" typeface="Tahoma"/>
         <a:font script="Uigh" typeface="Microsoft Uighur"/>
         <a:font script="Geor" typeface="Sylfaen"/>
       </a:minorFont>
     </a:fontScheme>
-    <a:fmtScheme name="Executive">
+    <a:fmtScheme name="Slice">
       <a:fillStyleLst>
         <a:solidFill>
           <a:schemeClr val="phClr"/>
@@ -3933,66 +7002,61 @@
           <a:gsLst>
             <a:gs pos="0">
               <a:schemeClr val="phClr">
-                <a:tint val="50000"/>
-                <a:satMod val="300000"/>
-              </a:schemeClr>
-            </a:gs>
-            <a:gs pos="35000">
-              <a:schemeClr val="phClr">
-                <a:tint val="37000"/>
-                <a:satMod val="300000"/>
+                <a:tint val="62000"/>
+                <a:hueMod val="94000"/>
+                <a:satMod val="140000"/>
+                <a:lumMod val="110000"/>
               </a:schemeClr>
             </a:gs>
             <a:gs pos="100000">
               <a:schemeClr val="phClr">
-                <a:tint val="15000"/>
-                <a:satMod val="350000"/>
+                <a:tint val="84000"/>
+                <a:satMod val="160000"/>
               </a:schemeClr>
             </a:gs>
           </a:gsLst>
-          <a:lin ang="16200000" scaled="1"/>
+          <a:lin ang="5400000" scaled="0"/>
         </a:gradFill>
         <a:gradFill rotWithShape="1">
           <a:gsLst>
             <a:gs pos="0">
               <a:schemeClr val="phClr">
-                <a:shade val="51000"/>
+                <a:tint val="98000"/>
+                <a:hueMod val="94000"/>
                 <a:satMod val="130000"/>
-              </a:schemeClr>
-            </a:gs>
-            <a:gs pos="80000">
-              <a:schemeClr val="phClr">
-                <a:shade val="93000"/>
-                <a:satMod val="130000"/>
+                <a:lumMod val="138000"/>
               </a:schemeClr>
             </a:gs>
             <a:gs pos="100000">
               <a:schemeClr val="phClr">
                 <a:shade val="94000"/>
-                <a:satMod val="135000"/>
+                <a:lumMod val="88000"/>
               </a:schemeClr>
             </a:gs>
           </a:gsLst>
-          <a:lin ang="16200000" scaled="0"/>
+          <a:lin ang="5400000" scaled="0"/>
         </a:gradFill>
       </a:fillStyleLst>
       <a:lnStyleLst>
-        <a:ln w="9525" cap="flat" cmpd="sng" algn="ctr">
+        <a:ln w="9525" cap="rnd" cmpd="sng" algn="ctr">
           <a:solidFill>
             <a:schemeClr val="phClr">
-              <a:shade val="95000"/>
-              <a:satMod val="105000"/>
+              <a:tint val="76000"/>
+              <a:alpha val="60000"/>
+              <a:hueMod val="94000"/>
             </a:schemeClr>
           </a:solidFill>
           <a:prstDash val="solid"/>
         </a:ln>
-        <a:ln w="28575" cap="flat" cmpd="sng" algn="ctr">
+        <a:ln w="12700" cap="rnd" cmpd="sng" algn="ctr">
           <a:solidFill>
-            <a:schemeClr val="phClr"/>
+            <a:schemeClr val="phClr">
+              <a:hueMod val="94000"/>
+            </a:schemeClr>
           </a:solidFill>
           <a:prstDash val="solid"/>
         </a:ln>
-        <a:ln w="50800" cap="flat" cmpd="sng" algn="ctr">
+        <a:ln w="28575" cap="rnd" cmpd="sng" algn="ctr">
           <a:solidFill>
             <a:schemeClr val="phClr"/>
           </a:solidFill>
@@ -4001,28 +7065,22 @@
       </a:lnStyleLst>
       <a:effectStyleLst>
         <a:effectStyle>
+          <a:effectLst/>
+        </a:effectStyle>
+        <a:effectStyle>
           <a:effectLst>
-            <a:outerShdw blurRad="40000" dist="20000" dir="5400000" rotWithShape="0">
+            <a:innerShdw blurRad="25400" dist="12700" dir="13500000">
               <a:srgbClr val="000000">
-                <a:alpha val="38000"/>
+                <a:alpha val="45000"/>
               </a:srgbClr>
-            </a:outerShdw>
+            </a:innerShdw>
           </a:effectLst>
         </a:effectStyle>
         <a:effectStyle>
           <a:effectLst>
-            <a:outerShdw blurRad="40000" dist="23000" dir="5400000" rotWithShape="0">
+            <a:outerShdw blurRad="50800" dist="38100" dir="5400000" rotWithShape="0">
               <a:srgbClr val="000000">
-                <a:alpha val="35000"/>
-              </a:srgbClr>
-            </a:outerShdw>
-          </a:effectLst>
-        </a:effectStyle>
-        <a:effectStyle>
-          <a:effectLst>
-            <a:outerShdw blurRad="40000" dist="23000" dir="5400000" rotWithShape="0">
-              <a:srgbClr val="000000">
-                <a:alpha val="35000"/>
+                <a:alpha val="46000"/>
               </a:srgbClr>
             </a:outerShdw>
           </a:effectLst>
@@ -4030,12 +7088,10 @@
             <a:camera prst="orthographicFront">
               <a:rot lat="0" lon="0" rev="0"/>
             </a:camera>
-            <a:lightRig rig="threePt" dir="t">
-              <a:rot lat="0" lon="0" rev="1200000"/>
-            </a:lightRig>
+            <a:lightRig rig="threePt" dir="t"/>
           </a:scene3d>
-          <a:sp3d>
-            <a:bevelT w="63500" h="25400"/>
+          <a:sp3d prstMaterial="plastic">
+            <a:bevelT w="25400" h="25400"/>
           </a:sp3d>
         </a:effectStyle>
       </a:effectStyleLst>
@@ -4045,48 +7101,55 @@
         </a:solidFill>
         <a:gradFill rotWithShape="1">
           <a:gsLst>
-            <a:gs pos="50000">
+            <a:gs pos="10000">
               <a:schemeClr val="phClr">
-                <a:tint val="80000"/>
-                <a:satMod val="250000"/>
+                <a:tint val="97000"/>
+                <a:hueMod val="92000"/>
+                <a:satMod val="169000"/>
+                <a:lumMod val="164000"/>
               </a:schemeClr>
             </a:gs>
-            <a:gs pos="76000">
+            <a:gs pos="100000">
               <a:schemeClr val="phClr">
-                <a:tint val="90000"/>
-                <a:shade val="90000"/>
-                <a:satMod val="200000"/>
+                <a:shade val="96000"/>
+                <a:satMod val="120000"/>
+                <a:lumMod val="90000"/>
               </a:schemeClr>
             </a:gs>
-            <a:gs pos="92000">
+          </a:gsLst>
+          <a:lin ang="6120000" scaled="1"/>
+        </a:gradFill>
+        <a:gradFill rotWithShape="1">
+          <a:gsLst>
+            <a:gs pos="0">
               <a:schemeClr val="phClr">
-                <a:tint val="90000"/>
-                <a:shade val="70000"/>
-                <a:satMod val="250000"/>
+                <a:tint val="97000"/>
+                <a:hueMod val="92000"/>
+                <a:satMod val="169000"/>
+                <a:lumMod val="164000"/>
+              </a:schemeClr>
+            </a:gs>
+            <a:gs pos="100000">
+              <a:schemeClr val="phClr">
+                <a:shade val="96000"/>
+                <a:satMod val="120000"/>
+                <a:lumMod val="90000"/>
               </a:schemeClr>
             </a:gs>
           </a:gsLst>
           <a:path path="circle">
-            <a:fillToRect l="50000" t="50000" r="50000" b="50000"/>
+            <a:fillToRect b="100000"/>
           </a:path>
         </a:gradFill>
-        <a:blipFill>
-          <a:blip xmlns:r="http://schemas.openxmlformats.org/officeDocument/2006/relationships" r:embed="rId1">
-            <a:duotone>
-              <a:schemeClr val="phClr">
-                <a:tint val="95000"/>
-              </a:schemeClr>
-              <a:schemeClr val="phClr">
-                <a:shade val="90000"/>
-              </a:schemeClr>
-            </a:duotone>
-          </a:blip>
-          <a:tile tx="0" ty="0" sx="100000" sy="100000" flip="none" algn="tl"/>
-        </a:blipFill>
       </a:bgFillStyleLst>
     </a:fmtScheme>
   </a:themeElements>
   <a:objectDefaults/>
   <a:extraClrSchemeLst/>
+  <a:extLst>
+    <a:ext uri="{05A4C25C-085E-4340-85A3-A5531E510DB2}">
+      <thm15:themeFamily xmlns:thm15="http://schemas.microsoft.com/office/thememl/2012/main" name="Slice" id="{0507925B-6AC9-4358-8E18-C330545D08F8}" vid="{13FEC7C6-62A9-40C4-99D2-581AACACAA2F}"/>
+    </a:ext>
+  </a:extLst>
 </a:theme>
 </file>
--- a/Documents/UiPath Brief.pptx
+++ b/Documents/UiPath Brief.pptx
@@ -129,7 +129,7 @@
       </p14:sectionLst>
     </p:ext>
     <p:ext uri="{EFAFB233-063F-42B5-8137-9DF3F51BA10A}">
-      <p15:sldGuideLst xmlns:p15="http://schemas.microsoft.com/office/powerpoint/2012/main">
+      <p15:sldGuideLst xmlns:p15="http://schemas.microsoft.com/office/powerpoint/2012/main" xmlns="">
         <p15:guide id="1" orient="horz" pos="2160">
           <p15:clr>
             <a:srgbClr val="A4A3A4"/>
@@ -5514,10 +5514,10 @@
           <p:cNvPr id="10" name="Rectangle 9">
             <a:extLst>
               <a:ext uri="{FF2B5EF4-FFF2-40B4-BE49-F238E27FC236}">
-                <a16:creationId xmlns:a16="http://schemas.microsoft.com/office/drawing/2014/main" id="{7E134C76-7FB4-4BB7-9322-DD8A4B179ACD}"/>
+                <a16:creationId xmlns:a16="http://schemas.microsoft.com/office/drawing/2014/main" xmlns="" id="{7E134C76-7FB4-4BB7-9322-DD8A4B179ACD}"/>
               </a:ext>
               <a:ext uri="{C183D7F6-B498-43B3-948B-1728B52AA6E4}">
-                <adec:decorative xmlns:adec="http://schemas.microsoft.com/office/drawing/2017/decorative" val="1"/>
+                <adec:decorative xmlns:adec="http://schemas.microsoft.com/office/drawing/2017/decorative" xmlns="" val="1"/>
               </a:ext>
             </a:extLst>
           </p:cNvPr>
@@ -5527,7 +5527,7 @@
           <p:nvPr>
             <p:extLst>
               <p:ext uri="{386F3935-93C4-4BCD-93E2-E3B085C9AB24}">
-                <p16:designElem xmlns:p16="http://schemas.microsoft.com/office/powerpoint/2015/main" val="1"/>
+                <p16:designElem xmlns:p16="http://schemas.microsoft.com/office/powerpoint/2015/main" xmlns="" val="1"/>
               </p:ext>
             </p:extLst>
           </p:nvPr>
@@ -5574,10 +5574,10 @@
           <p:cNvPr id="12" name="Snip Single Corner Rectangle 17">
             <a:extLst>
               <a:ext uri="{FF2B5EF4-FFF2-40B4-BE49-F238E27FC236}">
-                <a16:creationId xmlns:a16="http://schemas.microsoft.com/office/drawing/2014/main" id="{C0C57804-4F33-4D85-AA3E-DA0F214BBD91}"/>
+                <a16:creationId xmlns:a16="http://schemas.microsoft.com/office/drawing/2014/main" xmlns="" id="{C0C57804-4F33-4D85-AA3E-DA0F214BBD91}"/>
               </a:ext>
               <a:ext uri="{C183D7F6-B498-43B3-948B-1728B52AA6E4}">
-                <adec:decorative xmlns:adec="http://schemas.microsoft.com/office/drawing/2017/decorative" val="1"/>
+                <adec:decorative xmlns:adec="http://schemas.microsoft.com/office/drawing/2017/decorative" xmlns="" val="1"/>
               </a:ext>
             </a:extLst>
           </p:cNvPr>
@@ -5587,7 +5587,7 @@
           <p:nvPr>
             <p:extLst>
               <p:ext uri="{386F3935-93C4-4BCD-93E2-E3B085C9AB24}">
-                <p16:designElem xmlns:p16="http://schemas.microsoft.com/office/powerpoint/2015/main" val="1"/>
+                <p16:designElem xmlns:p16="http://schemas.microsoft.com/office/powerpoint/2015/main" xmlns="" val="1"/>
               </p:ext>
             </p:extLst>
           </p:nvPr>
@@ -5685,7 +5685,7 @@
           <p:cNvPr id="3" name="TextBox 2">
             <a:extLst>
               <a:ext uri="{FF2B5EF4-FFF2-40B4-BE49-F238E27FC236}">
-                <a16:creationId xmlns:a16="http://schemas.microsoft.com/office/drawing/2014/main" id="{D8721C01-2AC1-47A0-B89A-924BBD3591CA}"/>
+                <a16:creationId xmlns:a16="http://schemas.microsoft.com/office/drawing/2014/main" xmlns="" id="{D8721C01-2AC1-47A0-B89A-924BBD3591CA}"/>
               </a:ext>
             </a:extLst>
           </p:cNvPr>
@@ -5721,7 +5721,7 @@
           <p:cNvPr id="13" name="Picture 12">
             <a:extLst>
               <a:ext uri="{FF2B5EF4-FFF2-40B4-BE49-F238E27FC236}">
-                <a16:creationId xmlns:a16="http://schemas.microsoft.com/office/drawing/2014/main" id="{BB89CFD1-9EC4-4400-8B3A-84EF26554649}"/>
+                <a16:creationId xmlns:a16="http://schemas.microsoft.com/office/drawing/2014/main" xmlns="" id="{BB89CFD1-9EC4-4400-8B3A-84EF26554649}"/>
               </a:ext>
             </a:extLst>
           </p:cNvPr>
@@ -5757,7 +5757,7 @@
           <p:cNvPr id="14" name="TextBox 13">
             <a:extLst>
               <a:ext uri="{FF2B5EF4-FFF2-40B4-BE49-F238E27FC236}">
-                <a16:creationId xmlns:a16="http://schemas.microsoft.com/office/drawing/2014/main" id="{8F36EB32-6D70-453E-A611-358244E984D2}"/>
+                <a16:creationId xmlns:a16="http://schemas.microsoft.com/office/drawing/2014/main" xmlns="" id="{8F36EB32-6D70-453E-A611-358244E984D2}"/>
               </a:ext>
             </a:extLst>
           </p:cNvPr>
@@ -5866,7 +5866,7 @@
             <a:r>
               <a:rPr lang="ro-RO" dirty="0">
                 <a:solidFill>
-                  <a:schemeClr val="bg1"/>
+                  <a:schemeClr val="tx1"/>
                 </a:solidFill>
               </a:rPr>
               <a:t>Team description</a:t>
@@ -5876,7 +5876,7 @@
             <a:pPr algn="l"/>
             <a:endParaRPr lang="ro-RO" dirty="0">
               <a:solidFill>
-                <a:schemeClr val="bg1"/>
+                <a:schemeClr val="tx1"/>
               </a:solidFill>
             </a:endParaRPr>
           </a:p>
@@ -5885,7 +5885,7 @@
             <a:r>
               <a:rPr lang="ro-RO" dirty="0">
                 <a:solidFill>
-                  <a:schemeClr val="bg1"/>
+                  <a:schemeClr val="tx1"/>
                 </a:solidFill>
               </a:rPr>
               <a:t>Why Ui Path Brief </a:t>
@@ -5893,7 +5893,7 @@
             <a:r>
               <a:rPr lang="en-US" dirty="0">
                 <a:solidFill>
-                  <a:schemeClr val="bg1"/>
+                  <a:schemeClr val="tx1"/>
                 </a:solidFill>
               </a:rPr>
               <a:t>?</a:t>
@@ -5903,7 +5903,7 @@
             <a:pPr algn="l"/>
             <a:endParaRPr lang="ro-RO" dirty="0">
               <a:solidFill>
-                <a:schemeClr val="bg1"/>
+                <a:schemeClr val="tx1"/>
               </a:solidFill>
             </a:endParaRPr>
           </a:p>
@@ -5912,14 +5912,14 @@
             <a:r>
               <a:rPr lang="ro-RO" dirty="0">
                 <a:solidFill>
-                  <a:schemeClr val="bg1"/>
+                  <a:schemeClr val="tx1"/>
                 </a:solidFill>
               </a:rPr>
               <a:t>Solution description</a:t>
             </a:r>
             <a:endParaRPr lang="en-US" dirty="0">
               <a:solidFill>
-                <a:schemeClr val="bg1"/>
+                <a:schemeClr val="tx1"/>
               </a:solidFill>
             </a:endParaRPr>
           </a:p>
@@ -5927,7 +5927,7 @@
             <a:pPr algn="l"/>
             <a:endParaRPr lang="ro-RO" dirty="0">
               <a:solidFill>
-                <a:schemeClr val="bg1"/>
+                <a:schemeClr val="tx1"/>
               </a:solidFill>
             </a:endParaRPr>
           </a:p>
@@ -5936,14 +5936,14 @@
             <a:r>
               <a:rPr lang="ro-RO" dirty="0">
                 <a:solidFill>
-                  <a:schemeClr val="bg1"/>
+                  <a:schemeClr val="tx1"/>
                 </a:solidFill>
               </a:rPr>
               <a:t>Challenges and solutions</a:t>
             </a:r>
             <a:endParaRPr lang="en-US" dirty="0">
               <a:solidFill>
-                <a:schemeClr val="bg1"/>
+                <a:schemeClr val="tx1"/>
               </a:solidFill>
             </a:endParaRPr>
           </a:p>
@@ -5951,7 +5951,7 @@
             <a:pPr algn="l"/>
             <a:endParaRPr lang="ro-RO" dirty="0">
               <a:solidFill>
-                <a:schemeClr val="bg1"/>
+                <a:schemeClr val="tx1"/>
               </a:solidFill>
             </a:endParaRPr>
           </a:p>
@@ -5960,7 +5960,7 @@
             <a:r>
               <a:rPr lang="ro-RO" dirty="0">
                 <a:solidFill>
-                  <a:schemeClr val="bg1"/>
+                  <a:schemeClr val="tx1"/>
                 </a:solidFill>
               </a:rPr>
               <a:t>Improvements </a:t>
@@ -5970,7 +5970,7 @@
             <a:pPr algn="l"/>
             <a:endParaRPr lang="ro-RO" dirty="0">
               <a:solidFill>
-                <a:schemeClr val="bg1"/>
+                <a:schemeClr val="tx1"/>
               </a:solidFill>
             </a:endParaRPr>
           </a:p>
@@ -5979,14 +5979,14 @@
             <a:r>
               <a:rPr lang="ro-RO" dirty="0">
                 <a:solidFill>
-                  <a:schemeClr val="bg1"/>
+                  <a:schemeClr val="tx1"/>
                 </a:solidFill>
               </a:rPr>
               <a:t>Q&amp;A</a:t>
             </a:r>
             <a:endParaRPr lang="en-US" dirty="0">
               <a:solidFill>
-                <a:schemeClr val="bg1"/>
+                <a:schemeClr val="tx1"/>
               </a:solidFill>
             </a:endParaRPr>
           </a:p>
@@ -6027,7 +6027,7 @@
           <p:cNvPr id="2" name="Title 1">
             <a:extLst>
               <a:ext uri="{FF2B5EF4-FFF2-40B4-BE49-F238E27FC236}">
-                <a16:creationId xmlns:a16="http://schemas.microsoft.com/office/drawing/2014/main" id="{1E5661F0-79FE-483B-AAFF-EFE0102E03F8}"/>
+                <a16:creationId xmlns:a16="http://schemas.microsoft.com/office/drawing/2014/main" xmlns="" id="{1E5661F0-79FE-483B-AAFF-EFE0102E03F8}"/>
               </a:ext>
             </a:extLst>
           </p:cNvPr>
@@ -6066,7 +6066,7 @@
           <p:cNvPr id="3" name="Content Placeholder 2">
             <a:extLst>
               <a:ext uri="{FF2B5EF4-FFF2-40B4-BE49-F238E27FC236}">
-                <a16:creationId xmlns:a16="http://schemas.microsoft.com/office/drawing/2014/main" id="{12CFAD91-3EF4-4526-8FB6-4FF1B50AF6A6}"/>
+                <a16:creationId xmlns:a16="http://schemas.microsoft.com/office/drawing/2014/main" xmlns="" id="{12CFAD91-3EF4-4526-8FB6-4FF1B50AF6A6}"/>
               </a:ext>
             </a:extLst>
           </p:cNvPr>
@@ -6217,7 +6217,7 @@
           <p:cNvPr id="5" name="TextBox 4">
             <a:extLst>
               <a:ext uri="{FF2B5EF4-FFF2-40B4-BE49-F238E27FC236}">
-                <a16:creationId xmlns:a16="http://schemas.microsoft.com/office/drawing/2014/main" id="{12D8D686-28F5-41B9-93E4-6ABABAF4B352}"/>
+                <a16:creationId xmlns:a16="http://schemas.microsoft.com/office/drawing/2014/main" xmlns="" id="{12D8D686-28F5-41B9-93E4-6ABABAF4B352}"/>
               </a:ext>
             </a:extLst>
           </p:cNvPr>
@@ -6372,7 +6372,7 @@
           <p:cNvPr id="5" name="Picture 4">
             <a:extLst>
               <a:ext uri="{FF2B5EF4-FFF2-40B4-BE49-F238E27FC236}">
-                <a16:creationId xmlns:a16="http://schemas.microsoft.com/office/drawing/2014/main" id="{60182CB0-EFDE-41A2-88D0-55AA99D90923}"/>
+                <a16:creationId xmlns:a16="http://schemas.microsoft.com/office/drawing/2014/main" xmlns="" id="{60182CB0-EFDE-41A2-88D0-55AA99D90923}"/>
               </a:ext>
             </a:extLst>
           </p:cNvPr>
@@ -6476,7 +6476,7 @@
           <p:cNvPr id="4" name="TextBox 3">
             <a:extLst>
               <a:ext uri="{FF2B5EF4-FFF2-40B4-BE49-F238E27FC236}">
-                <a16:creationId xmlns:a16="http://schemas.microsoft.com/office/drawing/2014/main" id="{EC58D591-B14D-4D11-AFCE-98F39E470610}"/>
+                <a16:creationId xmlns:a16="http://schemas.microsoft.com/office/drawing/2014/main" xmlns="" id="{EC58D591-B14D-4D11-AFCE-98F39E470610}"/>
               </a:ext>
             </a:extLst>
           </p:cNvPr>
@@ -6641,7 +6641,7 @@
           <p:cNvPr id="4" name="TextBox 3">
             <a:extLst>
               <a:ext uri="{FF2B5EF4-FFF2-40B4-BE49-F238E27FC236}">
-                <a16:creationId xmlns:a16="http://schemas.microsoft.com/office/drawing/2014/main" id="{6EAB9E28-F972-40F1-8AF6-A3334B4479AE}"/>
+                <a16:creationId xmlns:a16="http://schemas.microsoft.com/office/drawing/2014/main" xmlns="" id="{6EAB9E28-F972-40F1-8AF6-A3334B4479AE}"/>
               </a:ext>
             </a:extLst>
           </p:cNvPr>
@@ -6836,7 +6836,7 @@
           <p:cNvPr id="2" name="Title 1">
             <a:extLst>
               <a:ext uri="{FF2B5EF4-FFF2-40B4-BE49-F238E27FC236}">
-                <a16:creationId xmlns:a16="http://schemas.microsoft.com/office/drawing/2014/main" id="{0ACAF32E-336A-46FA-B1F2-D1F5FF05D48D}"/>
+                <a16:creationId xmlns:a16="http://schemas.microsoft.com/office/drawing/2014/main" xmlns="" id="{0ACAF32E-336A-46FA-B1F2-D1F5FF05D48D}"/>
               </a:ext>
             </a:extLst>
           </p:cNvPr>
@@ -6861,8 +6861,19 @@
           <a:p>
             <a:pPr algn="ctr"/>
             <a:r>
+              <a:rPr lang="en-US" sz="8200" smtClean="0"/>
+              <a:t>Thank you</a:t>
+            </a:r>
+            <a:br>
+              <a:rPr lang="en-US" sz="8200" smtClean="0"/>
+            </a:br>
+            <a:r>
+              <a:rPr lang="ro-RO" sz="8200" dirty="0" smtClean="0"/>
+              <a:t>Q </a:t>
+            </a:r>
+            <a:r>
               <a:rPr lang="ro-RO" sz="8200" dirty="0"/>
-              <a:t>Q &amp; A</a:t>
+              <a:t>&amp; A</a:t>
             </a:r>
           </a:p>
         </p:txBody>
@@ -6923,7 +6934,7 @@
     </a:clrScheme>
     <a:fontScheme name="Slice">
       <a:majorFont>
-        <a:latin typeface="Century Gothic" panose="020B0502020202020204"/>
+        <a:latin typeface="Century Gothic"/>
         <a:ea typeface=""/>
         <a:cs typeface=""/>
         <a:font script="Jpan" typeface="メイリオ"/>
@@ -6958,7 +6969,7 @@
         <a:font script="Geor" typeface="Sylfaen"/>
       </a:majorFont>
       <a:minorFont>
-        <a:latin typeface="Century Gothic" panose="020B0502020202020204"/>
+        <a:latin typeface="Century Gothic"/>
         <a:ea typeface=""/>
         <a:cs typeface=""/>
         <a:font script="Jpan" typeface="メイリオ"/>
@@ -7148,7 +7159,7 @@
   <a:extraClrSchemeLst/>
   <a:extLst>
     <a:ext uri="{05A4C25C-085E-4340-85A3-A5531E510DB2}">
-      <thm15:themeFamily xmlns:thm15="http://schemas.microsoft.com/office/thememl/2012/main" name="Slice" id="{0507925B-6AC9-4358-8E18-C330545D08F8}" vid="{13FEC7C6-62A9-40C4-99D2-581AACACAA2F}"/>
+      <thm15:themeFamily xmlns:thm15="http://schemas.microsoft.com/office/thememl/2012/main" xmlns="" name="Slice" id="{0507925B-6AC9-4358-8E18-C330545D08F8}" vid="{13FEC7C6-62A9-40C4-99D2-581AACACAA2F}"/>
     </a:ext>
   </a:extLst>
 </a:theme>
